--- a/01. Pre-Classic/Vertices, triangles e uvs.pptx
+++ b/01. Pre-Classic/Vertices, triangles e uvs.pptx
@@ -16,12 +16,12 @@
     <p:sldId id="383" r:id="rId10"/>
     <p:sldId id="389" r:id="rId11"/>
     <p:sldId id="386" r:id="rId12"/>
-    <p:sldId id="380" r:id="rId13"/>
-    <p:sldId id="378" r:id="rId14"/>
-    <p:sldId id="376" r:id="rId15"/>
-    <p:sldId id="381" r:id="rId16"/>
-    <p:sldId id="377" r:id="rId17"/>
-    <p:sldId id="379" r:id="rId18"/>
+    <p:sldId id="378" r:id="rId13"/>
+    <p:sldId id="380" r:id="rId14"/>
+    <p:sldId id="381" r:id="rId15"/>
+    <p:sldId id="376" r:id="rId16"/>
+    <p:sldId id="379" r:id="rId17"/>
+    <p:sldId id="377" r:id="rId18"/>
     <p:sldId id="373" r:id="rId19"/>
     <p:sldId id="374" r:id="rId20"/>
     <p:sldId id="382" r:id="rId21"/>
@@ -2053,7 +2053,7 @@
           <a:p>
             <a:fld id="{1967C87D-2578-4C94-80D4-218D80B24105}" type="datetimeFigureOut">
               <a:rPr lang="pt-BR" smtClean="0"/>
-              <a:t>01/06/2024</a:t>
+              <a:t>06/06/2024</a:t>
             </a:fld>
             <a:endParaRPr lang="pt-BR"/>
           </a:p>
@@ -2251,7 +2251,7 @@
           <a:p>
             <a:fld id="{1967C87D-2578-4C94-80D4-218D80B24105}" type="datetimeFigureOut">
               <a:rPr lang="pt-BR" smtClean="0"/>
-              <a:t>01/06/2024</a:t>
+              <a:t>06/06/2024</a:t>
             </a:fld>
             <a:endParaRPr lang="pt-BR"/>
           </a:p>
@@ -2459,7 +2459,7 @@
           <a:p>
             <a:fld id="{1967C87D-2578-4C94-80D4-218D80B24105}" type="datetimeFigureOut">
               <a:rPr lang="pt-BR" smtClean="0"/>
-              <a:t>01/06/2024</a:t>
+              <a:t>06/06/2024</a:t>
             </a:fld>
             <a:endParaRPr lang="pt-BR"/>
           </a:p>
@@ -2657,7 +2657,7 @@
           <a:p>
             <a:fld id="{1967C87D-2578-4C94-80D4-218D80B24105}" type="datetimeFigureOut">
               <a:rPr lang="pt-BR" smtClean="0"/>
-              <a:t>01/06/2024</a:t>
+              <a:t>06/06/2024</a:t>
             </a:fld>
             <a:endParaRPr lang="pt-BR"/>
           </a:p>
@@ -2932,7 +2932,7 @@
           <a:p>
             <a:fld id="{1967C87D-2578-4C94-80D4-218D80B24105}" type="datetimeFigureOut">
               <a:rPr lang="pt-BR" smtClean="0"/>
-              <a:t>01/06/2024</a:t>
+              <a:t>06/06/2024</a:t>
             </a:fld>
             <a:endParaRPr lang="pt-BR"/>
           </a:p>
@@ -3197,7 +3197,7 @@
           <a:p>
             <a:fld id="{1967C87D-2578-4C94-80D4-218D80B24105}" type="datetimeFigureOut">
               <a:rPr lang="pt-BR" smtClean="0"/>
-              <a:t>01/06/2024</a:t>
+              <a:t>06/06/2024</a:t>
             </a:fld>
             <a:endParaRPr lang="pt-BR"/>
           </a:p>
@@ -3609,7 +3609,7 @@
           <a:p>
             <a:fld id="{1967C87D-2578-4C94-80D4-218D80B24105}" type="datetimeFigureOut">
               <a:rPr lang="pt-BR" smtClean="0"/>
-              <a:t>01/06/2024</a:t>
+              <a:t>06/06/2024</a:t>
             </a:fld>
             <a:endParaRPr lang="pt-BR"/>
           </a:p>
@@ -3750,7 +3750,7 @@
           <a:p>
             <a:fld id="{1967C87D-2578-4C94-80D4-218D80B24105}" type="datetimeFigureOut">
               <a:rPr lang="pt-BR" smtClean="0"/>
-              <a:t>01/06/2024</a:t>
+              <a:t>06/06/2024</a:t>
             </a:fld>
             <a:endParaRPr lang="pt-BR"/>
           </a:p>
@@ -3863,7 +3863,7 @@
           <a:p>
             <a:fld id="{1967C87D-2578-4C94-80D4-218D80B24105}" type="datetimeFigureOut">
               <a:rPr lang="pt-BR" smtClean="0"/>
-              <a:t>01/06/2024</a:t>
+              <a:t>06/06/2024</a:t>
             </a:fld>
             <a:endParaRPr lang="pt-BR"/>
           </a:p>
@@ -4174,7 +4174,7 @@
           <a:p>
             <a:fld id="{1967C87D-2578-4C94-80D4-218D80B24105}" type="datetimeFigureOut">
               <a:rPr lang="pt-BR" smtClean="0"/>
-              <a:t>01/06/2024</a:t>
+              <a:t>06/06/2024</a:t>
             </a:fld>
             <a:endParaRPr lang="pt-BR"/>
           </a:p>
@@ -4462,7 +4462,7 @@
           <a:p>
             <a:fld id="{1967C87D-2578-4C94-80D4-218D80B24105}" type="datetimeFigureOut">
               <a:rPr lang="pt-BR" smtClean="0"/>
-              <a:t>01/06/2024</a:t>
+              <a:t>06/06/2024</a:t>
             </a:fld>
             <a:endParaRPr lang="pt-BR"/>
           </a:p>
@@ -4703,7 +4703,7 @@
           <a:p>
             <a:fld id="{1967C87D-2578-4C94-80D4-218D80B24105}" type="datetimeFigureOut">
               <a:rPr lang="pt-BR" smtClean="0"/>
-              <a:t>01/06/2024</a:t>
+              <a:t>06/06/2024</a:t>
             </a:fld>
             <a:endParaRPr lang="pt-BR"/>
           </a:p>
@@ -7663,6 +7663,921 @@
       </p:pic>
       <p:pic>
         <p:nvPicPr>
+          <p:cNvPr id="8" name="Imagem 7" descr="Desenho de azulejo&#10;&#10;Descrição gerada automaticamente com confiança média">
+            <a:extLst>
+              <a:ext uri="{FF2B5EF4-FFF2-40B4-BE49-F238E27FC236}">
+                <a16:creationId xmlns:a16="http://schemas.microsoft.com/office/drawing/2014/main" id="{9F58ADDF-7472-45F7-96C7-5D8450AA7B1F}"/>
+              </a:ext>
+            </a:extLst>
+          </p:cNvPr>
+          <p:cNvPicPr>
+            <a:picLocks noChangeAspect="1"/>
+          </p:cNvPicPr>
+          <p:nvPr/>
+        </p:nvPicPr>
+        <p:blipFill>
+          <a:blip r:embed="rId3">
+            <a:alphaModFix amt="50000"/>
+            <a:extLst>
+              <a:ext uri="{28A0092B-C50C-407E-A947-70E740481C1C}">
+                <a14:useLocalDpi xmlns:a14="http://schemas.microsoft.com/office/drawing/2010/main" val="0"/>
+              </a:ext>
+            </a:extLst>
+          </a:blip>
+          <a:stretch>
+            <a:fillRect/>
+          </a:stretch>
+        </p:blipFill>
+        <p:spPr>
+          <a:xfrm>
+            <a:off x="5193999" y="1883261"/>
+            <a:ext cx="3600000" cy="3600000"/>
+          </a:xfrm>
+          <a:prstGeom prst="rect">
+            <a:avLst/>
+          </a:prstGeom>
+          <a:ln w="38100">
+            <a:noFill/>
+          </a:ln>
+          <a:scene3d>
+            <a:camera prst="isometricOffAxis1Right"/>
+            <a:lightRig rig="threePt" dir="t"/>
+          </a:scene3d>
+        </p:spPr>
+      </p:pic>
+      <p:pic>
+        <p:nvPicPr>
+          <p:cNvPr id="9" name="Imagem 8" descr="Desenho de azulejo&#10;&#10;Descrição gerada automaticamente com confiança média">
+            <a:extLst>
+              <a:ext uri="{FF2B5EF4-FFF2-40B4-BE49-F238E27FC236}">
+                <a16:creationId xmlns:a16="http://schemas.microsoft.com/office/drawing/2014/main" id="{1C6A20F4-CA66-4AA6-B36D-05AFB0312AE6}"/>
+              </a:ext>
+            </a:extLst>
+          </p:cNvPr>
+          <p:cNvPicPr>
+            <a:picLocks noChangeAspect="1"/>
+          </p:cNvPicPr>
+          <p:nvPr/>
+        </p:nvPicPr>
+        <p:blipFill>
+          <a:blip r:embed="rId3">
+            <a:alphaModFix/>
+            <a:extLst>
+              <a:ext uri="{28A0092B-C50C-407E-A947-70E740481C1C}">
+                <a14:useLocalDpi xmlns:a14="http://schemas.microsoft.com/office/drawing/2010/main" val="0"/>
+              </a:ext>
+            </a:extLst>
+          </a:blip>
+          <a:stretch>
+            <a:fillRect/>
+          </a:stretch>
+        </p:blipFill>
+        <p:spPr>
+          <a:xfrm>
+            <a:off x="2785502" y="1625119"/>
+            <a:ext cx="3600000" cy="3600000"/>
+          </a:xfrm>
+          <a:prstGeom prst="rect">
+            <a:avLst/>
+          </a:prstGeom>
+          <a:ln w="38100">
+            <a:noFill/>
+          </a:ln>
+          <a:scene3d>
+            <a:camera prst="isometricOffAxis1Left"/>
+            <a:lightRig rig="threePt" dir="t"/>
+          </a:scene3d>
+        </p:spPr>
+      </p:pic>
+      <p:pic>
+        <p:nvPicPr>
+          <p:cNvPr id="10" name="Imagem 9">
+            <a:extLst>
+              <a:ext uri="{FF2B5EF4-FFF2-40B4-BE49-F238E27FC236}">
+                <a16:creationId xmlns:a16="http://schemas.microsoft.com/office/drawing/2014/main" id="{299EB379-1D17-4600-8868-568E6DD8354C}"/>
+              </a:ext>
+            </a:extLst>
+          </p:cNvPr>
+          <p:cNvPicPr>
+            <a:picLocks noChangeAspect="1"/>
+          </p:cNvPicPr>
+          <p:nvPr/>
+        </p:nvPicPr>
+        <p:blipFill>
+          <a:blip r:embed="rId4">
+            <a:alphaModFix amt="50000"/>
+            <a:extLst>
+              <a:ext uri="{28A0092B-C50C-407E-A947-70E740481C1C}">
+                <a14:useLocalDpi xmlns:a14="http://schemas.microsoft.com/office/drawing/2010/main" val="0"/>
+              </a:ext>
+            </a:extLst>
+          </a:blip>
+          <a:srcRect/>
+          <a:stretch/>
+        </p:blipFill>
+        <p:spPr>
+          <a:xfrm>
+            <a:off x="4402680" y="-329817"/>
+            <a:ext cx="3600000" cy="3600000"/>
+          </a:xfrm>
+          <a:prstGeom prst="rect">
+            <a:avLst/>
+          </a:prstGeom>
+          <a:ln w="38100">
+            <a:noFill/>
+          </a:ln>
+          <a:scene3d>
+            <a:camera prst="isometricOffAxis1Top"/>
+            <a:lightRig rig="threePt" dir="t"/>
+          </a:scene3d>
+        </p:spPr>
+      </p:pic>
+      <p:sp>
+        <p:nvSpPr>
+          <p:cNvPr id="7" name="CaixaDeTexto 6">
+            <a:extLst>
+              <a:ext uri="{FF2B5EF4-FFF2-40B4-BE49-F238E27FC236}">
+                <a16:creationId xmlns:a16="http://schemas.microsoft.com/office/drawing/2014/main" id="{CD4ACC98-F56B-41ED-93B3-80354F772CB8}"/>
+              </a:ext>
+            </a:extLst>
+          </p:cNvPr>
+          <p:cNvSpPr txBox="1"/>
+          <p:nvPr/>
+        </p:nvSpPr>
+        <p:spPr>
+          <a:xfrm>
+            <a:off x="0" y="0"/>
+            <a:ext cx="567784" cy="369332"/>
+          </a:xfrm>
+          <a:prstGeom prst="rect">
+            <a:avLst/>
+          </a:prstGeom>
+          <a:noFill/>
+        </p:spPr>
+        <p:txBody>
+          <a:bodyPr wrap="none" rtlCol="0">
+            <a:spAutoFit/>
+          </a:bodyPr>
+          <a:lstStyle/>
+          <a:p>
+            <a:r>
+              <a:rPr lang="pt-BR" dirty="0"/>
+              <a:t>East</a:t>
+            </a:r>
+          </a:p>
+        </p:txBody>
+      </p:sp>
+      <p:sp>
+        <p:nvSpPr>
+          <p:cNvPr id="17" name="Elipse 16">
+            <a:extLst>
+              <a:ext uri="{FF2B5EF4-FFF2-40B4-BE49-F238E27FC236}">
+                <a16:creationId xmlns:a16="http://schemas.microsoft.com/office/drawing/2014/main" id="{C9BE8AE0-89F4-4E2C-B9B2-7CB3DC61B740}"/>
+              </a:ext>
+            </a:extLst>
+          </p:cNvPr>
+          <p:cNvSpPr/>
+          <p:nvPr/>
+        </p:nvSpPr>
+        <p:spPr>
+          <a:xfrm>
+            <a:off x="3617127" y="983327"/>
+            <a:ext cx="360000" cy="360000"/>
+          </a:xfrm>
+          <a:prstGeom prst="ellipse">
+            <a:avLst/>
+          </a:prstGeom>
+          <a:solidFill>
+            <a:srgbClr val="C00000"/>
+          </a:solidFill>
+          <a:ln>
+            <a:noFill/>
+          </a:ln>
+        </p:spPr>
+        <p:style>
+          <a:lnRef idx="2">
+            <a:schemeClr val="accent1">
+              <a:shade val="50000"/>
+            </a:schemeClr>
+          </a:lnRef>
+          <a:fillRef idx="1">
+            <a:schemeClr val="accent1"/>
+          </a:fillRef>
+          <a:effectRef idx="0">
+            <a:schemeClr val="accent1"/>
+          </a:effectRef>
+          <a:fontRef idx="minor">
+            <a:schemeClr val="lt1"/>
+          </a:fontRef>
+        </p:style>
+        <p:txBody>
+          <a:bodyPr rtlCol="0" anchor="ctr"/>
+          <a:lstStyle/>
+          <a:p>
+            <a:pPr algn="ctr"/>
+            <a:r>
+              <a:rPr lang="pt-BR" dirty="0"/>
+              <a:t>1</a:t>
+            </a:r>
+          </a:p>
+        </p:txBody>
+      </p:sp>
+      <p:sp>
+        <p:nvSpPr>
+          <p:cNvPr id="13" name="CaixaDeTexto 12">
+            <a:extLst>
+              <a:ext uri="{FF2B5EF4-FFF2-40B4-BE49-F238E27FC236}">
+                <a16:creationId xmlns:a16="http://schemas.microsoft.com/office/drawing/2014/main" id="{475B690C-356D-49CD-A49B-52554B955602}"/>
+              </a:ext>
+            </a:extLst>
+          </p:cNvPr>
+          <p:cNvSpPr txBox="1"/>
+          <p:nvPr/>
+        </p:nvSpPr>
+        <p:spPr>
+          <a:xfrm>
+            <a:off x="10068162" y="5362260"/>
+            <a:ext cx="1830950" cy="1200329"/>
+          </a:xfrm>
+          <a:prstGeom prst="rect">
+            <a:avLst/>
+          </a:prstGeom>
+          <a:noFill/>
+        </p:spPr>
+        <p:txBody>
+          <a:bodyPr wrap="none" rtlCol="0">
+            <a:spAutoFit/>
+          </a:bodyPr>
+          <a:lstStyle/>
+          <a:p>
+            <a:r>
+              <a:rPr lang="pt-BR" dirty="0">
+                <a:latin typeface="Consolas" panose="020B0609020204030204" pitchFamily="49" charset="0"/>
+              </a:rPr>
+              <a:t>x 0, y 0, z 0</a:t>
+            </a:r>
+          </a:p>
+          <a:p>
+            <a:r>
+              <a:rPr lang="pt-BR" dirty="0">
+                <a:latin typeface="Consolas" panose="020B0609020204030204" pitchFamily="49" charset="0"/>
+              </a:rPr>
+              <a:t>x 0, y 1, z 0</a:t>
+            </a:r>
+          </a:p>
+          <a:p>
+            <a:r>
+              <a:rPr lang="pt-BR" dirty="0">
+                <a:latin typeface="Consolas" panose="020B0609020204030204" pitchFamily="49" charset="0"/>
+              </a:rPr>
+              <a:t>x 0, y 1, z 1</a:t>
+            </a:r>
+          </a:p>
+          <a:p>
+            <a:r>
+              <a:rPr lang="pt-BR" dirty="0">
+                <a:latin typeface="Consolas" panose="020B0609020204030204" pitchFamily="49" charset="0"/>
+              </a:rPr>
+              <a:t>x 0, y 0, z 1</a:t>
+            </a:r>
+          </a:p>
+        </p:txBody>
+      </p:sp>
+      <p:sp>
+        <p:nvSpPr>
+          <p:cNvPr id="18" name="CaixaDeTexto 17">
+            <a:extLst>
+              <a:ext uri="{FF2B5EF4-FFF2-40B4-BE49-F238E27FC236}">
+                <a16:creationId xmlns:a16="http://schemas.microsoft.com/office/drawing/2014/main" id="{377EBA8B-B41E-4F0C-958F-7055FA88D1B5}"/>
+              </a:ext>
+            </a:extLst>
+          </p:cNvPr>
+          <p:cNvSpPr txBox="1"/>
+          <p:nvPr/>
+        </p:nvSpPr>
+        <p:spPr>
+          <a:xfrm>
+            <a:off x="3163725" y="4937691"/>
+            <a:ext cx="1210589" cy="369332"/>
+          </a:xfrm>
+          <a:prstGeom prst="rect">
+            <a:avLst/>
+          </a:prstGeom>
+          <a:noFill/>
+        </p:spPr>
+        <p:txBody>
+          <a:bodyPr wrap="none" rtlCol="0">
+            <a:spAutoFit/>
+          </a:bodyPr>
+          <a:lstStyle/>
+          <a:p>
+            <a:pPr algn="ctr"/>
+            <a:r>
+              <a:rPr lang="pt-BR" dirty="0"/>
+              <a:t>x 0, y 0, z 0</a:t>
+            </a:r>
+          </a:p>
+        </p:txBody>
+      </p:sp>
+      <p:sp>
+        <p:nvSpPr>
+          <p:cNvPr id="19" name="CaixaDeTexto 18">
+            <a:extLst>
+              <a:ext uri="{FF2B5EF4-FFF2-40B4-BE49-F238E27FC236}">
+                <a16:creationId xmlns:a16="http://schemas.microsoft.com/office/drawing/2014/main" id="{2853BAC2-9C88-429D-9DE0-091D0A15EB38}"/>
+              </a:ext>
+            </a:extLst>
+          </p:cNvPr>
+          <p:cNvSpPr txBox="1"/>
+          <p:nvPr/>
+        </p:nvSpPr>
+        <p:spPr>
+          <a:xfrm>
+            <a:off x="4731123" y="5892929"/>
+            <a:ext cx="1210589" cy="369332"/>
+          </a:xfrm>
+          <a:prstGeom prst="rect">
+            <a:avLst/>
+          </a:prstGeom>
+          <a:noFill/>
+        </p:spPr>
+        <p:txBody>
+          <a:bodyPr wrap="none" rtlCol="0">
+            <a:spAutoFit/>
+          </a:bodyPr>
+          <a:lstStyle/>
+          <a:p>
+            <a:pPr algn="ctr"/>
+            <a:r>
+              <a:rPr lang="pt-BR" dirty="0"/>
+              <a:t>x 0, y 0, z 1</a:t>
+            </a:r>
+          </a:p>
+        </p:txBody>
+      </p:sp>
+      <p:sp>
+        <p:nvSpPr>
+          <p:cNvPr id="21" name="CaixaDeTexto 20">
+            <a:extLst>
+              <a:ext uri="{FF2B5EF4-FFF2-40B4-BE49-F238E27FC236}">
+                <a16:creationId xmlns:a16="http://schemas.microsoft.com/office/drawing/2014/main" id="{49A7C89B-8108-4861-B678-0D9C001E75FD}"/>
+              </a:ext>
+            </a:extLst>
+          </p:cNvPr>
+          <p:cNvSpPr txBox="1"/>
+          <p:nvPr/>
+        </p:nvSpPr>
+        <p:spPr>
+          <a:xfrm>
+            <a:off x="3191833" y="516869"/>
+            <a:ext cx="1210588" cy="369332"/>
+          </a:xfrm>
+          <a:prstGeom prst="rect">
+            <a:avLst/>
+          </a:prstGeom>
+          <a:noFill/>
+        </p:spPr>
+        <p:txBody>
+          <a:bodyPr wrap="none" rtlCol="0">
+            <a:spAutoFit/>
+          </a:bodyPr>
+          <a:lstStyle/>
+          <a:p>
+            <a:r>
+              <a:rPr lang="pt-BR" dirty="0"/>
+              <a:t>x 0, y 1, z 0</a:t>
+            </a:r>
+          </a:p>
+        </p:txBody>
+      </p:sp>
+      <p:grpSp>
+        <p:nvGrpSpPr>
+          <p:cNvPr id="2" name="Agrupar 1">
+            <a:extLst>
+              <a:ext uri="{FF2B5EF4-FFF2-40B4-BE49-F238E27FC236}">
+                <a16:creationId xmlns:a16="http://schemas.microsoft.com/office/drawing/2014/main" id="{02E59467-7E03-714E-7E51-818549A57CED}"/>
+              </a:ext>
+            </a:extLst>
+          </p:cNvPr>
+          <p:cNvGrpSpPr/>
+          <p:nvPr/>
+        </p:nvGrpSpPr>
+        <p:grpSpPr>
+          <a:xfrm>
+            <a:off x="3760816" y="143513"/>
+            <a:ext cx="6669170" cy="6303414"/>
+            <a:chOff x="3760816" y="143513"/>
+            <a:chExt cx="6669170" cy="6303414"/>
+          </a:xfrm>
+        </p:grpSpPr>
+        <p:cxnSp>
+          <p:nvCxnSpPr>
+            <p:cNvPr id="3" name="Conector de Seta Reta 2">
+              <a:extLst>
+                <a:ext uri="{FF2B5EF4-FFF2-40B4-BE49-F238E27FC236}">
+                  <a16:creationId xmlns:a16="http://schemas.microsoft.com/office/drawing/2014/main" id="{B51C83EE-AE54-CC26-4BB6-8B230A3852B0}"/>
+                </a:ext>
+              </a:extLst>
+            </p:cNvPr>
+            <p:cNvCxnSpPr>
+              <a:cxnSpLocks/>
+            </p:cNvCxnSpPr>
+            <p:nvPr/>
+          </p:nvCxnSpPr>
+          <p:spPr>
+            <a:xfrm flipV="1">
+              <a:off x="5485502" y="4938591"/>
+              <a:ext cx="4385119" cy="683728"/>
+            </a:xfrm>
+            <a:prstGeom prst="straightConnector1">
+              <a:avLst/>
+            </a:prstGeom>
+            <a:ln w="38100">
+              <a:solidFill>
+                <a:srgbClr val="C00000"/>
+              </a:solidFill>
+              <a:tailEnd type="triangle"/>
+            </a:ln>
+          </p:spPr>
+          <p:style>
+            <a:lnRef idx="1">
+              <a:schemeClr val="accent1"/>
+            </a:lnRef>
+            <a:fillRef idx="0">
+              <a:schemeClr val="accent1"/>
+            </a:fillRef>
+            <a:effectRef idx="0">
+              <a:schemeClr val="accent1"/>
+            </a:effectRef>
+            <a:fontRef idx="minor">
+              <a:schemeClr val="tx1"/>
+            </a:fontRef>
+          </p:style>
+        </p:cxnSp>
+        <p:cxnSp>
+          <p:nvCxnSpPr>
+            <p:cNvPr id="5" name="Conector de Seta Reta 4">
+              <a:extLst>
+                <a:ext uri="{FF2B5EF4-FFF2-40B4-BE49-F238E27FC236}">
+                  <a16:creationId xmlns:a16="http://schemas.microsoft.com/office/drawing/2014/main" id="{93C557FA-6E01-EF6C-4984-3383DD77169F}"/>
+                </a:ext>
+              </a:extLst>
+            </p:cNvPr>
+            <p:cNvCxnSpPr>
+              <a:cxnSpLocks/>
+            </p:cNvCxnSpPr>
+            <p:nvPr/>
+          </p:nvCxnSpPr>
+          <p:spPr>
+            <a:xfrm flipV="1">
+              <a:off x="5354587" y="676275"/>
+              <a:ext cx="0" cy="4795082"/>
+            </a:xfrm>
+            <a:prstGeom prst="straightConnector1">
+              <a:avLst/>
+            </a:prstGeom>
+            <a:ln w="38100">
+              <a:solidFill>
+                <a:schemeClr val="accent6"/>
+              </a:solidFill>
+              <a:tailEnd type="triangle"/>
+            </a:ln>
+          </p:spPr>
+          <p:style>
+            <a:lnRef idx="1">
+              <a:schemeClr val="accent1"/>
+            </a:lnRef>
+            <a:fillRef idx="0">
+              <a:schemeClr val="accent1"/>
+            </a:fillRef>
+            <a:effectRef idx="0">
+              <a:schemeClr val="accent1"/>
+            </a:effectRef>
+            <a:fontRef idx="minor">
+              <a:schemeClr val="tx1"/>
+            </a:fontRef>
+          </p:style>
+        </p:cxnSp>
+        <p:sp>
+          <p:nvSpPr>
+            <p:cNvPr id="6" name="CaixaDeTexto 5">
+              <a:extLst>
+                <a:ext uri="{FF2B5EF4-FFF2-40B4-BE49-F238E27FC236}">
+                  <a16:creationId xmlns:a16="http://schemas.microsoft.com/office/drawing/2014/main" id="{A2251880-81C0-06D6-2FBB-DD2D82829D73}"/>
+                </a:ext>
+              </a:extLst>
+            </p:cNvPr>
+            <p:cNvSpPr txBox="1"/>
+            <p:nvPr/>
+          </p:nvSpPr>
+          <p:spPr>
+            <a:xfrm>
+              <a:off x="10009678" y="4678136"/>
+              <a:ext cx="420308" cy="369332"/>
+            </a:xfrm>
+            <a:prstGeom prst="rect">
+              <a:avLst/>
+            </a:prstGeom>
+            <a:noFill/>
+          </p:spPr>
+          <p:txBody>
+            <a:bodyPr wrap="none" rtlCol="0">
+              <a:spAutoFit/>
+            </a:bodyPr>
+            <a:lstStyle/>
+            <a:p>
+              <a:r>
+                <a:rPr lang="pt-BR" dirty="0"/>
+                <a:t>+X</a:t>
+              </a:r>
+            </a:p>
+          </p:txBody>
+        </p:sp>
+        <p:sp>
+          <p:nvSpPr>
+            <p:cNvPr id="11" name="CaixaDeTexto 10">
+              <a:extLst>
+                <a:ext uri="{FF2B5EF4-FFF2-40B4-BE49-F238E27FC236}">
+                  <a16:creationId xmlns:a16="http://schemas.microsoft.com/office/drawing/2014/main" id="{A005C64D-864B-A349-E624-8791E783F103}"/>
+                </a:ext>
+              </a:extLst>
+            </p:cNvPr>
+            <p:cNvSpPr txBox="1"/>
+            <p:nvPr/>
+          </p:nvSpPr>
+          <p:spPr>
+            <a:xfrm>
+              <a:off x="5124217" y="143513"/>
+              <a:ext cx="412292" cy="369332"/>
+            </a:xfrm>
+            <a:prstGeom prst="rect">
+              <a:avLst/>
+            </a:prstGeom>
+            <a:noFill/>
+          </p:spPr>
+          <p:txBody>
+            <a:bodyPr wrap="none" rtlCol="0">
+              <a:spAutoFit/>
+            </a:bodyPr>
+            <a:lstStyle/>
+            <a:p>
+              <a:r>
+                <a:rPr lang="pt-BR" dirty="0"/>
+                <a:t>+Y</a:t>
+              </a:r>
+            </a:p>
+          </p:txBody>
+        </p:sp>
+        <p:cxnSp>
+          <p:nvCxnSpPr>
+            <p:cNvPr id="15" name="Conector de Seta Reta 14">
+              <a:extLst>
+                <a:ext uri="{FF2B5EF4-FFF2-40B4-BE49-F238E27FC236}">
+                  <a16:creationId xmlns:a16="http://schemas.microsoft.com/office/drawing/2014/main" id="{D406C618-1668-38E2-BAA7-1341F54DCA2B}"/>
+                </a:ext>
+              </a:extLst>
+            </p:cNvPr>
+            <p:cNvCxnSpPr>
+              <a:cxnSpLocks/>
+            </p:cNvCxnSpPr>
+            <p:nvPr/>
+          </p:nvCxnSpPr>
+          <p:spPr>
+            <a:xfrm>
+              <a:off x="3760816" y="4639074"/>
+              <a:ext cx="2441864" cy="1438521"/>
+            </a:xfrm>
+            <a:prstGeom prst="straightConnector1">
+              <a:avLst/>
+            </a:prstGeom>
+            <a:ln w="38100">
+              <a:solidFill>
+                <a:schemeClr val="accent1"/>
+              </a:solidFill>
+              <a:tailEnd type="triangle"/>
+            </a:ln>
+          </p:spPr>
+          <p:style>
+            <a:lnRef idx="1">
+              <a:schemeClr val="accent1"/>
+            </a:lnRef>
+            <a:fillRef idx="0">
+              <a:schemeClr val="accent1"/>
+            </a:fillRef>
+            <a:effectRef idx="0">
+              <a:schemeClr val="accent1"/>
+            </a:effectRef>
+            <a:fontRef idx="minor">
+              <a:schemeClr val="tx1"/>
+            </a:fontRef>
+          </p:style>
+        </p:cxnSp>
+        <p:sp>
+          <p:nvSpPr>
+            <p:cNvPr id="22" name="CaixaDeTexto 21">
+              <a:extLst>
+                <a:ext uri="{FF2B5EF4-FFF2-40B4-BE49-F238E27FC236}">
+                  <a16:creationId xmlns:a16="http://schemas.microsoft.com/office/drawing/2014/main" id="{790E35E8-D4A9-DA8E-43F0-F1B7F7A3471A}"/>
+                </a:ext>
+              </a:extLst>
+            </p:cNvPr>
+            <p:cNvSpPr txBox="1"/>
+            <p:nvPr/>
+          </p:nvSpPr>
+          <p:spPr>
+            <a:xfrm>
+              <a:off x="6250290" y="6077595"/>
+              <a:ext cx="407484" cy="369332"/>
+            </a:xfrm>
+            <a:prstGeom prst="rect">
+              <a:avLst/>
+            </a:prstGeom>
+            <a:noFill/>
+          </p:spPr>
+          <p:txBody>
+            <a:bodyPr wrap="none" rtlCol="0">
+              <a:spAutoFit/>
+            </a:bodyPr>
+            <a:lstStyle/>
+            <a:p>
+              <a:r>
+                <a:rPr lang="pt-BR" dirty="0"/>
+                <a:t>+Z</a:t>
+              </a:r>
+            </a:p>
+          </p:txBody>
+        </p:sp>
+      </p:grpSp>
+      <p:sp>
+        <p:nvSpPr>
+          <p:cNvPr id="12" name="Elipse 11">
+            <a:extLst>
+              <a:ext uri="{FF2B5EF4-FFF2-40B4-BE49-F238E27FC236}">
+                <a16:creationId xmlns:a16="http://schemas.microsoft.com/office/drawing/2014/main" id="{43AD3728-81DF-4EEB-9C6A-F735B6BECC17}"/>
+              </a:ext>
+            </a:extLst>
+          </p:cNvPr>
+          <p:cNvSpPr/>
+          <p:nvPr/>
+        </p:nvSpPr>
+        <p:spPr>
+          <a:xfrm>
+            <a:off x="5156418" y="5471357"/>
+            <a:ext cx="360000" cy="360000"/>
+          </a:xfrm>
+          <a:prstGeom prst="ellipse">
+            <a:avLst/>
+          </a:prstGeom>
+          <a:solidFill>
+            <a:srgbClr val="C00000"/>
+          </a:solidFill>
+          <a:ln>
+            <a:noFill/>
+          </a:ln>
+        </p:spPr>
+        <p:style>
+          <a:lnRef idx="2">
+            <a:schemeClr val="accent1">
+              <a:shade val="50000"/>
+            </a:schemeClr>
+          </a:lnRef>
+          <a:fillRef idx="1">
+            <a:schemeClr val="accent1"/>
+          </a:fillRef>
+          <a:effectRef idx="0">
+            <a:schemeClr val="accent1"/>
+          </a:effectRef>
+          <a:fontRef idx="minor">
+            <a:schemeClr val="lt1"/>
+          </a:fontRef>
+        </p:style>
+        <p:txBody>
+          <a:bodyPr rtlCol="0" anchor="ctr"/>
+          <a:lstStyle/>
+          <a:p>
+            <a:pPr algn="ctr"/>
+            <a:r>
+              <a:rPr lang="pt-BR" dirty="0"/>
+              <a:t>3</a:t>
+            </a:r>
+          </a:p>
+        </p:txBody>
+      </p:sp>
+      <p:sp>
+        <p:nvSpPr>
+          <p:cNvPr id="14" name="Elipse 13">
+            <a:extLst>
+              <a:ext uri="{FF2B5EF4-FFF2-40B4-BE49-F238E27FC236}">
+                <a16:creationId xmlns:a16="http://schemas.microsoft.com/office/drawing/2014/main" id="{F6EBDCB9-BF17-4A19-9237-A0F186817379}"/>
+              </a:ext>
+            </a:extLst>
+          </p:cNvPr>
+          <p:cNvSpPr/>
+          <p:nvPr/>
+        </p:nvSpPr>
+        <p:spPr>
+          <a:xfrm>
+            <a:off x="5184525" y="2022211"/>
+            <a:ext cx="360000" cy="360000"/>
+          </a:xfrm>
+          <a:prstGeom prst="ellipse">
+            <a:avLst/>
+          </a:prstGeom>
+          <a:solidFill>
+            <a:srgbClr val="C00000"/>
+          </a:solidFill>
+          <a:ln>
+            <a:noFill/>
+          </a:ln>
+        </p:spPr>
+        <p:style>
+          <a:lnRef idx="2">
+            <a:schemeClr val="accent1">
+              <a:shade val="50000"/>
+            </a:schemeClr>
+          </a:lnRef>
+          <a:fillRef idx="1">
+            <a:schemeClr val="accent1"/>
+          </a:fillRef>
+          <a:effectRef idx="0">
+            <a:schemeClr val="accent1"/>
+          </a:effectRef>
+          <a:fontRef idx="minor">
+            <a:schemeClr val="lt1"/>
+          </a:fontRef>
+        </p:style>
+        <p:txBody>
+          <a:bodyPr rtlCol="0" anchor="ctr"/>
+          <a:lstStyle/>
+          <a:p>
+            <a:pPr algn="ctr"/>
+            <a:r>
+              <a:rPr lang="pt-BR" dirty="0"/>
+              <a:t>2</a:t>
+            </a:r>
+          </a:p>
+        </p:txBody>
+      </p:sp>
+      <p:sp>
+        <p:nvSpPr>
+          <p:cNvPr id="16" name="Elipse 15">
+            <a:extLst>
+              <a:ext uri="{FF2B5EF4-FFF2-40B4-BE49-F238E27FC236}">
+                <a16:creationId xmlns:a16="http://schemas.microsoft.com/office/drawing/2014/main" id="{38C93E36-C3AA-46B3-9C5D-6FBC507C67C1}"/>
+              </a:ext>
+            </a:extLst>
+          </p:cNvPr>
+          <p:cNvSpPr/>
+          <p:nvPr/>
+        </p:nvSpPr>
+        <p:spPr>
+          <a:xfrm>
+            <a:off x="3589020" y="4432473"/>
+            <a:ext cx="360000" cy="360000"/>
+          </a:xfrm>
+          <a:prstGeom prst="ellipse">
+            <a:avLst/>
+          </a:prstGeom>
+          <a:solidFill>
+            <a:srgbClr val="C00000"/>
+          </a:solidFill>
+          <a:ln>
+            <a:noFill/>
+          </a:ln>
+        </p:spPr>
+        <p:style>
+          <a:lnRef idx="2">
+            <a:schemeClr val="accent1">
+              <a:shade val="50000"/>
+            </a:schemeClr>
+          </a:lnRef>
+          <a:fillRef idx="1">
+            <a:schemeClr val="accent1"/>
+          </a:fillRef>
+          <a:effectRef idx="0">
+            <a:schemeClr val="accent1"/>
+          </a:effectRef>
+          <a:fontRef idx="minor">
+            <a:schemeClr val="lt1"/>
+          </a:fontRef>
+        </p:style>
+        <p:txBody>
+          <a:bodyPr rtlCol="0" anchor="ctr"/>
+          <a:lstStyle/>
+          <a:p>
+            <a:pPr algn="ctr"/>
+            <a:r>
+              <a:rPr lang="pt-BR" dirty="0"/>
+              <a:t>0</a:t>
+            </a:r>
+          </a:p>
+        </p:txBody>
+      </p:sp>
+      <p:sp>
+        <p:nvSpPr>
+          <p:cNvPr id="20" name="CaixaDeTexto 19">
+            <a:extLst>
+              <a:ext uri="{FF2B5EF4-FFF2-40B4-BE49-F238E27FC236}">
+                <a16:creationId xmlns:a16="http://schemas.microsoft.com/office/drawing/2014/main" id="{D526326A-8889-4C88-AE2F-B3A7C2DAE364}"/>
+              </a:ext>
+            </a:extLst>
+          </p:cNvPr>
+          <p:cNvSpPr txBox="1"/>
+          <p:nvPr/>
+        </p:nvSpPr>
+        <p:spPr>
+          <a:xfrm>
+            <a:off x="4731124" y="1513929"/>
+            <a:ext cx="1210588" cy="369332"/>
+          </a:xfrm>
+          <a:prstGeom prst="rect">
+            <a:avLst/>
+          </a:prstGeom>
+          <a:solidFill>
+            <a:schemeClr val="bg1"/>
+          </a:solidFill>
+        </p:spPr>
+        <p:txBody>
+          <a:bodyPr wrap="none" rtlCol="0">
+            <a:spAutoFit/>
+          </a:bodyPr>
+          <a:lstStyle/>
+          <a:p>
+            <a:r>
+              <a:rPr lang="pt-BR" dirty="0"/>
+              <a:t>x 0, y 1, z 1</a:t>
+            </a:r>
+          </a:p>
+        </p:txBody>
+      </p:sp>
+    </p:spTree>
+    <p:extLst>
+      <p:ext uri="{BB962C8B-B14F-4D97-AF65-F5344CB8AC3E}">
+        <p14:creationId xmlns:p14="http://schemas.microsoft.com/office/powerpoint/2010/main" val="323273751"/>
+      </p:ext>
+    </p:extLst>
+  </p:cSld>
+  <p:clrMapOvr>
+    <a:masterClrMapping/>
+  </p:clrMapOvr>
+</p:sld>
+</file>
+
+<file path=ppt/slides/slide13.xml><?xml version="1.0" encoding="utf-8"?>
+<p:sld xmlns:a="http://schemas.openxmlformats.org/drawingml/2006/main" xmlns:r="http://schemas.openxmlformats.org/officeDocument/2006/relationships" xmlns:p="http://schemas.openxmlformats.org/presentationml/2006/main">
+  <p:cSld>
+    <p:spTree>
+      <p:nvGrpSpPr>
+        <p:cNvPr id="1" name=""/>
+        <p:cNvGrpSpPr/>
+        <p:nvPr/>
+      </p:nvGrpSpPr>
+      <p:grpSpPr>
+        <a:xfrm>
+          <a:off x="0" y="0"/>
+          <a:ext cx="0" cy="0"/>
+          <a:chOff x="0" y="0"/>
+          <a:chExt cx="0" cy="0"/>
+        </a:xfrm>
+      </p:grpSpPr>
+      <p:pic>
+        <p:nvPicPr>
+          <p:cNvPr id="4" name="Imagem 3" descr="Logotipo, nome da empresa&#10;&#10;Descrição gerada automaticamente">
+            <a:extLst>
+              <a:ext uri="{FF2B5EF4-FFF2-40B4-BE49-F238E27FC236}">
+                <a16:creationId xmlns:a16="http://schemas.microsoft.com/office/drawing/2014/main" id="{1357731B-B68C-4E84-8A00-27AED7511849}"/>
+              </a:ext>
+            </a:extLst>
+          </p:cNvPr>
+          <p:cNvPicPr>
+            <a:picLocks noChangeAspect="1"/>
+          </p:cNvPicPr>
+          <p:nvPr/>
+        </p:nvPicPr>
+        <p:blipFill>
+          <a:blip r:embed="rId2">
+            <a:extLst>
+              <a:ext uri="{28A0092B-C50C-407E-A947-70E740481C1C}">
+                <a14:useLocalDpi xmlns:a14="http://schemas.microsoft.com/office/drawing/2010/main" val="0"/>
+              </a:ext>
+            </a:extLst>
+          </a:blip>
+          <a:stretch>
+            <a:fillRect/>
+          </a:stretch>
+        </p:blipFill>
+        <p:spPr>
+          <a:xfrm>
+            <a:off x="10983637" y="136275"/>
+            <a:ext cx="1079586" cy="1080000"/>
+          </a:xfrm>
+          <a:prstGeom prst="rect">
+            <a:avLst/>
+          </a:prstGeom>
+        </p:spPr>
+      </p:pic>
+      <p:pic>
+        <p:nvPicPr>
           <p:cNvPr id="6" name="Imagem 5" descr="Desenho de azulejo&#10;&#10;Descrição gerada automaticamente com confiança média">
             <a:extLst>
               <a:ext uri="{FF2B5EF4-FFF2-40B4-BE49-F238E27FC236}">
@@ -8575,7 +9490,7 @@
 </p:sld>
 </file>
 
-<file path=ppt/slides/slide13.xml><?xml version="1.0" encoding="utf-8"?>
+<file path=ppt/slides/slide14.xml><?xml version="1.0" encoding="utf-8"?>
 <p:sld xmlns:a="http://schemas.openxmlformats.org/drawingml/2006/main" xmlns:r="http://schemas.openxmlformats.org/officeDocument/2006/relationships" xmlns:p="http://schemas.openxmlformats.org/presentationml/2006/main">
   <p:cSld>
     <p:spTree>
@@ -8630,10 +9545,10 @@
       </p:pic>
       <p:pic>
         <p:nvPicPr>
-          <p:cNvPr id="8" name="Imagem 7" descr="Desenho de azulejo&#10;&#10;Descrição gerada automaticamente com confiança média">
-            <a:extLst>
-              <a:ext uri="{FF2B5EF4-FFF2-40B4-BE49-F238E27FC236}">
-                <a16:creationId xmlns:a16="http://schemas.microsoft.com/office/drawing/2014/main" id="{9F58ADDF-7472-45F7-96C7-5D8450AA7B1F}"/>
+          <p:cNvPr id="5" name="Imagem 4">
+            <a:extLst>
+              <a:ext uri="{FF2B5EF4-FFF2-40B4-BE49-F238E27FC236}">
+                <a16:creationId xmlns:a16="http://schemas.microsoft.com/office/drawing/2014/main" id="{2A80C9AD-521C-4713-BE2A-1215D6DE9148}"/>
               </a:ext>
             </a:extLst>
           </p:cNvPr>
@@ -8644,6 +9559,49 @@
         </p:nvPicPr>
         <p:blipFill>
           <a:blip r:embed="rId3">
+            <a:extLst>
+              <a:ext uri="{28A0092B-C50C-407E-A947-70E740481C1C}">
+                <a14:useLocalDpi xmlns:a14="http://schemas.microsoft.com/office/drawing/2010/main" val="0"/>
+              </a:ext>
+            </a:extLst>
+          </a:blip>
+          <a:srcRect/>
+          <a:stretch/>
+        </p:blipFill>
+        <p:spPr>
+          <a:xfrm>
+            <a:off x="4410300" y="3095737"/>
+            <a:ext cx="3600000" cy="3600000"/>
+          </a:xfrm>
+          <a:prstGeom prst="rect">
+            <a:avLst/>
+          </a:prstGeom>
+          <a:ln w="38100">
+            <a:noFill/>
+            <a:prstDash val="dash"/>
+          </a:ln>
+          <a:scene3d>
+            <a:camera prst="isometricOffAxis1Top"/>
+            <a:lightRig rig="threePt" dir="t"/>
+          </a:scene3d>
+        </p:spPr>
+      </p:pic>
+      <p:pic>
+        <p:nvPicPr>
+          <p:cNvPr id="8" name="Imagem 7" descr="Desenho de azulejo&#10;&#10;Descrição gerada automaticamente com confiança média">
+            <a:extLst>
+              <a:ext uri="{FF2B5EF4-FFF2-40B4-BE49-F238E27FC236}">
+                <a16:creationId xmlns:a16="http://schemas.microsoft.com/office/drawing/2014/main" id="{60C90705-1902-4AD7-AD77-4E0AA839C257}"/>
+              </a:ext>
+            </a:extLst>
+          </p:cNvPr>
+          <p:cNvPicPr>
+            <a:picLocks noChangeAspect="1"/>
+          </p:cNvPicPr>
+          <p:nvPr/>
+        </p:nvPicPr>
+        <p:blipFill>
+          <a:blip r:embed="rId4">
             <a:alphaModFix amt="50000"/>
             <a:extLst>
               <a:ext uri="{28A0092B-C50C-407E-A947-70E740481C1C}">
@@ -8664,7 +9622,10 @@
             <a:avLst/>
           </a:prstGeom>
           <a:ln w="38100">
-            <a:noFill/>
+            <a:solidFill>
+              <a:schemeClr val="tx1"/>
+            </a:solidFill>
+            <a:prstDash val="dash"/>
           </a:ln>
           <a:scene3d>
             <a:camera prst="isometricOffAxis1Right"/>
@@ -8677,7 +9638,7 @@
           <p:cNvPr id="9" name="Imagem 8" descr="Desenho de azulejo&#10;&#10;Descrição gerada automaticamente com confiança média">
             <a:extLst>
               <a:ext uri="{FF2B5EF4-FFF2-40B4-BE49-F238E27FC236}">
-                <a16:creationId xmlns:a16="http://schemas.microsoft.com/office/drawing/2014/main" id="{1C6A20F4-CA66-4AA6-B36D-05AFB0312AE6}"/>
+                <a16:creationId xmlns:a16="http://schemas.microsoft.com/office/drawing/2014/main" id="{9EF94F54-3FDB-4432-AA8E-D0C3F818D89B}"/>
               </a:ext>
             </a:extLst>
           </p:cNvPr>
@@ -8687,8 +9648,8 @@
           <p:nvPr/>
         </p:nvPicPr>
         <p:blipFill>
-          <a:blip r:embed="rId3">
-            <a:alphaModFix/>
+          <a:blip r:embed="rId4">
+            <a:alphaModFix amt="50000"/>
             <a:extLst>
               <a:ext uri="{28A0092B-C50C-407E-A947-70E740481C1C}">
                 <a14:useLocalDpi xmlns:a14="http://schemas.microsoft.com/office/drawing/2010/main" val="0"/>
@@ -8708,7 +9669,10 @@
             <a:avLst/>
           </a:prstGeom>
           <a:ln w="38100">
-            <a:noFill/>
+            <a:solidFill>
+              <a:schemeClr val="tx1"/>
+            </a:solidFill>
+            <a:prstDash val="dash"/>
           </a:ln>
           <a:scene3d>
             <a:camera prst="isometricOffAxis1Left"/>
@@ -8721,7 +9685,7 @@
           <p:cNvPr id="10" name="Imagem 9">
             <a:extLst>
               <a:ext uri="{FF2B5EF4-FFF2-40B4-BE49-F238E27FC236}">
-                <a16:creationId xmlns:a16="http://schemas.microsoft.com/office/drawing/2014/main" id="{299EB379-1D17-4600-8868-568E6DD8354C}"/>
+                <a16:creationId xmlns:a16="http://schemas.microsoft.com/office/drawing/2014/main" id="{432418E5-BA54-494D-A51B-300C39EDC392}"/>
               </a:ext>
             </a:extLst>
           </p:cNvPr>
@@ -8731,7 +9695,7 @@
           <p:nvPr/>
         </p:nvPicPr>
         <p:blipFill>
-          <a:blip r:embed="rId4">
+          <a:blip r:embed="rId5">
             <a:alphaModFix amt="50000"/>
             <a:extLst>
               <a:ext uri="{28A0092B-C50C-407E-A947-70E740481C1C}">
@@ -8751,7 +9715,10 @@
             <a:avLst/>
           </a:prstGeom>
           <a:ln w="38100">
-            <a:noFill/>
+            <a:solidFill>
+              <a:schemeClr val="tx1"/>
+            </a:solidFill>
+            <a:prstDash val="dash"/>
           </a:ln>
           <a:scene3d>
             <a:camera prst="isometricOffAxis1Top"/>
@@ -8761,45 +9728,10 @@
       </p:pic>
       <p:sp>
         <p:nvSpPr>
-          <p:cNvPr id="7" name="CaixaDeTexto 6">
-            <a:extLst>
-              <a:ext uri="{FF2B5EF4-FFF2-40B4-BE49-F238E27FC236}">
-                <a16:creationId xmlns:a16="http://schemas.microsoft.com/office/drawing/2014/main" id="{CD4ACC98-F56B-41ED-93B3-80354F772CB8}"/>
-              </a:ext>
-            </a:extLst>
-          </p:cNvPr>
-          <p:cNvSpPr txBox="1"/>
-          <p:nvPr/>
-        </p:nvSpPr>
-        <p:spPr>
-          <a:xfrm>
-            <a:off x="0" y="0"/>
-            <a:ext cx="567784" cy="369332"/>
-          </a:xfrm>
-          <a:prstGeom prst="rect">
-            <a:avLst/>
-          </a:prstGeom>
-          <a:noFill/>
-        </p:spPr>
-        <p:txBody>
-          <a:bodyPr wrap="none" rtlCol="0">
-            <a:spAutoFit/>
-          </a:bodyPr>
-          <a:lstStyle/>
-          <a:p>
-            <a:r>
-              <a:rPr lang="pt-BR" dirty="0"/>
-              <a:t>East</a:t>
-            </a:r>
-          </a:p>
-        </p:txBody>
-      </p:sp>
-      <p:sp>
-        <p:nvSpPr>
-          <p:cNvPr id="17" name="Elipse 16">
-            <a:extLst>
-              <a:ext uri="{FF2B5EF4-FFF2-40B4-BE49-F238E27FC236}">
-                <a16:creationId xmlns:a16="http://schemas.microsoft.com/office/drawing/2014/main" id="{C9BE8AE0-89F4-4E2C-B9B2-7CB3DC61B740}"/>
+          <p:cNvPr id="11" name="Elipse 10">
+            <a:extLst>
+              <a:ext uri="{FF2B5EF4-FFF2-40B4-BE49-F238E27FC236}">
+                <a16:creationId xmlns:a16="http://schemas.microsoft.com/office/drawing/2014/main" id="{89B4B4A7-C4A6-4A63-BBA7-39588DD58228}"/>
               </a:ext>
             </a:extLst>
           </p:cNvPr>
@@ -8808,7 +9740,7 @@
         </p:nvSpPr>
         <p:spPr>
           <a:xfrm>
-            <a:off x="3617127" y="983327"/>
+            <a:off x="6824441" y="4012643"/>
             <a:ext cx="360000" cy="360000"/>
           </a:xfrm>
           <a:prstGeom prst="ellipse">
@@ -8844,17 +9776,17 @@
             <a:pPr algn="ctr"/>
             <a:r>
               <a:rPr lang="pt-BR" dirty="0"/>
-              <a:t>1</a:t>
-            </a:r>
-          </a:p>
-        </p:txBody>
-      </p:sp>
-      <p:sp>
-        <p:nvSpPr>
-          <p:cNvPr id="13" name="CaixaDeTexto 12">
-            <a:extLst>
-              <a:ext uri="{FF2B5EF4-FFF2-40B4-BE49-F238E27FC236}">
-                <a16:creationId xmlns:a16="http://schemas.microsoft.com/office/drawing/2014/main" id="{475B690C-356D-49CD-A49B-52554B955602}"/>
+              <a:t>3</a:t>
+            </a:r>
+          </a:p>
+        </p:txBody>
+      </p:sp>
+      <p:sp>
+        <p:nvSpPr>
+          <p:cNvPr id="16" name="CaixaDeTexto 15">
+            <a:extLst>
+              <a:ext uri="{FF2B5EF4-FFF2-40B4-BE49-F238E27FC236}">
+                <a16:creationId xmlns:a16="http://schemas.microsoft.com/office/drawing/2014/main" id="{54529C1E-6483-4EB4-A991-B1761207F735}"/>
               </a:ext>
             </a:extLst>
           </p:cNvPr>
@@ -8863,8 +9795,8 @@
         </p:nvSpPr>
         <p:spPr>
           <a:xfrm>
-            <a:off x="10068162" y="5362260"/>
-            <a:ext cx="1830950" cy="1200329"/>
+            <a:off x="0" y="0"/>
+            <a:ext cx="886076" cy="369332"/>
           </a:xfrm>
           <a:prstGeom prst="rect">
             <a:avLst/>
@@ -8878,6 +9810,42 @@
           <a:lstStyle/>
           <a:p>
             <a:r>
+              <a:rPr lang="pt-BR" dirty="0" err="1"/>
+              <a:t>Bottom</a:t>
+            </a:r>
+            <a:endParaRPr lang="pt-BR" dirty="0"/>
+          </a:p>
+        </p:txBody>
+      </p:sp>
+      <p:sp>
+        <p:nvSpPr>
+          <p:cNvPr id="17" name="CaixaDeTexto 16">
+            <a:extLst>
+              <a:ext uri="{FF2B5EF4-FFF2-40B4-BE49-F238E27FC236}">
+                <a16:creationId xmlns:a16="http://schemas.microsoft.com/office/drawing/2014/main" id="{4520CFA9-D4D6-4DC5-861B-31F62962E1D8}"/>
+              </a:ext>
+            </a:extLst>
+          </p:cNvPr>
+          <p:cNvSpPr txBox="1"/>
+          <p:nvPr/>
+        </p:nvSpPr>
+        <p:spPr>
+          <a:xfrm>
+            <a:off x="10068162" y="5362260"/>
+            <a:ext cx="1830950" cy="1200329"/>
+          </a:xfrm>
+          <a:prstGeom prst="rect">
+            <a:avLst/>
+          </a:prstGeom>
+          <a:noFill/>
+        </p:spPr>
+        <p:txBody>
+          <a:bodyPr wrap="none" rtlCol="0">
+            <a:spAutoFit/>
+          </a:bodyPr>
+          <a:lstStyle/>
+          <a:p>
+            <a:r>
               <a:rPr lang="pt-BR" dirty="0">
                 <a:latin typeface="Consolas" panose="020B0609020204030204" pitchFamily="49" charset="0"/>
               </a:rPr>
@@ -8889,7 +9857,7 @@
               <a:rPr lang="pt-BR" dirty="0">
                 <a:latin typeface="Consolas" panose="020B0609020204030204" pitchFamily="49" charset="0"/>
               </a:rPr>
-              <a:t>x 0, y 1, z 0</a:t>
+              <a:t>x 0, y 0, z 1</a:t>
             </a:r>
           </a:p>
           <a:p>
@@ -8897,7 +9865,7 @@
               <a:rPr lang="pt-BR" dirty="0">
                 <a:latin typeface="Consolas" panose="020B0609020204030204" pitchFamily="49" charset="0"/>
               </a:rPr>
-              <a:t>x 0, y 1, z 1</a:t>
+              <a:t>x 1, y 0, z 1</a:t>
             </a:r>
           </a:p>
           <a:p>
@@ -8905,7 +9873,7 @@
               <a:rPr lang="pt-BR" dirty="0">
                 <a:latin typeface="Consolas" panose="020B0609020204030204" pitchFamily="49" charset="0"/>
               </a:rPr>
-              <a:t>x 0, y 0, z 1</a:t>
+              <a:t>x 1, y 0, z 0</a:t>
             </a:r>
           </a:p>
         </p:txBody>
@@ -8915,7 +9883,7 @@
           <p:cNvPr id="18" name="CaixaDeTexto 17">
             <a:extLst>
               <a:ext uri="{FF2B5EF4-FFF2-40B4-BE49-F238E27FC236}">
-                <a16:creationId xmlns:a16="http://schemas.microsoft.com/office/drawing/2014/main" id="{377EBA8B-B41E-4F0C-958F-7055FA88D1B5}"/>
+                <a16:creationId xmlns:a16="http://schemas.microsoft.com/office/drawing/2014/main" id="{EA9333E3-0863-4D0D-9EE3-6CBB00BB14C8}"/>
               </a:ext>
             </a:extLst>
           </p:cNvPr>
@@ -8924,7 +9892,7 @@
         </p:nvSpPr>
         <p:spPr>
           <a:xfrm>
-            <a:off x="3163725" y="4937691"/>
+            <a:off x="8023944" y="5372071"/>
             <a:ext cx="1210589" cy="369332"/>
           </a:xfrm>
           <a:prstGeom prst="rect">
@@ -8941,7 +9909,7 @@
             <a:pPr algn="ctr"/>
             <a:r>
               <a:rPr lang="pt-BR" dirty="0"/>
-              <a:t>x 0, y 0, z 0</a:t>
+              <a:t>x 1, y 0, z 1</a:t>
             </a:r>
           </a:p>
         </p:txBody>
@@ -8951,7 +9919,7 @@
           <p:cNvPr id="19" name="CaixaDeTexto 18">
             <a:extLst>
               <a:ext uri="{FF2B5EF4-FFF2-40B4-BE49-F238E27FC236}">
-                <a16:creationId xmlns:a16="http://schemas.microsoft.com/office/drawing/2014/main" id="{2853BAC2-9C88-429D-9DE0-091D0A15EB38}"/>
+                <a16:creationId xmlns:a16="http://schemas.microsoft.com/office/drawing/2014/main" id="{094A0932-3304-414A-A86B-92DF422CD349}"/>
               </a:ext>
             </a:extLst>
           </p:cNvPr>
@@ -8960,7 +9928,7 @@
         </p:nvSpPr>
         <p:spPr>
           <a:xfrm>
-            <a:off x="4731123" y="5892929"/>
+            <a:off x="4731123" y="5929547"/>
             <a:ext cx="1210589" cy="369332"/>
           </a:xfrm>
           <a:prstGeom prst="rect">
@@ -8984,10 +9952,10 @@
       </p:sp>
       <p:sp>
         <p:nvSpPr>
-          <p:cNvPr id="21" name="CaixaDeTexto 20">
-            <a:extLst>
-              <a:ext uri="{FF2B5EF4-FFF2-40B4-BE49-F238E27FC236}">
-                <a16:creationId xmlns:a16="http://schemas.microsoft.com/office/drawing/2014/main" id="{49A7C89B-8108-4861-B678-0D9C001E75FD}"/>
+          <p:cNvPr id="20" name="CaixaDeTexto 19">
+            <a:extLst>
+              <a:ext uri="{FF2B5EF4-FFF2-40B4-BE49-F238E27FC236}">
+                <a16:creationId xmlns:a16="http://schemas.microsoft.com/office/drawing/2014/main" id="{3CD61FE0-3BCE-41A9-B418-C8525BAB9958}"/>
               </a:ext>
             </a:extLst>
           </p:cNvPr>
@@ -8996,13 +9964,15 @@
         </p:nvSpPr>
         <p:spPr>
           <a:xfrm>
-            <a:off x="3191833" y="516869"/>
-            <a:ext cx="1210588" cy="369332"/>
+            <a:off x="3152526" y="3924199"/>
+            <a:ext cx="1210589" cy="369332"/>
           </a:xfrm>
           <a:prstGeom prst="rect">
             <a:avLst/>
           </a:prstGeom>
-          <a:noFill/>
+          <a:solidFill>
+            <a:schemeClr val="bg1"/>
+          </a:solidFill>
         </p:spPr>
         <p:txBody>
           <a:bodyPr wrap="none" rtlCol="0">
@@ -9010,9 +9980,47 @@
           </a:bodyPr>
           <a:lstStyle/>
           <a:p>
+            <a:pPr algn="ctr"/>
             <a:r>
               <a:rPr lang="pt-BR" dirty="0"/>
-              <a:t>x 0, y 1, z 0</a:t>
+              <a:t>x 0, y 0, z 0</a:t>
+            </a:r>
+          </a:p>
+        </p:txBody>
+      </p:sp>
+      <p:sp>
+        <p:nvSpPr>
+          <p:cNvPr id="21" name="CaixaDeTexto 20">
+            <a:extLst>
+              <a:ext uri="{FF2B5EF4-FFF2-40B4-BE49-F238E27FC236}">
+                <a16:creationId xmlns:a16="http://schemas.microsoft.com/office/drawing/2014/main" id="{8B2E6091-4F3C-4270-9752-33F752D59A11}"/>
+              </a:ext>
+            </a:extLst>
+          </p:cNvPr>
+          <p:cNvSpPr txBox="1"/>
+          <p:nvPr/>
+        </p:nvSpPr>
+        <p:spPr>
+          <a:xfrm>
+            <a:off x="6393122" y="3507089"/>
+            <a:ext cx="1210588" cy="369332"/>
+          </a:xfrm>
+          <a:prstGeom prst="rect">
+            <a:avLst/>
+          </a:prstGeom>
+          <a:solidFill>
+            <a:schemeClr val="bg1"/>
+          </a:solidFill>
+        </p:spPr>
+        <p:txBody>
+          <a:bodyPr wrap="none" rtlCol="0">
+            <a:spAutoFit/>
+          </a:bodyPr>
+          <a:lstStyle/>
+          <a:p>
+            <a:r>
+              <a:rPr lang="pt-BR" dirty="0"/>
+              <a:t>x 1, y 0, z 0</a:t>
             </a:r>
           </a:p>
         </p:txBody>
@@ -9022,7 +10030,7 @@
           <p:cNvPr id="2" name="Agrupar 1">
             <a:extLst>
               <a:ext uri="{FF2B5EF4-FFF2-40B4-BE49-F238E27FC236}">
-                <a16:creationId xmlns:a16="http://schemas.microsoft.com/office/drawing/2014/main" id="{02E59467-7E03-714E-7E51-818549A57CED}"/>
+                <a16:creationId xmlns:a16="http://schemas.microsoft.com/office/drawing/2014/main" id="{2EBC47EA-43AA-BF6E-2F07-366F63583F77}"/>
               </a:ext>
             </a:extLst>
           </p:cNvPr>
@@ -9042,7 +10050,7 @@
             <p:cNvPr id="3" name="Conector de Seta Reta 2">
               <a:extLst>
                 <a:ext uri="{FF2B5EF4-FFF2-40B4-BE49-F238E27FC236}">
-                  <a16:creationId xmlns:a16="http://schemas.microsoft.com/office/drawing/2014/main" id="{B51C83EE-AE54-CC26-4BB6-8B230A3852B0}"/>
+                  <a16:creationId xmlns:a16="http://schemas.microsoft.com/office/drawing/2014/main" id="{4CABC7F5-1E0D-0436-AC53-51EF75AC32AB}"/>
                 </a:ext>
               </a:extLst>
             </p:cNvPr>
@@ -9083,10 +10091,10 @@
         </p:cxnSp>
         <p:cxnSp>
           <p:nvCxnSpPr>
-            <p:cNvPr id="5" name="Conector de Seta Reta 4">
+            <p:cNvPr id="6" name="Conector de Seta Reta 5">
               <a:extLst>
                 <a:ext uri="{FF2B5EF4-FFF2-40B4-BE49-F238E27FC236}">
-                  <a16:creationId xmlns:a16="http://schemas.microsoft.com/office/drawing/2014/main" id="{93C557FA-6E01-EF6C-4984-3383DD77169F}"/>
+                  <a16:creationId xmlns:a16="http://schemas.microsoft.com/office/drawing/2014/main" id="{F2CC76AA-9B45-DFC8-7BE0-F6E0C2147546}"/>
                 </a:ext>
               </a:extLst>
             </p:cNvPr>
@@ -9127,10 +10135,10 @@
         </p:cxnSp>
         <p:sp>
           <p:nvSpPr>
-            <p:cNvPr id="6" name="CaixaDeTexto 5">
+            <p:cNvPr id="7" name="CaixaDeTexto 6">
               <a:extLst>
                 <a:ext uri="{FF2B5EF4-FFF2-40B4-BE49-F238E27FC236}">
-                  <a16:creationId xmlns:a16="http://schemas.microsoft.com/office/drawing/2014/main" id="{A2251880-81C0-06D6-2FBB-DD2D82829D73}"/>
+                  <a16:creationId xmlns:a16="http://schemas.microsoft.com/office/drawing/2014/main" id="{67E531F8-BCEF-2B8D-0788-555860BB3827}"/>
                 </a:ext>
               </a:extLst>
             </p:cNvPr>
@@ -9162,10 +10170,10 @@
         </p:sp>
         <p:sp>
           <p:nvSpPr>
-            <p:cNvPr id="11" name="CaixaDeTexto 10">
+            <p:cNvPr id="15" name="CaixaDeTexto 14">
               <a:extLst>
                 <a:ext uri="{FF2B5EF4-FFF2-40B4-BE49-F238E27FC236}">
-                  <a16:creationId xmlns:a16="http://schemas.microsoft.com/office/drawing/2014/main" id="{A005C64D-864B-A349-E624-8791E783F103}"/>
+                  <a16:creationId xmlns:a16="http://schemas.microsoft.com/office/drawing/2014/main" id="{79E87A13-AF04-B5C2-946F-60CB8DB1245C}"/>
                 </a:ext>
               </a:extLst>
             </p:cNvPr>
@@ -9197,10 +10205,10 @@
         </p:sp>
         <p:cxnSp>
           <p:nvCxnSpPr>
-            <p:cNvPr id="15" name="Conector de Seta Reta 14">
+            <p:cNvPr id="22" name="Conector de Seta Reta 21">
               <a:extLst>
                 <a:ext uri="{FF2B5EF4-FFF2-40B4-BE49-F238E27FC236}">
-                  <a16:creationId xmlns:a16="http://schemas.microsoft.com/office/drawing/2014/main" id="{D406C618-1668-38E2-BAA7-1341F54DCA2B}"/>
+                  <a16:creationId xmlns:a16="http://schemas.microsoft.com/office/drawing/2014/main" id="{F28148EE-F617-D0F7-A475-1990A95930BA}"/>
                 </a:ext>
               </a:extLst>
             </p:cNvPr>
@@ -9241,10 +10249,10 @@
         </p:cxnSp>
         <p:sp>
           <p:nvSpPr>
-            <p:cNvPr id="22" name="CaixaDeTexto 21">
+            <p:cNvPr id="23" name="CaixaDeTexto 22">
               <a:extLst>
                 <a:ext uri="{FF2B5EF4-FFF2-40B4-BE49-F238E27FC236}">
-                  <a16:creationId xmlns:a16="http://schemas.microsoft.com/office/drawing/2014/main" id="{790E35E8-D4A9-DA8E-43F0-F1B7F7A3471A}"/>
+                  <a16:creationId xmlns:a16="http://schemas.microsoft.com/office/drawing/2014/main" id="{4C11A7A9-BEF9-BA65-FA15-9B37CED5747C}"/>
                 </a:ext>
               </a:extLst>
             </p:cNvPr>
@@ -9280,7 +10288,7 @@
           <p:cNvPr id="12" name="Elipse 11">
             <a:extLst>
               <a:ext uri="{FF2B5EF4-FFF2-40B4-BE49-F238E27FC236}">
-                <a16:creationId xmlns:a16="http://schemas.microsoft.com/office/drawing/2014/main" id="{43AD3728-81DF-4EEB-9C6A-F735B6BECC17}"/>
+                <a16:creationId xmlns:a16="http://schemas.microsoft.com/office/drawing/2014/main" id="{2A67D30B-AB3B-4CA2-8233-0A547A4AC40E}"/>
               </a:ext>
             </a:extLst>
           </p:cNvPr>
@@ -9289,7 +10297,7 @@
         </p:nvSpPr>
         <p:spPr>
           <a:xfrm>
-            <a:off x="5156418" y="5471357"/>
+            <a:off x="8449239" y="4938591"/>
             <a:ext cx="360000" cy="360000"/>
           </a:xfrm>
           <a:prstGeom prst="ellipse">
@@ -9325,17 +10333,17 @@
             <a:pPr algn="ctr"/>
             <a:r>
               <a:rPr lang="pt-BR" dirty="0"/>
-              <a:t>3</a:t>
-            </a:r>
-          </a:p>
-        </p:txBody>
-      </p:sp>
-      <p:sp>
-        <p:nvSpPr>
-          <p:cNvPr id="14" name="Elipse 13">
-            <a:extLst>
-              <a:ext uri="{FF2B5EF4-FFF2-40B4-BE49-F238E27FC236}">
-                <a16:creationId xmlns:a16="http://schemas.microsoft.com/office/drawing/2014/main" id="{F6EBDCB9-BF17-4A19-9237-A0F186817379}"/>
+              <a:t>2</a:t>
+            </a:r>
+          </a:p>
+        </p:txBody>
+      </p:sp>
+      <p:sp>
+        <p:nvSpPr>
+          <p:cNvPr id="13" name="Elipse 12">
+            <a:extLst>
+              <a:ext uri="{FF2B5EF4-FFF2-40B4-BE49-F238E27FC236}">
+                <a16:creationId xmlns:a16="http://schemas.microsoft.com/office/drawing/2014/main" id="{D2579AAC-0D3B-4881-944B-B0E56EAE438C}"/>
               </a:ext>
             </a:extLst>
           </p:cNvPr>
@@ -9344,7 +10352,7 @@
         </p:nvSpPr>
         <p:spPr>
           <a:xfrm>
-            <a:off x="5184525" y="2022211"/>
+            <a:off x="3589020" y="4432473"/>
             <a:ext cx="360000" cy="360000"/>
           </a:xfrm>
           <a:prstGeom prst="ellipse">
@@ -9380,17 +10388,17 @@
             <a:pPr algn="ctr"/>
             <a:r>
               <a:rPr lang="pt-BR" dirty="0"/>
-              <a:t>2</a:t>
-            </a:r>
-          </a:p>
-        </p:txBody>
-      </p:sp>
-      <p:sp>
-        <p:nvSpPr>
-          <p:cNvPr id="16" name="Elipse 15">
-            <a:extLst>
-              <a:ext uri="{FF2B5EF4-FFF2-40B4-BE49-F238E27FC236}">
-                <a16:creationId xmlns:a16="http://schemas.microsoft.com/office/drawing/2014/main" id="{38C93E36-C3AA-46B3-9C5D-6FBC507C67C1}"/>
+              <a:t>0</a:t>
+            </a:r>
+          </a:p>
+        </p:txBody>
+      </p:sp>
+      <p:sp>
+        <p:nvSpPr>
+          <p:cNvPr id="14" name="Elipse 13">
+            <a:extLst>
+              <a:ext uri="{FF2B5EF4-FFF2-40B4-BE49-F238E27FC236}">
+                <a16:creationId xmlns:a16="http://schemas.microsoft.com/office/drawing/2014/main" id="{800235F5-40F9-40B2-B0AA-C598D5A5E8F5}"/>
               </a:ext>
             </a:extLst>
           </p:cNvPr>
@@ -9399,7 +10407,7 @@
         </p:nvSpPr>
         <p:spPr>
           <a:xfrm>
-            <a:off x="3589020" y="4432473"/>
+            <a:off x="5156418" y="5471357"/>
             <a:ext cx="360000" cy="360000"/>
           </a:xfrm>
           <a:prstGeom prst="ellipse">
@@ -9435,44 +10443,7 @@
             <a:pPr algn="ctr"/>
             <a:r>
               <a:rPr lang="pt-BR" dirty="0"/>
-              <a:t>0</a:t>
-            </a:r>
-          </a:p>
-        </p:txBody>
-      </p:sp>
-      <p:sp>
-        <p:nvSpPr>
-          <p:cNvPr id="20" name="CaixaDeTexto 19">
-            <a:extLst>
-              <a:ext uri="{FF2B5EF4-FFF2-40B4-BE49-F238E27FC236}">
-                <a16:creationId xmlns:a16="http://schemas.microsoft.com/office/drawing/2014/main" id="{D526326A-8889-4C88-AE2F-B3A7C2DAE364}"/>
-              </a:ext>
-            </a:extLst>
-          </p:cNvPr>
-          <p:cNvSpPr txBox="1"/>
-          <p:nvPr/>
-        </p:nvSpPr>
-        <p:spPr>
-          <a:xfrm>
-            <a:off x="4731124" y="1513929"/>
-            <a:ext cx="1210588" cy="369332"/>
-          </a:xfrm>
-          <a:prstGeom prst="rect">
-            <a:avLst/>
-          </a:prstGeom>
-          <a:solidFill>
-            <a:schemeClr val="bg1"/>
-          </a:solidFill>
-        </p:spPr>
-        <p:txBody>
-          <a:bodyPr wrap="none" rtlCol="0">
-            <a:spAutoFit/>
-          </a:bodyPr>
-          <a:lstStyle/>
-          <a:p>
-            <a:r>
-              <a:rPr lang="pt-BR" dirty="0"/>
-              <a:t>x 0, y 1, z 1</a:t>
+              <a:t>1</a:t>
             </a:r>
           </a:p>
         </p:txBody>
@@ -9480,7 +10451,7 @@
     </p:spTree>
     <p:extLst>
       <p:ext uri="{BB962C8B-B14F-4D97-AF65-F5344CB8AC3E}">
-        <p14:creationId xmlns:p14="http://schemas.microsoft.com/office/powerpoint/2010/main" val="323273751"/>
+        <p14:creationId xmlns:p14="http://schemas.microsoft.com/office/powerpoint/2010/main" val="1807306043"/>
       </p:ext>
     </p:extLst>
   </p:cSld>
@@ -9490,7 +10461,7 @@
 </p:sld>
 </file>
 
-<file path=ppt/slides/slide14.xml><?xml version="1.0" encoding="utf-8"?>
+<file path=ppt/slides/slide15.xml><?xml version="1.0" encoding="utf-8"?>
 <p:sld xmlns:a="http://schemas.openxmlformats.org/drawingml/2006/main" xmlns:r="http://schemas.openxmlformats.org/officeDocument/2006/relationships" xmlns:p="http://schemas.openxmlformats.org/presentationml/2006/main">
   <p:cSld>
     <p:spTree>
@@ -10405,7 +11376,7 @@
 </p:sld>
 </file>
 
-<file path=ppt/slides/slide15.xml><?xml version="1.0" encoding="utf-8"?>
+<file path=ppt/slides/slide16.xml><?xml version="1.0" encoding="utf-8"?>
 <p:sld xmlns:a="http://schemas.openxmlformats.org/drawingml/2006/main" xmlns:r="http://schemas.openxmlformats.org/officeDocument/2006/relationships" xmlns:p="http://schemas.openxmlformats.org/presentationml/2006/main">
   <p:cSld>
     <p:spTree>
@@ -10460,10 +11431,10 @@
       </p:pic>
       <p:pic>
         <p:nvPicPr>
-          <p:cNvPr id="5" name="Imagem 4">
-            <a:extLst>
-              <a:ext uri="{FF2B5EF4-FFF2-40B4-BE49-F238E27FC236}">
-                <a16:creationId xmlns:a16="http://schemas.microsoft.com/office/drawing/2014/main" id="{2A80C9AD-521C-4713-BE2A-1215D6DE9148}"/>
+          <p:cNvPr id="7" name="Imagem 6" descr="Desenho de azulejo&#10;&#10;Descrição gerada automaticamente com confiança média">
+            <a:extLst>
+              <a:ext uri="{FF2B5EF4-FFF2-40B4-BE49-F238E27FC236}">
+                <a16:creationId xmlns:a16="http://schemas.microsoft.com/office/drawing/2014/main" id="{28DA19C7-C838-4BEE-A124-F8612526DE99}"/>
               </a:ext>
             </a:extLst>
           </p:cNvPr>
@@ -10480,12 +11451,13 @@
               </a:ext>
             </a:extLst>
           </a:blip>
-          <a:srcRect/>
-          <a:stretch/>
+          <a:stretch>
+            <a:fillRect/>
+          </a:stretch>
         </p:blipFill>
         <p:spPr>
           <a:xfrm>
-            <a:off x="4410300" y="3095737"/>
+            <a:off x="3611361" y="884145"/>
             <a:ext cx="3600000" cy="3600000"/>
           </a:xfrm>
           <a:prstGeom prst="rect">
@@ -10496,17 +11468,17 @@
             <a:prstDash val="dash"/>
           </a:ln>
           <a:scene3d>
-            <a:camera prst="isometricOffAxis1Top"/>
+            <a:camera prst="isometricOffAxis1Right"/>
             <a:lightRig rig="threePt" dir="t"/>
           </a:scene3d>
         </p:spPr>
       </p:pic>
       <p:pic>
         <p:nvPicPr>
-          <p:cNvPr id="8" name="Imagem 7" descr="Desenho de azulejo&#10;&#10;Descrição gerada automaticamente com confiança média">
-            <a:extLst>
-              <a:ext uri="{FF2B5EF4-FFF2-40B4-BE49-F238E27FC236}">
-                <a16:creationId xmlns:a16="http://schemas.microsoft.com/office/drawing/2014/main" id="{60C90705-1902-4AD7-AD77-4E0AA839C257}"/>
+          <p:cNvPr id="27" name="Imagem 26" descr="Desenho de azulejo&#10;&#10;Descrição gerada automaticamente com confiança média">
+            <a:extLst>
+              <a:ext uri="{FF2B5EF4-FFF2-40B4-BE49-F238E27FC236}">
+                <a16:creationId xmlns:a16="http://schemas.microsoft.com/office/drawing/2014/main" id="{E38402FF-F08F-4752-81D8-9A2DF6C1BD16}"/>
               </a:ext>
             </a:extLst>
           </p:cNvPr>
@@ -10516,7 +11488,7 @@
           <p:nvPr/>
         </p:nvPicPr>
         <p:blipFill>
-          <a:blip r:embed="rId4">
+          <a:blip r:embed="rId3">
             <a:alphaModFix amt="50000"/>
             <a:extLst>
               <a:ext uri="{28A0092B-C50C-407E-A947-70E740481C1C}">
@@ -10550,10 +11522,10 @@
       </p:pic>
       <p:pic>
         <p:nvPicPr>
-          <p:cNvPr id="9" name="Imagem 8" descr="Desenho de azulejo&#10;&#10;Descrição gerada automaticamente com confiança média">
-            <a:extLst>
-              <a:ext uri="{FF2B5EF4-FFF2-40B4-BE49-F238E27FC236}">
-                <a16:creationId xmlns:a16="http://schemas.microsoft.com/office/drawing/2014/main" id="{9EF94F54-3FDB-4432-AA8E-D0C3F818D89B}"/>
+          <p:cNvPr id="28" name="Imagem 27" descr="Desenho de azulejo&#10;&#10;Descrição gerada automaticamente com confiança média">
+            <a:extLst>
+              <a:ext uri="{FF2B5EF4-FFF2-40B4-BE49-F238E27FC236}">
+                <a16:creationId xmlns:a16="http://schemas.microsoft.com/office/drawing/2014/main" id="{E8406CC1-06B4-47AE-8384-1A8A12B979A9}"/>
               </a:ext>
             </a:extLst>
           </p:cNvPr>
@@ -10563,7 +11535,7 @@
           <p:nvPr/>
         </p:nvPicPr>
         <p:blipFill>
-          <a:blip r:embed="rId4">
+          <a:blip r:embed="rId3">
             <a:alphaModFix amt="50000"/>
             <a:extLst>
               <a:ext uri="{28A0092B-C50C-407E-A947-70E740481C1C}">
@@ -10597,10 +11569,10 @@
       </p:pic>
       <p:pic>
         <p:nvPicPr>
-          <p:cNvPr id="10" name="Imagem 9">
-            <a:extLst>
-              <a:ext uri="{FF2B5EF4-FFF2-40B4-BE49-F238E27FC236}">
-                <a16:creationId xmlns:a16="http://schemas.microsoft.com/office/drawing/2014/main" id="{432418E5-BA54-494D-A51B-300C39EDC392}"/>
+          <p:cNvPr id="29" name="Imagem 28">
+            <a:extLst>
+              <a:ext uri="{FF2B5EF4-FFF2-40B4-BE49-F238E27FC236}">
+                <a16:creationId xmlns:a16="http://schemas.microsoft.com/office/drawing/2014/main" id="{D919D222-4112-4E2D-A18F-CC4F76BB5B00}"/>
               </a:ext>
             </a:extLst>
           </p:cNvPr>
@@ -10610,7 +11582,7 @@
           <p:nvPr/>
         </p:nvPicPr>
         <p:blipFill>
-          <a:blip r:embed="rId5">
+          <a:blip r:embed="rId4">
             <a:alphaModFix amt="50000"/>
             <a:extLst>
               <a:ext uri="{28A0092B-C50C-407E-A947-70E740481C1C}">
@@ -10643,10 +11615,45 @@
       </p:pic>
       <p:sp>
         <p:nvSpPr>
-          <p:cNvPr id="11" name="Elipse 10">
-            <a:extLst>
-              <a:ext uri="{FF2B5EF4-FFF2-40B4-BE49-F238E27FC236}">
-                <a16:creationId xmlns:a16="http://schemas.microsoft.com/office/drawing/2014/main" id="{89B4B4A7-C4A6-4A63-BBA7-39588DD58228}"/>
+          <p:cNvPr id="30" name="CaixaDeTexto 29">
+            <a:extLst>
+              <a:ext uri="{FF2B5EF4-FFF2-40B4-BE49-F238E27FC236}">
+                <a16:creationId xmlns:a16="http://schemas.microsoft.com/office/drawing/2014/main" id="{24CBD221-09B9-454A-A6CF-E2B0C0A1A7BF}"/>
+              </a:ext>
+            </a:extLst>
+          </p:cNvPr>
+          <p:cNvSpPr txBox="1"/>
+          <p:nvPr/>
+        </p:nvSpPr>
+        <p:spPr>
+          <a:xfrm>
+            <a:off x="0" y="0"/>
+            <a:ext cx="732893" cy="369332"/>
+          </a:xfrm>
+          <a:prstGeom prst="rect">
+            <a:avLst/>
+          </a:prstGeom>
+          <a:noFill/>
+        </p:spPr>
+        <p:txBody>
+          <a:bodyPr wrap="none" rtlCol="0">
+            <a:spAutoFit/>
+          </a:bodyPr>
+          <a:lstStyle/>
+          <a:p>
+            <a:r>
+              <a:rPr lang="pt-BR" dirty="0"/>
+              <a:t>South</a:t>
+            </a:r>
+          </a:p>
+        </p:txBody>
+      </p:sp>
+      <p:sp>
+        <p:nvSpPr>
+          <p:cNvPr id="31" name="Elipse 30">
+            <a:extLst>
+              <a:ext uri="{FF2B5EF4-FFF2-40B4-BE49-F238E27FC236}">
+                <a16:creationId xmlns:a16="http://schemas.microsoft.com/office/drawing/2014/main" id="{50223565-3063-47BF-9981-A9851C453FCF}"/>
               </a:ext>
             </a:extLst>
           </p:cNvPr>
@@ -10691,17 +11698,127 @@
             <a:pPr algn="ctr"/>
             <a:r>
               <a:rPr lang="pt-BR" dirty="0"/>
-              <a:t>3</a:t>
-            </a:r>
-          </a:p>
-        </p:txBody>
-      </p:sp>
-      <p:sp>
-        <p:nvSpPr>
-          <p:cNvPr id="16" name="CaixaDeTexto 15">
-            <a:extLst>
-              <a:ext uri="{FF2B5EF4-FFF2-40B4-BE49-F238E27FC236}">
-                <a16:creationId xmlns:a16="http://schemas.microsoft.com/office/drawing/2014/main" id="{54529C1E-6483-4EB4-A991-B1761207F735}"/>
+              <a:t>0</a:t>
+            </a:r>
+          </a:p>
+        </p:txBody>
+      </p:sp>
+      <p:sp>
+        <p:nvSpPr>
+          <p:cNvPr id="33" name="Elipse 32">
+            <a:extLst>
+              <a:ext uri="{FF2B5EF4-FFF2-40B4-BE49-F238E27FC236}">
+                <a16:creationId xmlns:a16="http://schemas.microsoft.com/office/drawing/2014/main" id="{5CA80D1E-739D-4CE7-A487-5C791024CC4D}"/>
+              </a:ext>
+            </a:extLst>
+          </p:cNvPr>
+          <p:cNvSpPr/>
+          <p:nvPr/>
+        </p:nvSpPr>
+        <p:spPr>
+          <a:xfrm>
+            <a:off x="6852548" y="563497"/>
+            <a:ext cx="360000" cy="360000"/>
+          </a:xfrm>
+          <a:prstGeom prst="ellipse">
+            <a:avLst/>
+          </a:prstGeom>
+          <a:solidFill>
+            <a:srgbClr val="C00000"/>
+          </a:solidFill>
+          <a:ln>
+            <a:noFill/>
+          </a:ln>
+        </p:spPr>
+        <p:style>
+          <a:lnRef idx="2">
+            <a:schemeClr val="accent1">
+              <a:shade val="50000"/>
+            </a:schemeClr>
+          </a:lnRef>
+          <a:fillRef idx="1">
+            <a:schemeClr val="accent1"/>
+          </a:fillRef>
+          <a:effectRef idx="0">
+            <a:schemeClr val="accent1"/>
+          </a:effectRef>
+          <a:fontRef idx="minor">
+            <a:schemeClr val="lt1"/>
+          </a:fontRef>
+        </p:style>
+        <p:txBody>
+          <a:bodyPr rtlCol="0" anchor="ctr"/>
+          <a:lstStyle/>
+          <a:p>
+            <a:pPr algn="ctr"/>
+            <a:r>
+              <a:rPr lang="pt-BR" dirty="0"/>
+              <a:t>1</a:t>
+            </a:r>
+          </a:p>
+        </p:txBody>
+      </p:sp>
+      <p:sp>
+        <p:nvSpPr>
+          <p:cNvPr id="34" name="Elipse 33">
+            <a:extLst>
+              <a:ext uri="{FF2B5EF4-FFF2-40B4-BE49-F238E27FC236}">
+                <a16:creationId xmlns:a16="http://schemas.microsoft.com/office/drawing/2014/main" id="{87EE7877-175F-4830-A1F1-13BAC6843E44}"/>
+              </a:ext>
+            </a:extLst>
+          </p:cNvPr>
+          <p:cNvSpPr/>
+          <p:nvPr/>
+        </p:nvSpPr>
+        <p:spPr>
+          <a:xfrm>
+            <a:off x="3617127" y="983327"/>
+            <a:ext cx="360000" cy="360000"/>
+          </a:xfrm>
+          <a:prstGeom prst="ellipse">
+            <a:avLst/>
+          </a:prstGeom>
+          <a:solidFill>
+            <a:srgbClr val="C00000"/>
+          </a:solidFill>
+          <a:ln>
+            <a:noFill/>
+          </a:ln>
+        </p:spPr>
+        <p:style>
+          <a:lnRef idx="2">
+            <a:schemeClr val="accent1">
+              <a:shade val="50000"/>
+            </a:schemeClr>
+          </a:lnRef>
+          <a:fillRef idx="1">
+            <a:schemeClr val="accent1"/>
+          </a:fillRef>
+          <a:effectRef idx="0">
+            <a:schemeClr val="accent1"/>
+          </a:effectRef>
+          <a:fontRef idx="minor">
+            <a:schemeClr val="lt1"/>
+          </a:fontRef>
+        </p:style>
+        <p:txBody>
+          <a:bodyPr rtlCol="0" anchor="ctr"/>
+          <a:lstStyle/>
+          <a:p>
+            <a:pPr algn="ctr"/>
+            <a:r>
+              <a:rPr lang="pt-BR" dirty="0"/>
+              <a:t>2</a:t>
+            </a:r>
+          </a:p>
+        </p:txBody>
+      </p:sp>
+      <p:sp>
+        <p:nvSpPr>
+          <p:cNvPr id="14" name="CaixaDeTexto 13">
+            <a:extLst>
+              <a:ext uri="{FF2B5EF4-FFF2-40B4-BE49-F238E27FC236}">
+                <a16:creationId xmlns:a16="http://schemas.microsoft.com/office/drawing/2014/main" id="{25DF34E6-A269-47E0-8956-46540BD57C7D}"/>
               </a:ext>
             </a:extLst>
           </p:cNvPr>
@@ -10710,8 +11827,8 @@
         </p:nvSpPr>
         <p:spPr>
           <a:xfrm>
-            <a:off x="0" y="0"/>
-            <a:ext cx="886076" cy="369332"/>
+            <a:off x="10068162" y="5362260"/>
+            <a:ext cx="1830950" cy="1200329"/>
           </a:xfrm>
           <a:prstGeom prst="rect">
             <a:avLst/>
@@ -10725,19 +11842,44 @@
           <a:lstStyle/>
           <a:p>
             <a:r>
-              <a:rPr lang="pt-BR" dirty="0" err="1"/>
-              <a:t>Bottom</a:t>
-            </a:r>
-            <a:endParaRPr lang="pt-BR" dirty="0"/>
-          </a:p>
-        </p:txBody>
-      </p:sp>
-      <p:sp>
-        <p:nvSpPr>
-          <p:cNvPr id="17" name="CaixaDeTexto 16">
-            <a:extLst>
-              <a:ext uri="{FF2B5EF4-FFF2-40B4-BE49-F238E27FC236}">
-                <a16:creationId xmlns:a16="http://schemas.microsoft.com/office/drawing/2014/main" id="{4520CFA9-D4D6-4DC5-861B-31F62962E1D8}"/>
+              <a:rPr lang="pt-BR" dirty="0">
+                <a:latin typeface="Consolas" panose="020B0609020204030204" pitchFamily="49" charset="0"/>
+              </a:rPr>
+              <a:t>x 1, y 0, z 0</a:t>
+            </a:r>
+          </a:p>
+          <a:p>
+            <a:r>
+              <a:rPr lang="pt-BR" dirty="0">
+                <a:latin typeface="Consolas" panose="020B0609020204030204" pitchFamily="49" charset="0"/>
+              </a:rPr>
+              <a:t>x 1, y 1, z 0</a:t>
+            </a:r>
+          </a:p>
+          <a:p>
+            <a:r>
+              <a:rPr lang="pt-BR" dirty="0">
+                <a:latin typeface="Consolas" panose="020B0609020204030204" pitchFamily="49" charset="0"/>
+              </a:rPr>
+              <a:t>x 0, y 1, z 0</a:t>
+            </a:r>
+          </a:p>
+          <a:p>
+            <a:r>
+              <a:rPr lang="pt-BR" dirty="0">
+                <a:latin typeface="Consolas" panose="020B0609020204030204" pitchFamily="49" charset="0"/>
+              </a:rPr>
+              <a:t>x 0, y 0, z 0</a:t>
+            </a:r>
+          </a:p>
+        </p:txBody>
+      </p:sp>
+      <p:sp>
+        <p:nvSpPr>
+          <p:cNvPr id="15" name="CaixaDeTexto 14">
+            <a:extLst>
+              <a:ext uri="{FF2B5EF4-FFF2-40B4-BE49-F238E27FC236}">
+                <a16:creationId xmlns:a16="http://schemas.microsoft.com/office/drawing/2014/main" id="{8BBE71A3-239D-421E-A3C2-871DB0C5D6ED}"/>
               </a:ext>
             </a:extLst>
           </p:cNvPr>
@@ -10746,8 +11888,8 @@
         </p:nvSpPr>
         <p:spPr>
           <a:xfrm>
-            <a:off x="10068162" y="5362260"/>
-            <a:ext cx="1830950" cy="1200329"/>
+            <a:off x="3163725" y="4937691"/>
+            <a:ext cx="1210589" cy="369332"/>
           </a:xfrm>
           <a:prstGeom prst="rect">
             <a:avLst/>
@@ -10760,45 +11902,20 @@
           </a:bodyPr>
           <a:lstStyle/>
           <a:p>
-            <a:r>
-              <a:rPr lang="pt-BR" dirty="0">
-                <a:latin typeface="Consolas" panose="020B0609020204030204" pitchFamily="49" charset="0"/>
-              </a:rPr>
+            <a:pPr algn="ctr"/>
+            <a:r>
+              <a:rPr lang="pt-BR" dirty="0"/>
               <a:t>x 0, y 0, z 0</a:t>
             </a:r>
           </a:p>
-          <a:p>
-            <a:r>
-              <a:rPr lang="pt-BR" dirty="0">
-                <a:latin typeface="Consolas" panose="020B0609020204030204" pitchFamily="49" charset="0"/>
-              </a:rPr>
-              <a:t>x 0, y 0, z 1</a:t>
-            </a:r>
-          </a:p>
-          <a:p>
-            <a:r>
-              <a:rPr lang="pt-BR" dirty="0">
-                <a:latin typeface="Consolas" panose="020B0609020204030204" pitchFamily="49" charset="0"/>
-              </a:rPr>
-              <a:t>x 1, y 0, z 1</a:t>
-            </a:r>
-          </a:p>
-          <a:p>
-            <a:r>
-              <a:rPr lang="pt-BR" dirty="0">
-                <a:latin typeface="Consolas" panose="020B0609020204030204" pitchFamily="49" charset="0"/>
-              </a:rPr>
-              <a:t>x 1, y 0, z 0</a:t>
-            </a:r>
-          </a:p>
-        </p:txBody>
-      </p:sp>
-      <p:sp>
-        <p:nvSpPr>
-          <p:cNvPr id="18" name="CaixaDeTexto 17">
-            <a:extLst>
-              <a:ext uri="{FF2B5EF4-FFF2-40B4-BE49-F238E27FC236}">
-                <a16:creationId xmlns:a16="http://schemas.microsoft.com/office/drawing/2014/main" id="{EA9333E3-0863-4D0D-9EE3-6CBB00BB14C8}"/>
+        </p:txBody>
+      </p:sp>
+      <p:sp>
+        <p:nvSpPr>
+          <p:cNvPr id="16" name="CaixaDeTexto 15">
+            <a:extLst>
+              <a:ext uri="{FF2B5EF4-FFF2-40B4-BE49-F238E27FC236}">
+                <a16:creationId xmlns:a16="http://schemas.microsoft.com/office/drawing/2014/main" id="{F4DEF866-702D-4EB1-B6A6-AB1D29FA443C}"/>
               </a:ext>
             </a:extLst>
           </p:cNvPr>
@@ -10807,8 +11924,8 @@
         </p:nvSpPr>
         <p:spPr>
           <a:xfrm>
-            <a:off x="8023944" y="5372071"/>
-            <a:ext cx="1210589" cy="369332"/>
+            <a:off x="3191833" y="516869"/>
+            <a:ext cx="1210588" cy="369332"/>
           </a:xfrm>
           <a:prstGeom prst="rect">
             <a:avLst/>
@@ -10821,20 +11938,19 @@
           </a:bodyPr>
           <a:lstStyle/>
           <a:p>
-            <a:pPr algn="ctr"/>
             <a:r>
               <a:rPr lang="pt-BR" dirty="0"/>
-              <a:t>x 1, y 0, z 1</a:t>
-            </a:r>
-          </a:p>
-        </p:txBody>
-      </p:sp>
-      <p:sp>
-        <p:nvSpPr>
-          <p:cNvPr id="19" name="CaixaDeTexto 18">
-            <a:extLst>
-              <a:ext uri="{FF2B5EF4-FFF2-40B4-BE49-F238E27FC236}">
-                <a16:creationId xmlns:a16="http://schemas.microsoft.com/office/drawing/2014/main" id="{094A0932-3304-414A-A86B-92DF422CD349}"/>
+              <a:t>x 0, y 1, z 0</a:t>
+            </a:r>
+          </a:p>
+        </p:txBody>
+      </p:sp>
+      <p:sp>
+        <p:nvSpPr>
+          <p:cNvPr id="17" name="CaixaDeTexto 16">
+            <a:extLst>
+              <a:ext uri="{FF2B5EF4-FFF2-40B4-BE49-F238E27FC236}">
+                <a16:creationId xmlns:a16="http://schemas.microsoft.com/office/drawing/2014/main" id="{C990DE58-3D54-4250-93E6-B52D50E6C10C}"/>
               </a:ext>
             </a:extLst>
           </p:cNvPr>
@@ -10843,8 +11959,8 @@
         </p:nvSpPr>
         <p:spPr>
           <a:xfrm>
-            <a:off x="4731123" y="5929547"/>
-            <a:ext cx="1210589" cy="369332"/>
+            <a:off x="6427254" y="65094"/>
+            <a:ext cx="1210588" cy="369332"/>
           </a:xfrm>
           <a:prstGeom prst="rect">
             <a:avLst/>
@@ -10857,20 +11973,19 @@
           </a:bodyPr>
           <a:lstStyle/>
           <a:p>
-            <a:pPr algn="ctr"/>
             <a:r>
               <a:rPr lang="pt-BR" dirty="0"/>
-              <a:t>x 0, y 0, z 1</a:t>
-            </a:r>
-          </a:p>
-        </p:txBody>
-      </p:sp>
-      <p:sp>
-        <p:nvSpPr>
-          <p:cNvPr id="20" name="CaixaDeTexto 19">
-            <a:extLst>
-              <a:ext uri="{FF2B5EF4-FFF2-40B4-BE49-F238E27FC236}">
-                <a16:creationId xmlns:a16="http://schemas.microsoft.com/office/drawing/2014/main" id="{3CD61FE0-3BCE-41A9-B418-C8525BAB9958}"/>
+              <a:t>x 1, y 1, z 0</a:t>
+            </a:r>
+          </a:p>
+        </p:txBody>
+      </p:sp>
+      <p:sp>
+        <p:nvSpPr>
+          <p:cNvPr id="18" name="CaixaDeTexto 17">
+            <a:extLst>
+              <a:ext uri="{FF2B5EF4-FFF2-40B4-BE49-F238E27FC236}">
+                <a16:creationId xmlns:a16="http://schemas.microsoft.com/office/drawing/2014/main" id="{5A555649-8611-44B0-8596-3BF382EEFB64}"/>
               </a:ext>
             </a:extLst>
           </p:cNvPr>
@@ -10879,8 +11994,8 @@
         </p:nvSpPr>
         <p:spPr>
           <a:xfrm>
-            <a:off x="3152526" y="3924199"/>
-            <a:ext cx="1210589" cy="369332"/>
+            <a:off x="6402697" y="4485300"/>
+            <a:ext cx="1210588" cy="369332"/>
           </a:xfrm>
           <a:prstGeom prst="rect">
             <a:avLst/>
@@ -10895,44 +12010,6 @@
           </a:bodyPr>
           <a:lstStyle/>
           <a:p>
-            <a:pPr algn="ctr"/>
-            <a:r>
-              <a:rPr lang="pt-BR" dirty="0"/>
-              <a:t>x 0, y 0, z 0</a:t>
-            </a:r>
-          </a:p>
-        </p:txBody>
-      </p:sp>
-      <p:sp>
-        <p:nvSpPr>
-          <p:cNvPr id="21" name="CaixaDeTexto 20">
-            <a:extLst>
-              <a:ext uri="{FF2B5EF4-FFF2-40B4-BE49-F238E27FC236}">
-                <a16:creationId xmlns:a16="http://schemas.microsoft.com/office/drawing/2014/main" id="{8B2E6091-4F3C-4270-9752-33F752D59A11}"/>
-              </a:ext>
-            </a:extLst>
-          </p:cNvPr>
-          <p:cNvSpPr txBox="1"/>
-          <p:nvPr/>
-        </p:nvSpPr>
-        <p:spPr>
-          <a:xfrm>
-            <a:off x="6393122" y="3507089"/>
-            <a:ext cx="1210588" cy="369332"/>
-          </a:xfrm>
-          <a:prstGeom prst="rect">
-            <a:avLst/>
-          </a:prstGeom>
-          <a:solidFill>
-            <a:schemeClr val="bg1"/>
-          </a:solidFill>
-        </p:spPr>
-        <p:txBody>
-          <a:bodyPr wrap="none" rtlCol="0">
-            <a:spAutoFit/>
-          </a:bodyPr>
-          <a:lstStyle/>
-          <a:p>
             <a:r>
               <a:rPr lang="pt-BR" dirty="0"/>
               <a:t>x 1, y 0, z 0</a:t>
@@ -10945,7 +12022,7 @@
           <p:cNvPr id="2" name="Agrupar 1">
             <a:extLst>
               <a:ext uri="{FF2B5EF4-FFF2-40B4-BE49-F238E27FC236}">
-                <a16:creationId xmlns:a16="http://schemas.microsoft.com/office/drawing/2014/main" id="{2EBC47EA-43AA-BF6E-2F07-366F63583F77}"/>
+                <a16:creationId xmlns:a16="http://schemas.microsoft.com/office/drawing/2014/main" id="{DCC62431-EB7B-807B-9165-73BECBA989CE}"/>
               </a:ext>
             </a:extLst>
           </p:cNvPr>
@@ -10965,7 +12042,7 @@
             <p:cNvPr id="3" name="Conector de Seta Reta 2">
               <a:extLst>
                 <a:ext uri="{FF2B5EF4-FFF2-40B4-BE49-F238E27FC236}">
-                  <a16:creationId xmlns:a16="http://schemas.microsoft.com/office/drawing/2014/main" id="{4CABC7F5-1E0D-0436-AC53-51EF75AC32AB}"/>
+                  <a16:creationId xmlns:a16="http://schemas.microsoft.com/office/drawing/2014/main" id="{908F6C9C-9F77-9EF7-1DC5-A53B3CCB15F2}"/>
                 </a:ext>
               </a:extLst>
             </p:cNvPr>
@@ -11006,10 +12083,10 @@
         </p:cxnSp>
         <p:cxnSp>
           <p:nvCxnSpPr>
-            <p:cNvPr id="6" name="Conector de Seta Reta 5">
+            <p:cNvPr id="5" name="Conector de Seta Reta 4">
               <a:extLst>
                 <a:ext uri="{FF2B5EF4-FFF2-40B4-BE49-F238E27FC236}">
-                  <a16:creationId xmlns:a16="http://schemas.microsoft.com/office/drawing/2014/main" id="{F2CC76AA-9B45-DFC8-7BE0-F6E0C2147546}"/>
+                  <a16:creationId xmlns:a16="http://schemas.microsoft.com/office/drawing/2014/main" id="{D23BF0F6-613B-BB51-BB2E-3FCF666A582C}"/>
                 </a:ext>
               </a:extLst>
             </p:cNvPr>
@@ -11050,10 +12127,10 @@
         </p:cxnSp>
         <p:sp>
           <p:nvSpPr>
-            <p:cNvPr id="7" name="CaixaDeTexto 6">
+            <p:cNvPr id="6" name="CaixaDeTexto 5">
               <a:extLst>
                 <a:ext uri="{FF2B5EF4-FFF2-40B4-BE49-F238E27FC236}">
-                  <a16:creationId xmlns:a16="http://schemas.microsoft.com/office/drawing/2014/main" id="{67E531F8-BCEF-2B8D-0788-555860BB3827}"/>
+                  <a16:creationId xmlns:a16="http://schemas.microsoft.com/office/drawing/2014/main" id="{03AC9186-93EF-F418-2B24-7502FDC08213}"/>
                 </a:ext>
               </a:extLst>
             </p:cNvPr>
@@ -11085,10 +12162,10 @@
         </p:sp>
         <p:sp>
           <p:nvSpPr>
-            <p:cNvPr id="15" name="CaixaDeTexto 14">
+            <p:cNvPr id="8" name="CaixaDeTexto 7">
               <a:extLst>
                 <a:ext uri="{FF2B5EF4-FFF2-40B4-BE49-F238E27FC236}">
-                  <a16:creationId xmlns:a16="http://schemas.microsoft.com/office/drawing/2014/main" id="{79E87A13-AF04-B5C2-946F-60CB8DB1245C}"/>
+                  <a16:creationId xmlns:a16="http://schemas.microsoft.com/office/drawing/2014/main" id="{0CD96730-A44A-D6F4-5743-CB74D8652FB5}"/>
                 </a:ext>
               </a:extLst>
             </p:cNvPr>
@@ -11120,10 +12197,10 @@
         </p:sp>
         <p:cxnSp>
           <p:nvCxnSpPr>
-            <p:cNvPr id="22" name="Conector de Seta Reta 21">
+            <p:cNvPr id="9" name="Conector de Seta Reta 8">
               <a:extLst>
                 <a:ext uri="{FF2B5EF4-FFF2-40B4-BE49-F238E27FC236}">
-                  <a16:creationId xmlns:a16="http://schemas.microsoft.com/office/drawing/2014/main" id="{F28148EE-F617-D0F7-A475-1990A95930BA}"/>
+                  <a16:creationId xmlns:a16="http://schemas.microsoft.com/office/drawing/2014/main" id="{5A01DC7A-989B-6952-AADA-E9BD490EEAFF}"/>
                 </a:ext>
               </a:extLst>
             </p:cNvPr>
@@ -11164,10 +12241,10 @@
         </p:cxnSp>
         <p:sp>
           <p:nvSpPr>
-            <p:cNvPr id="23" name="CaixaDeTexto 22">
+            <p:cNvPr id="10" name="CaixaDeTexto 9">
               <a:extLst>
                 <a:ext uri="{FF2B5EF4-FFF2-40B4-BE49-F238E27FC236}">
-                  <a16:creationId xmlns:a16="http://schemas.microsoft.com/office/drawing/2014/main" id="{4C11A7A9-BEF9-BA65-FA15-9B37CED5747C}"/>
+                  <a16:creationId xmlns:a16="http://schemas.microsoft.com/office/drawing/2014/main" id="{531A587A-79E0-B66C-925C-4DB888BE00BD}"/>
                 </a:ext>
               </a:extLst>
             </p:cNvPr>
@@ -11200,10 +12277,10 @@
       </p:grpSp>
       <p:sp>
         <p:nvSpPr>
-          <p:cNvPr id="12" name="Elipse 11">
-            <a:extLst>
-              <a:ext uri="{FF2B5EF4-FFF2-40B4-BE49-F238E27FC236}">
-                <a16:creationId xmlns:a16="http://schemas.microsoft.com/office/drawing/2014/main" id="{2A67D30B-AB3B-4CA2-8233-0A547A4AC40E}"/>
+          <p:cNvPr id="32" name="Elipse 31">
+            <a:extLst>
+              <a:ext uri="{FF2B5EF4-FFF2-40B4-BE49-F238E27FC236}">
+                <a16:creationId xmlns:a16="http://schemas.microsoft.com/office/drawing/2014/main" id="{E516CC70-608A-45B6-8879-8D3EF36FEE11}"/>
               </a:ext>
             </a:extLst>
           </p:cNvPr>
@@ -11212,7 +12289,7 @@
         </p:nvSpPr>
         <p:spPr>
           <a:xfrm>
-            <a:off x="8449239" y="4938591"/>
+            <a:off x="3589020" y="4432473"/>
             <a:ext cx="360000" cy="360000"/>
           </a:xfrm>
           <a:prstGeom prst="ellipse">
@@ -11248,117 +12325,7 @@
             <a:pPr algn="ctr"/>
             <a:r>
               <a:rPr lang="pt-BR" dirty="0"/>
-              <a:t>2</a:t>
-            </a:r>
-          </a:p>
-        </p:txBody>
-      </p:sp>
-      <p:sp>
-        <p:nvSpPr>
-          <p:cNvPr id="13" name="Elipse 12">
-            <a:extLst>
-              <a:ext uri="{FF2B5EF4-FFF2-40B4-BE49-F238E27FC236}">
-                <a16:creationId xmlns:a16="http://schemas.microsoft.com/office/drawing/2014/main" id="{D2579AAC-0D3B-4881-944B-B0E56EAE438C}"/>
-              </a:ext>
-            </a:extLst>
-          </p:cNvPr>
-          <p:cNvSpPr/>
-          <p:nvPr/>
-        </p:nvSpPr>
-        <p:spPr>
-          <a:xfrm>
-            <a:off x="3589020" y="4432473"/>
-            <a:ext cx="360000" cy="360000"/>
-          </a:xfrm>
-          <a:prstGeom prst="ellipse">
-            <a:avLst/>
-          </a:prstGeom>
-          <a:solidFill>
-            <a:srgbClr val="C00000"/>
-          </a:solidFill>
-          <a:ln>
-            <a:noFill/>
-          </a:ln>
-        </p:spPr>
-        <p:style>
-          <a:lnRef idx="2">
-            <a:schemeClr val="accent1">
-              <a:shade val="50000"/>
-            </a:schemeClr>
-          </a:lnRef>
-          <a:fillRef idx="1">
-            <a:schemeClr val="accent1"/>
-          </a:fillRef>
-          <a:effectRef idx="0">
-            <a:schemeClr val="accent1"/>
-          </a:effectRef>
-          <a:fontRef idx="minor">
-            <a:schemeClr val="lt1"/>
-          </a:fontRef>
-        </p:style>
-        <p:txBody>
-          <a:bodyPr rtlCol="0" anchor="ctr"/>
-          <a:lstStyle/>
-          <a:p>
-            <a:pPr algn="ctr"/>
-            <a:r>
-              <a:rPr lang="pt-BR" dirty="0"/>
-              <a:t>0</a:t>
-            </a:r>
-          </a:p>
-        </p:txBody>
-      </p:sp>
-      <p:sp>
-        <p:nvSpPr>
-          <p:cNvPr id="14" name="Elipse 13">
-            <a:extLst>
-              <a:ext uri="{FF2B5EF4-FFF2-40B4-BE49-F238E27FC236}">
-                <a16:creationId xmlns:a16="http://schemas.microsoft.com/office/drawing/2014/main" id="{800235F5-40F9-40B2-B0AA-C598D5A5E8F5}"/>
-              </a:ext>
-            </a:extLst>
-          </p:cNvPr>
-          <p:cNvSpPr/>
-          <p:nvPr/>
-        </p:nvSpPr>
-        <p:spPr>
-          <a:xfrm>
-            <a:off x="5156418" y="5471357"/>
-            <a:ext cx="360000" cy="360000"/>
-          </a:xfrm>
-          <a:prstGeom prst="ellipse">
-            <a:avLst/>
-          </a:prstGeom>
-          <a:solidFill>
-            <a:srgbClr val="C00000"/>
-          </a:solidFill>
-          <a:ln>
-            <a:noFill/>
-          </a:ln>
-        </p:spPr>
-        <p:style>
-          <a:lnRef idx="2">
-            <a:schemeClr val="accent1">
-              <a:shade val="50000"/>
-            </a:schemeClr>
-          </a:lnRef>
-          <a:fillRef idx="1">
-            <a:schemeClr val="accent1"/>
-          </a:fillRef>
-          <a:effectRef idx="0">
-            <a:schemeClr val="accent1"/>
-          </a:effectRef>
-          <a:fontRef idx="minor">
-            <a:schemeClr val="lt1"/>
-          </a:fontRef>
-        </p:style>
-        <p:txBody>
-          <a:bodyPr rtlCol="0" anchor="ctr"/>
-          <a:lstStyle/>
-          <a:p>
-            <a:pPr algn="ctr"/>
-            <a:r>
-              <a:rPr lang="pt-BR" dirty="0"/>
-              <a:t>1</a:t>
+              <a:t>3</a:t>
             </a:r>
           </a:p>
         </p:txBody>
@@ -11366,7 +12333,7 @@
     </p:spTree>
     <p:extLst>
       <p:ext uri="{BB962C8B-B14F-4D97-AF65-F5344CB8AC3E}">
-        <p14:creationId xmlns:p14="http://schemas.microsoft.com/office/powerpoint/2010/main" val="1807306043"/>
+        <p14:creationId xmlns:p14="http://schemas.microsoft.com/office/powerpoint/2010/main" val="3437401460"/>
       </p:ext>
     </p:extLst>
   </p:cSld>
@@ -11376,7 +12343,7 @@
 </p:sld>
 </file>
 
-<file path=ppt/slides/slide16.xml><?xml version="1.0" encoding="utf-8"?>
+<file path=ppt/slides/slide17.xml><?xml version="1.0" encoding="utf-8"?>
 <p:sld xmlns:a="http://schemas.openxmlformats.org/drawingml/2006/main" xmlns:r="http://schemas.openxmlformats.org/officeDocument/2006/relationships" xmlns:p="http://schemas.openxmlformats.org/presentationml/2006/main">
   <p:cSld>
     <p:spTree>
@@ -12291,973 +13258,6 @@
 </p:sld>
 </file>
 
-<file path=ppt/slides/slide17.xml><?xml version="1.0" encoding="utf-8"?>
-<p:sld xmlns:a="http://schemas.openxmlformats.org/drawingml/2006/main" xmlns:r="http://schemas.openxmlformats.org/officeDocument/2006/relationships" xmlns:p="http://schemas.openxmlformats.org/presentationml/2006/main">
-  <p:cSld>
-    <p:spTree>
-      <p:nvGrpSpPr>
-        <p:cNvPr id="1" name=""/>
-        <p:cNvGrpSpPr/>
-        <p:nvPr/>
-      </p:nvGrpSpPr>
-      <p:grpSpPr>
-        <a:xfrm>
-          <a:off x="0" y="0"/>
-          <a:ext cx="0" cy="0"/>
-          <a:chOff x="0" y="0"/>
-          <a:chExt cx="0" cy="0"/>
-        </a:xfrm>
-      </p:grpSpPr>
-      <p:pic>
-        <p:nvPicPr>
-          <p:cNvPr id="4" name="Imagem 3" descr="Logotipo, nome da empresa&#10;&#10;Descrição gerada automaticamente">
-            <a:extLst>
-              <a:ext uri="{FF2B5EF4-FFF2-40B4-BE49-F238E27FC236}">
-                <a16:creationId xmlns:a16="http://schemas.microsoft.com/office/drawing/2014/main" id="{1357731B-B68C-4E84-8A00-27AED7511849}"/>
-              </a:ext>
-            </a:extLst>
-          </p:cNvPr>
-          <p:cNvPicPr>
-            <a:picLocks noChangeAspect="1"/>
-          </p:cNvPicPr>
-          <p:nvPr/>
-        </p:nvPicPr>
-        <p:blipFill>
-          <a:blip r:embed="rId2">
-            <a:extLst>
-              <a:ext uri="{28A0092B-C50C-407E-A947-70E740481C1C}">
-                <a14:useLocalDpi xmlns:a14="http://schemas.microsoft.com/office/drawing/2010/main" val="0"/>
-              </a:ext>
-            </a:extLst>
-          </a:blip>
-          <a:stretch>
-            <a:fillRect/>
-          </a:stretch>
-        </p:blipFill>
-        <p:spPr>
-          <a:xfrm>
-            <a:off x="10983637" y="136275"/>
-            <a:ext cx="1079586" cy="1080000"/>
-          </a:xfrm>
-          <a:prstGeom prst="rect">
-            <a:avLst/>
-          </a:prstGeom>
-        </p:spPr>
-      </p:pic>
-      <p:pic>
-        <p:nvPicPr>
-          <p:cNvPr id="7" name="Imagem 6" descr="Desenho de azulejo&#10;&#10;Descrição gerada automaticamente com confiança média">
-            <a:extLst>
-              <a:ext uri="{FF2B5EF4-FFF2-40B4-BE49-F238E27FC236}">
-                <a16:creationId xmlns:a16="http://schemas.microsoft.com/office/drawing/2014/main" id="{28DA19C7-C838-4BEE-A124-F8612526DE99}"/>
-              </a:ext>
-            </a:extLst>
-          </p:cNvPr>
-          <p:cNvPicPr>
-            <a:picLocks noChangeAspect="1"/>
-          </p:cNvPicPr>
-          <p:nvPr/>
-        </p:nvPicPr>
-        <p:blipFill>
-          <a:blip r:embed="rId3">
-            <a:extLst>
-              <a:ext uri="{28A0092B-C50C-407E-A947-70E740481C1C}">
-                <a14:useLocalDpi xmlns:a14="http://schemas.microsoft.com/office/drawing/2010/main" val="0"/>
-              </a:ext>
-            </a:extLst>
-          </a:blip>
-          <a:stretch>
-            <a:fillRect/>
-          </a:stretch>
-        </p:blipFill>
-        <p:spPr>
-          <a:xfrm>
-            <a:off x="3611361" y="884145"/>
-            <a:ext cx="3600000" cy="3600000"/>
-          </a:xfrm>
-          <a:prstGeom prst="rect">
-            <a:avLst/>
-          </a:prstGeom>
-          <a:ln w="38100">
-            <a:noFill/>
-            <a:prstDash val="dash"/>
-          </a:ln>
-          <a:scene3d>
-            <a:camera prst="isometricOffAxis1Right"/>
-            <a:lightRig rig="threePt" dir="t"/>
-          </a:scene3d>
-        </p:spPr>
-      </p:pic>
-      <p:pic>
-        <p:nvPicPr>
-          <p:cNvPr id="27" name="Imagem 26" descr="Desenho de azulejo&#10;&#10;Descrição gerada automaticamente com confiança média">
-            <a:extLst>
-              <a:ext uri="{FF2B5EF4-FFF2-40B4-BE49-F238E27FC236}">
-                <a16:creationId xmlns:a16="http://schemas.microsoft.com/office/drawing/2014/main" id="{E38402FF-F08F-4752-81D8-9A2DF6C1BD16}"/>
-              </a:ext>
-            </a:extLst>
-          </p:cNvPr>
-          <p:cNvPicPr>
-            <a:picLocks noChangeAspect="1"/>
-          </p:cNvPicPr>
-          <p:nvPr/>
-        </p:nvPicPr>
-        <p:blipFill>
-          <a:blip r:embed="rId3">
-            <a:alphaModFix amt="50000"/>
-            <a:extLst>
-              <a:ext uri="{28A0092B-C50C-407E-A947-70E740481C1C}">
-                <a14:useLocalDpi xmlns:a14="http://schemas.microsoft.com/office/drawing/2010/main" val="0"/>
-              </a:ext>
-            </a:extLst>
-          </a:blip>
-          <a:stretch>
-            <a:fillRect/>
-          </a:stretch>
-        </p:blipFill>
-        <p:spPr>
-          <a:xfrm>
-            <a:off x="5193999" y="1883261"/>
-            <a:ext cx="3600000" cy="3600000"/>
-          </a:xfrm>
-          <a:prstGeom prst="rect">
-            <a:avLst/>
-          </a:prstGeom>
-          <a:ln w="38100">
-            <a:solidFill>
-              <a:schemeClr val="tx1"/>
-            </a:solidFill>
-            <a:prstDash val="dash"/>
-          </a:ln>
-          <a:scene3d>
-            <a:camera prst="isometricOffAxis1Right"/>
-            <a:lightRig rig="threePt" dir="t"/>
-          </a:scene3d>
-        </p:spPr>
-      </p:pic>
-      <p:pic>
-        <p:nvPicPr>
-          <p:cNvPr id="28" name="Imagem 27" descr="Desenho de azulejo&#10;&#10;Descrição gerada automaticamente com confiança média">
-            <a:extLst>
-              <a:ext uri="{FF2B5EF4-FFF2-40B4-BE49-F238E27FC236}">
-                <a16:creationId xmlns:a16="http://schemas.microsoft.com/office/drawing/2014/main" id="{E8406CC1-06B4-47AE-8384-1A8A12B979A9}"/>
-              </a:ext>
-            </a:extLst>
-          </p:cNvPr>
-          <p:cNvPicPr>
-            <a:picLocks noChangeAspect="1"/>
-          </p:cNvPicPr>
-          <p:nvPr/>
-        </p:nvPicPr>
-        <p:blipFill>
-          <a:blip r:embed="rId3">
-            <a:alphaModFix amt="50000"/>
-            <a:extLst>
-              <a:ext uri="{28A0092B-C50C-407E-A947-70E740481C1C}">
-                <a14:useLocalDpi xmlns:a14="http://schemas.microsoft.com/office/drawing/2010/main" val="0"/>
-              </a:ext>
-            </a:extLst>
-          </a:blip>
-          <a:stretch>
-            <a:fillRect/>
-          </a:stretch>
-        </p:blipFill>
-        <p:spPr>
-          <a:xfrm>
-            <a:off x="2785502" y="1625119"/>
-            <a:ext cx="3600000" cy="3600000"/>
-          </a:xfrm>
-          <a:prstGeom prst="rect">
-            <a:avLst/>
-          </a:prstGeom>
-          <a:ln w="38100">
-            <a:solidFill>
-              <a:schemeClr val="tx1"/>
-            </a:solidFill>
-            <a:prstDash val="dash"/>
-          </a:ln>
-          <a:scene3d>
-            <a:camera prst="isometricOffAxis1Left"/>
-            <a:lightRig rig="threePt" dir="t"/>
-          </a:scene3d>
-        </p:spPr>
-      </p:pic>
-      <p:pic>
-        <p:nvPicPr>
-          <p:cNvPr id="29" name="Imagem 28">
-            <a:extLst>
-              <a:ext uri="{FF2B5EF4-FFF2-40B4-BE49-F238E27FC236}">
-                <a16:creationId xmlns:a16="http://schemas.microsoft.com/office/drawing/2014/main" id="{D919D222-4112-4E2D-A18F-CC4F76BB5B00}"/>
-              </a:ext>
-            </a:extLst>
-          </p:cNvPr>
-          <p:cNvPicPr>
-            <a:picLocks noChangeAspect="1"/>
-          </p:cNvPicPr>
-          <p:nvPr/>
-        </p:nvPicPr>
-        <p:blipFill>
-          <a:blip r:embed="rId4">
-            <a:alphaModFix amt="50000"/>
-            <a:extLst>
-              <a:ext uri="{28A0092B-C50C-407E-A947-70E740481C1C}">
-                <a14:useLocalDpi xmlns:a14="http://schemas.microsoft.com/office/drawing/2010/main" val="0"/>
-              </a:ext>
-            </a:extLst>
-          </a:blip>
-          <a:srcRect/>
-          <a:stretch/>
-        </p:blipFill>
-        <p:spPr>
-          <a:xfrm>
-            <a:off x="4402680" y="-329817"/>
-            <a:ext cx="3600000" cy="3600000"/>
-          </a:xfrm>
-          <a:prstGeom prst="rect">
-            <a:avLst/>
-          </a:prstGeom>
-          <a:ln w="38100">
-            <a:solidFill>
-              <a:schemeClr val="tx1"/>
-            </a:solidFill>
-            <a:prstDash val="dash"/>
-          </a:ln>
-          <a:scene3d>
-            <a:camera prst="isometricOffAxis1Top"/>
-            <a:lightRig rig="threePt" dir="t"/>
-          </a:scene3d>
-        </p:spPr>
-      </p:pic>
-      <p:sp>
-        <p:nvSpPr>
-          <p:cNvPr id="30" name="CaixaDeTexto 29">
-            <a:extLst>
-              <a:ext uri="{FF2B5EF4-FFF2-40B4-BE49-F238E27FC236}">
-                <a16:creationId xmlns:a16="http://schemas.microsoft.com/office/drawing/2014/main" id="{24CBD221-09B9-454A-A6CF-E2B0C0A1A7BF}"/>
-              </a:ext>
-            </a:extLst>
-          </p:cNvPr>
-          <p:cNvSpPr txBox="1"/>
-          <p:nvPr/>
-        </p:nvSpPr>
-        <p:spPr>
-          <a:xfrm>
-            <a:off x="0" y="0"/>
-            <a:ext cx="732893" cy="369332"/>
-          </a:xfrm>
-          <a:prstGeom prst="rect">
-            <a:avLst/>
-          </a:prstGeom>
-          <a:noFill/>
-        </p:spPr>
-        <p:txBody>
-          <a:bodyPr wrap="none" rtlCol="0">
-            <a:spAutoFit/>
-          </a:bodyPr>
-          <a:lstStyle/>
-          <a:p>
-            <a:r>
-              <a:rPr lang="pt-BR" dirty="0"/>
-              <a:t>South</a:t>
-            </a:r>
-          </a:p>
-        </p:txBody>
-      </p:sp>
-      <p:sp>
-        <p:nvSpPr>
-          <p:cNvPr id="31" name="Elipse 30">
-            <a:extLst>
-              <a:ext uri="{FF2B5EF4-FFF2-40B4-BE49-F238E27FC236}">
-                <a16:creationId xmlns:a16="http://schemas.microsoft.com/office/drawing/2014/main" id="{50223565-3063-47BF-9981-A9851C453FCF}"/>
-              </a:ext>
-            </a:extLst>
-          </p:cNvPr>
-          <p:cNvSpPr/>
-          <p:nvPr/>
-        </p:nvSpPr>
-        <p:spPr>
-          <a:xfrm>
-            <a:off x="6824441" y="4012643"/>
-            <a:ext cx="360000" cy="360000"/>
-          </a:xfrm>
-          <a:prstGeom prst="ellipse">
-            <a:avLst/>
-          </a:prstGeom>
-          <a:solidFill>
-            <a:srgbClr val="C00000"/>
-          </a:solidFill>
-          <a:ln>
-            <a:noFill/>
-          </a:ln>
-        </p:spPr>
-        <p:style>
-          <a:lnRef idx="2">
-            <a:schemeClr val="accent1">
-              <a:shade val="50000"/>
-            </a:schemeClr>
-          </a:lnRef>
-          <a:fillRef idx="1">
-            <a:schemeClr val="accent1"/>
-          </a:fillRef>
-          <a:effectRef idx="0">
-            <a:schemeClr val="accent1"/>
-          </a:effectRef>
-          <a:fontRef idx="minor">
-            <a:schemeClr val="lt1"/>
-          </a:fontRef>
-        </p:style>
-        <p:txBody>
-          <a:bodyPr rtlCol="0" anchor="ctr"/>
-          <a:lstStyle/>
-          <a:p>
-            <a:pPr algn="ctr"/>
-            <a:r>
-              <a:rPr lang="pt-BR" dirty="0"/>
-              <a:t>0</a:t>
-            </a:r>
-          </a:p>
-        </p:txBody>
-      </p:sp>
-      <p:sp>
-        <p:nvSpPr>
-          <p:cNvPr id="33" name="Elipse 32">
-            <a:extLst>
-              <a:ext uri="{FF2B5EF4-FFF2-40B4-BE49-F238E27FC236}">
-                <a16:creationId xmlns:a16="http://schemas.microsoft.com/office/drawing/2014/main" id="{5CA80D1E-739D-4CE7-A487-5C791024CC4D}"/>
-              </a:ext>
-            </a:extLst>
-          </p:cNvPr>
-          <p:cNvSpPr/>
-          <p:nvPr/>
-        </p:nvSpPr>
-        <p:spPr>
-          <a:xfrm>
-            <a:off x="6852548" y="563497"/>
-            <a:ext cx="360000" cy="360000"/>
-          </a:xfrm>
-          <a:prstGeom prst="ellipse">
-            <a:avLst/>
-          </a:prstGeom>
-          <a:solidFill>
-            <a:srgbClr val="C00000"/>
-          </a:solidFill>
-          <a:ln>
-            <a:noFill/>
-          </a:ln>
-        </p:spPr>
-        <p:style>
-          <a:lnRef idx="2">
-            <a:schemeClr val="accent1">
-              <a:shade val="50000"/>
-            </a:schemeClr>
-          </a:lnRef>
-          <a:fillRef idx="1">
-            <a:schemeClr val="accent1"/>
-          </a:fillRef>
-          <a:effectRef idx="0">
-            <a:schemeClr val="accent1"/>
-          </a:effectRef>
-          <a:fontRef idx="minor">
-            <a:schemeClr val="lt1"/>
-          </a:fontRef>
-        </p:style>
-        <p:txBody>
-          <a:bodyPr rtlCol="0" anchor="ctr"/>
-          <a:lstStyle/>
-          <a:p>
-            <a:pPr algn="ctr"/>
-            <a:r>
-              <a:rPr lang="pt-BR" dirty="0"/>
-              <a:t>1</a:t>
-            </a:r>
-          </a:p>
-        </p:txBody>
-      </p:sp>
-      <p:sp>
-        <p:nvSpPr>
-          <p:cNvPr id="34" name="Elipse 33">
-            <a:extLst>
-              <a:ext uri="{FF2B5EF4-FFF2-40B4-BE49-F238E27FC236}">
-                <a16:creationId xmlns:a16="http://schemas.microsoft.com/office/drawing/2014/main" id="{87EE7877-175F-4830-A1F1-13BAC6843E44}"/>
-              </a:ext>
-            </a:extLst>
-          </p:cNvPr>
-          <p:cNvSpPr/>
-          <p:nvPr/>
-        </p:nvSpPr>
-        <p:spPr>
-          <a:xfrm>
-            <a:off x="3617127" y="983327"/>
-            <a:ext cx="360000" cy="360000"/>
-          </a:xfrm>
-          <a:prstGeom prst="ellipse">
-            <a:avLst/>
-          </a:prstGeom>
-          <a:solidFill>
-            <a:srgbClr val="C00000"/>
-          </a:solidFill>
-          <a:ln>
-            <a:noFill/>
-          </a:ln>
-        </p:spPr>
-        <p:style>
-          <a:lnRef idx="2">
-            <a:schemeClr val="accent1">
-              <a:shade val="50000"/>
-            </a:schemeClr>
-          </a:lnRef>
-          <a:fillRef idx="1">
-            <a:schemeClr val="accent1"/>
-          </a:fillRef>
-          <a:effectRef idx="0">
-            <a:schemeClr val="accent1"/>
-          </a:effectRef>
-          <a:fontRef idx="minor">
-            <a:schemeClr val="lt1"/>
-          </a:fontRef>
-        </p:style>
-        <p:txBody>
-          <a:bodyPr rtlCol="0" anchor="ctr"/>
-          <a:lstStyle/>
-          <a:p>
-            <a:pPr algn="ctr"/>
-            <a:r>
-              <a:rPr lang="pt-BR" dirty="0"/>
-              <a:t>2</a:t>
-            </a:r>
-          </a:p>
-        </p:txBody>
-      </p:sp>
-      <p:sp>
-        <p:nvSpPr>
-          <p:cNvPr id="14" name="CaixaDeTexto 13">
-            <a:extLst>
-              <a:ext uri="{FF2B5EF4-FFF2-40B4-BE49-F238E27FC236}">
-                <a16:creationId xmlns:a16="http://schemas.microsoft.com/office/drawing/2014/main" id="{25DF34E6-A269-47E0-8956-46540BD57C7D}"/>
-              </a:ext>
-            </a:extLst>
-          </p:cNvPr>
-          <p:cNvSpPr txBox="1"/>
-          <p:nvPr/>
-        </p:nvSpPr>
-        <p:spPr>
-          <a:xfrm>
-            <a:off x="10068162" y="5362260"/>
-            <a:ext cx="1830950" cy="1200329"/>
-          </a:xfrm>
-          <a:prstGeom prst="rect">
-            <a:avLst/>
-          </a:prstGeom>
-          <a:noFill/>
-        </p:spPr>
-        <p:txBody>
-          <a:bodyPr wrap="none" rtlCol="0">
-            <a:spAutoFit/>
-          </a:bodyPr>
-          <a:lstStyle/>
-          <a:p>
-            <a:r>
-              <a:rPr lang="pt-BR" dirty="0">
-                <a:latin typeface="Consolas" panose="020B0609020204030204" pitchFamily="49" charset="0"/>
-              </a:rPr>
-              <a:t>x 1, y 0, z 0</a:t>
-            </a:r>
-          </a:p>
-          <a:p>
-            <a:r>
-              <a:rPr lang="pt-BR" dirty="0">
-                <a:latin typeface="Consolas" panose="020B0609020204030204" pitchFamily="49" charset="0"/>
-              </a:rPr>
-              <a:t>x 1, y 1, z 0</a:t>
-            </a:r>
-          </a:p>
-          <a:p>
-            <a:r>
-              <a:rPr lang="pt-BR" dirty="0">
-                <a:latin typeface="Consolas" panose="020B0609020204030204" pitchFamily="49" charset="0"/>
-              </a:rPr>
-              <a:t>x 0, y 1, z 0</a:t>
-            </a:r>
-          </a:p>
-          <a:p>
-            <a:r>
-              <a:rPr lang="pt-BR" dirty="0">
-                <a:latin typeface="Consolas" panose="020B0609020204030204" pitchFamily="49" charset="0"/>
-              </a:rPr>
-              <a:t>x 0, y 0, z 0</a:t>
-            </a:r>
-          </a:p>
-        </p:txBody>
-      </p:sp>
-      <p:sp>
-        <p:nvSpPr>
-          <p:cNvPr id="15" name="CaixaDeTexto 14">
-            <a:extLst>
-              <a:ext uri="{FF2B5EF4-FFF2-40B4-BE49-F238E27FC236}">
-                <a16:creationId xmlns:a16="http://schemas.microsoft.com/office/drawing/2014/main" id="{8BBE71A3-239D-421E-A3C2-871DB0C5D6ED}"/>
-              </a:ext>
-            </a:extLst>
-          </p:cNvPr>
-          <p:cNvSpPr txBox="1"/>
-          <p:nvPr/>
-        </p:nvSpPr>
-        <p:spPr>
-          <a:xfrm>
-            <a:off x="3163725" y="4937691"/>
-            <a:ext cx="1210589" cy="369332"/>
-          </a:xfrm>
-          <a:prstGeom prst="rect">
-            <a:avLst/>
-          </a:prstGeom>
-          <a:noFill/>
-        </p:spPr>
-        <p:txBody>
-          <a:bodyPr wrap="none" rtlCol="0">
-            <a:spAutoFit/>
-          </a:bodyPr>
-          <a:lstStyle/>
-          <a:p>
-            <a:pPr algn="ctr"/>
-            <a:r>
-              <a:rPr lang="pt-BR" dirty="0"/>
-              <a:t>x 0, y 0, z 0</a:t>
-            </a:r>
-          </a:p>
-        </p:txBody>
-      </p:sp>
-      <p:sp>
-        <p:nvSpPr>
-          <p:cNvPr id="16" name="CaixaDeTexto 15">
-            <a:extLst>
-              <a:ext uri="{FF2B5EF4-FFF2-40B4-BE49-F238E27FC236}">
-                <a16:creationId xmlns:a16="http://schemas.microsoft.com/office/drawing/2014/main" id="{F4DEF866-702D-4EB1-B6A6-AB1D29FA443C}"/>
-              </a:ext>
-            </a:extLst>
-          </p:cNvPr>
-          <p:cNvSpPr txBox="1"/>
-          <p:nvPr/>
-        </p:nvSpPr>
-        <p:spPr>
-          <a:xfrm>
-            <a:off x="3191833" y="516869"/>
-            <a:ext cx="1210588" cy="369332"/>
-          </a:xfrm>
-          <a:prstGeom prst="rect">
-            <a:avLst/>
-          </a:prstGeom>
-          <a:noFill/>
-        </p:spPr>
-        <p:txBody>
-          <a:bodyPr wrap="none" rtlCol="0">
-            <a:spAutoFit/>
-          </a:bodyPr>
-          <a:lstStyle/>
-          <a:p>
-            <a:r>
-              <a:rPr lang="pt-BR" dirty="0"/>
-              <a:t>x 0, y 1, z 0</a:t>
-            </a:r>
-          </a:p>
-        </p:txBody>
-      </p:sp>
-      <p:sp>
-        <p:nvSpPr>
-          <p:cNvPr id="17" name="CaixaDeTexto 16">
-            <a:extLst>
-              <a:ext uri="{FF2B5EF4-FFF2-40B4-BE49-F238E27FC236}">
-                <a16:creationId xmlns:a16="http://schemas.microsoft.com/office/drawing/2014/main" id="{C990DE58-3D54-4250-93E6-B52D50E6C10C}"/>
-              </a:ext>
-            </a:extLst>
-          </p:cNvPr>
-          <p:cNvSpPr txBox="1"/>
-          <p:nvPr/>
-        </p:nvSpPr>
-        <p:spPr>
-          <a:xfrm>
-            <a:off x="6427254" y="65094"/>
-            <a:ext cx="1210588" cy="369332"/>
-          </a:xfrm>
-          <a:prstGeom prst="rect">
-            <a:avLst/>
-          </a:prstGeom>
-          <a:noFill/>
-        </p:spPr>
-        <p:txBody>
-          <a:bodyPr wrap="none" rtlCol="0">
-            <a:spAutoFit/>
-          </a:bodyPr>
-          <a:lstStyle/>
-          <a:p>
-            <a:r>
-              <a:rPr lang="pt-BR" dirty="0"/>
-              <a:t>x 1, y 1, z 0</a:t>
-            </a:r>
-          </a:p>
-        </p:txBody>
-      </p:sp>
-      <p:sp>
-        <p:nvSpPr>
-          <p:cNvPr id="18" name="CaixaDeTexto 17">
-            <a:extLst>
-              <a:ext uri="{FF2B5EF4-FFF2-40B4-BE49-F238E27FC236}">
-                <a16:creationId xmlns:a16="http://schemas.microsoft.com/office/drawing/2014/main" id="{5A555649-8611-44B0-8596-3BF382EEFB64}"/>
-              </a:ext>
-            </a:extLst>
-          </p:cNvPr>
-          <p:cNvSpPr txBox="1"/>
-          <p:nvPr/>
-        </p:nvSpPr>
-        <p:spPr>
-          <a:xfrm>
-            <a:off x="6402697" y="4485300"/>
-            <a:ext cx="1210588" cy="369332"/>
-          </a:xfrm>
-          <a:prstGeom prst="rect">
-            <a:avLst/>
-          </a:prstGeom>
-          <a:solidFill>
-            <a:schemeClr val="bg1"/>
-          </a:solidFill>
-        </p:spPr>
-        <p:txBody>
-          <a:bodyPr wrap="none" rtlCol="0">
-            <a:spAutoFit/>
-          </a:bodyPr>
-          <a:lstStyle/>
-          <a:p>
-            <a:r>
-              <a:rPr lang="pt-BR" dirty="0"/>
-              <a:t>x 1, y 0, z 0</a:t>
-            </a:r>
-          </a:p>
-        </p:txBody>
-      </p:sp>
-      <p:grpSp>
-        <p:nvGrpSpPr>
-          <p:cNvPr id="2" name="Agrupar 1">
-            <a:extLst>
-              <a:ext uri="{FF2B5EF4-FFF2-40B4-BE49-F238E27FC236}">
-                <a16:creationId xmlns:a16="http://schemas.microsoft.com/office/drawing/2014/main" id="{DCC62431-EB7B-807B-9165-73BECBA989CE}"/>
-              </a:ext>
-            </a:extLst>
-          </p:cNvPr>
-          <p:cNvGrpSpPr/>
-          <p:nvPr/>
-        </p:nvGrpSpPr>
-        <p:grpSpPr>
-          <a:xfrm>
-            <a:off x="3760816" y="143513"/>
-            <a:ext cx="6669170" cy="6303414"/>
-            <a:chOff x="3760816" y="143513"/>
-            <a:chExt cx="6669170" cy="6303414"/>
-          </a:xfrm>
-        </p:grpSpPr>
-        <p:cxnSp>
-          <p:nvCxnSpPr>
-            <p:cNvPr id="3" name="Conector de Seta Reta 2">
-              <a:extLst>
-                <a:ext uri="{FF2B5EF4-FFF2-40B4-BE49-F238E27FC236}">
-                  <a16:creationId xmlns:a16="http://schemas.microsoft.com/office/drawing/2014/main" id="{908F6C9C-9F77-9EF7-1DC5-A53B3CCB15F2}"/>
-                </a:ext>
-              </a:extLst>
-            </p:cNvPr>
-            <p:cNvCxnSpPr>
-              <a:cxnSpLocks/>
-            </p:cNvCxnSpPr>
-            <p:nvPr/>
-          </p:nvCxnSpPr>
-          <p:spPr>
-            <a:xfrm flipV="1">
-              <a:off x="5485502" y="4938591"/>
-              <a:ext cx="4385119" cy="683728"/>
-            </a:xfrm>
-            <a:prstGeom prst="straightConnector1">
-              <a:avLst/>
-            </a:prstGeom>
-            <a:ln w="38100">
-              <a:solidFill>
-                <a:srgbClr val="C00000"/>
-              </a:solidFill>
-              <a:tailEnd type="triangle"/>
-            </a:ln>
-          </p:spPr>
-          <p:style>
-            <a:lnRef idx="1">
-              <a:schemeClr val="accent1"/>
-            </a:lnRef>
-            <a:fillRef idx="0">
-              <a:schemeClr val="accent1"/>
-            </a:fillRef>
-            <a:effectRef idx="0">
-              <a:schemeClr val="accent1"/>
-            </a:effectRef>
-            <a:fontRef idx="minor">
-              <a:schemeClr val="tx1"/>
-            </a:fontRef>
-          </p:style>
-        </p:cxnSp>
-        <p:cxnSp>
-          <p:nvCxnSpPr>
-            <p:cNvPr id="5" name="Conector de Seta Reta 4">
-              <a:extLst>
-                <a:ext uri="{FF2B5EF4-FFF2-40B4-BE49-F238E27FC236}">
-                  <a16:creationId xmlns:a16="http://schemas.microsoft.com/office/drawing/2014/main" id="{D23BF0F6-613B-BB51-BB2E-3FCF666A582C}"/>
-                </a:ext>
-              </a:extLst>
-            </p:cNvPr>
-            <p:cNvCxnSpPr>
-              <a:cxnSpLocks/>
-            </p:cNvCxnSpPr>
-            <p:nvPr/>
-          </p:nvCxnSpPr>
-          <p:spPr>
-            <a:xfrm flipV="1">
-              <a:off x="5354587" y="676275"/>
-              <a:ext cx="0" cy="4795082"/>
-            </a:xfrm>
-            <a:prstGeom prst="straightConnector1">
-              <a:avLst/>
-            </a:prstGeom>
-            <a:ln w="38100">
-              <a:solidFill>
-                <a:schemeClr val="accent6"/>
-              </a:solidFill>
-              <a:tailEnd type="triangle"/>
-            </a:ln>
-          </p:spPr>
-          <p:style>
-            <a:lnRef idx="1">
-              <a:schemeClr val="accent1"/>
-            </a:lnRef>
-            <a:fillRef idx="0">
-              <a:schemeClr val="accent1"/>
-            </a:fillRef>
-            <a:effectRef idx="0">
-              <a:schemeClr val="accent1"/>
-            </a:effectRef>
-            <a:fontRef idx="minor">
-              <a:schemeClr val="tx1"/>
-            </a:fontRef>
-          </p:style>
-        </p:cxnSp>
-        <p:sp>
-          <p:nvSpPr>
-            <p:cNvPr id="6" name="CaixaDeTexto 5">
-              <a:extLst>
-                <a:ext uri="{FF2B5EF4-FFF2-40B4-BE49-F238E27FC236}">
-                  <a16:creationId xmlns:a16="http://schemas.microsoft.com/office/drawing/2014/main" id="{03AC9186-93EF-F418-2B24-7502FDC08213}"/>
-                </a:ext>
-              </a:extLst>
-            </p:cNvPr>
-            <p:cNvSpPr txBox="1"/>
-            <p:nvPr/>
-          </p:nvSpPr>
-          <p:spPr>
-            <a:xfrm>
-              <a:off x="10009678" y="4678136"/>
-              <a:ext cx="420308" cy="369332"/>
-            </a:xfrm>
-            <a:prstGeom prst="rect">
-              <a:avLst/>
-            </a:prstGeom>
-            <a:noFill/>
-          </p:spPr>
-          <p:txBody>
-            <a:bodyPr wrap="none" rtlCol="0">
-              <a:spAutoFit/>
-            </a:bodyPr>
-            <a:lstStyle/>
-            <a:p>
-              <a:r>
-                <a:rPr lang="pt-BR" dirty="0"/>
-                <a:t>+X</a:t>
-              </a:r>
-            </a:p>
-          </p:txBody>
-        </p:sp>
-        <p:sp>
-          <p:nvSpPr>
-            <p:cNvPr id="8" name="CaixaDeTexto 7">
-              <a:extLst>
-                <a:ext uri="{FF2B5EF4-FFF2-40B4-BE49-F238E27FC236}">
-                  <a16:creationId xmlns:a16="http://schemas.microsoft.com/office/drawing/2014/main" id="{0CD96730-A44A-D6F4-5743-CB74D8652FB5}"/>
-                </a:ext>
-              </a:extLst>
-            </p:cNvPr>
-            <p:cNvSpPr txBox="1"/>
-            <p:nvPr/>
-          </p:nvSpPr>
-          <p:spPr>
-            <a:xfrm>
-              <a:off x="5124217" y="143513"/>
-              <a:ext cx="412292" cy="369332"/>
-            </a:xfrm>
-            <a:prstGeom prst="rect">
-              <a:avLst/>
-            </a:prstGeom>
-            <a:noFill/>
-          </p:spPr>
-          <p:txBody>
-            <a:bodyPr wrap="none" rtlCol="0">
-              <a:spAutoFit/>
-            </a:bodyPr>
-            <a:lstStyle/>
-            <a:p>
-              <a:r>
-                <a:rPr lang="pt-BR" dirty="0"/>
-                <a:t>+Y</a:t>
-              </a:r>
-            </a:p>
-          </p:txBody>
-        </p:sp>
-        <p:cxnSp>
-          <p:nvCxnSpPr>
-            <p:cNvPr id="9" name="Conector de Seta Reta 8">
-              <a:extLst>
-                <a:ext uri="{FF2B5EF4-FFF2-40B4-BE49-F238E27FC236}">
-                  <a16:creationId xmlns:a16="http://schemas.microsoft.com/office/drawing/2014/main" id="{5A01DC7A-989B-6952-AADA-E9BD490EEAFF}"/>
-                </a:ext>
-              </a:extLst>
-            </p:cNvPr>
-            <p:cNvCxnSpPr>
-              <a:cxnSpLocks/>
-            </p:cNvCxnSpPr>
-            <p:nvPr/>
-          </p:nvCxnSpPr>
-          <p:spPr>
-            <a:xfrm>
-              <a:off x="3760816" y="4639074"/>
-              <a:ext cx="2441864" cy="1438521"/>
-            </a:xfrm>
-            <a:prstGeom prst="straightConnector1">
-              <a:avLst/>
-            </a:prstGeom>
-            <a:ln w="38100">
-              <a:solidFill>
-                <a:schemeClr val="accent1"/>
-              </a:solidFill>
-              <a:tailEnd type="triangle"/>
-            </a:ln>
-          </p:spPr>
-          <p:style>
-            <a:lnRef idx="1">
-              <a:schemeClr val="accent1"/>
-            </a:lnRef>
-            <a:fillRef idx="0">
-              <a:schemeClr val="accent1"/>
-            </a:fillRef>
-            <a:effectRef idx="0">
-              <a:schemeClr val="accent1"/>
-            </a:effectRef>
-            <a:fontRef idx="minor">
-              <a:schemeClr val="tx1"/>
-            </a:fontRef>
-          </p:style>
-        </p:cxnSp>
-        <p:sp>
-          <p:nvSpPr>
-            <p:cNvPr id="10" name="CaixaDeTexto 9">
-              <a:extLst>
-                <a:ext uri="{FF2B5EF4-FFF2-40B4-BE49-F238E27FC236}">
-                  <a16:creationId xmlns:a16="http://schemas.microsoft.com/office/drawing/2014/main" id="{531A587A-79E0-B66C-925C-4DB888BE00BD}"/>
-                </a:ext>
-              </a:extLst>
-            </p:cNvPr>
-            <p:cNvSpPr txBox="1"/>
-            <p:nvPr/>
-          </p:nvSpPr>
-          <p:spPr>
-            <a:xfrm>
-              <a:off x="6250290" y="6077595"/>
-              <a:ext cx="407484" cy="369332"/>
-            </a:xfrm>
-            <a:prstGeom prst="rect">
-              <a:avLst/>
-            </a:prstGeom>
-            <a:noFill/>
-          </p:spPr>
-          <p:txBody>
-            <a:bodyPr wrap="none" rtlCol="0">
-              <a:spAutoFit/>
-            </a:bodyPr>
-            <a:lstStyle/>
-            <a:p>
-              <a:r>
-                <a:rPr lang="pt-BR" dirty="0"/>
-                <a:t>+Z</a:t>
-              </a:r>
-            </a:p>
-          </p:txBody>
-        </p:sp>
-      </p:grpSp>
-      <p:sp>
-        <p:nvSpPr>
-          <p:cNvPr id="32" name="Elipse 31">
-            <a:extLst>
-              <a:ext uri="{FF2B5EF4-FFF2-40B4-BE49-F238E27FC236}">
-                <a16:creationId xmlns:a16="http://schemas.microsoft.com/office/drawing/2014/main" id="{E516CC70-608A-45B6-8879-8D3EF36FEE11}"/>
-              </a:ext>
-            </a:extLst>
-          </p:cNvPr>
-          <p:cNvSpPr/>
-          <p:nvPr/>
-        </p:nvSpPr>
-        <p:spPr>
-          <a:xfrm>
-            <a:off x="3589020" y="4432473"/>
-            <a:ext cx="360000" cy="360000"/>
-          </a:xfrm>
-          <a:prstGeom prst="ellipse">
-            <a:avLst/>
-          </a:prstGeom>
-          <a:solidFill>
-            <a:srgbClr val="C00000"/>
-          </a:solidFill>
-          <a:ln>
-            <a:noFill/>
-          </a:ln>
-        </p:spPr>
-        <p:style>
-          <a:lnRef idx="2">
-            <a:schemeClr val="accent1">
-              <a:shade val="50000"/>
-            </a:schemeClr>
-          </a:lnRef>
-          <a:fillRef idx="1">
-            <a:schemeClr val="accent1"/>
-          </a:fillRef>
-          <a:effectRef idx="0">
-            <a:schemeClr val="accent1"/>
-          </a:effectRef>
-          <a:fontRef idx="minor">
-            <a:schemeClr val="lt1"/>
-          </a:fontRef>
-        </p:style>
-        <p:txBody>
-          <a:bodyPr rtlCol="0" anchor="ctr"/>
-          <a:lstStyle/>
-          <a:p>
-            <a:pPr algn="ctr"/>
-            <a:r>
-              <a:rPr lang="pt-BR" dirty="0"/>
-              <a:t>3</a:t>
-            </a:r>
-          </a:p>
-        </p:txBody>
-      </p:sp>
-    </p:spTree>
-    <p:extLst>
-      <p:ext uri="{BB962C8B-B14F-4D97-AF65-F5344CB8AC3E}">
-        <p14:creationId xmlns:p14="http://schemas.microsoft.com/office/powerpoint/2010/main" val="3437401460"/>
-      </p:ext>
-    </p:extLst>
-  </p:cSld>
-  <p:clrMapOvr>
-    <a:masterClrMapping/>
-  </p:clrMapOvr>
-</p:sld>
-</file>
-
 <file path=ppt/slides/slide18.xml><?xml version="1.0" encoding="utf-8"?>
 <p:sld xmlns:a="http://schemas.openxmlformats.org/drawingml/2006/main" xmlns:r="http://schemas.openxmlformats.org/officeDocument/2006/relationships" xmlns:p="http://schemas.openxmlformats.org/presentationml/2006/main">
   <p:cSld>
@@ -14568,8 +14568,8 @@
           <p:nvPr/>
         </p:nvSpPr>
         <p:spPr>
-          <a:xfrm>
-            <a:off x="781396" y="3819328"/>
+          <a:xfrm flipH="1">
+            <a:off x="10875764" y="5413342"/>
             <a:ext cx="1042416" cy="1042416"/>
           </a:xfrm>
           <a:prstGeom prst="actionButtonMovie">
@@ -14614,8 +14614,8 @@
           <p:nvPr/>
         </p:nvSpPr>
         <p:spPr>
-          <a:xfrm rot="15614861">
-            <a:off x="1580895" y="2956018"/>
+          <a:xfrm rot="6843023">
+            <a:off x="8686341" y="4216461"/>
             <a:ext cx="2403322" cy="2393764"/>
           </a:xfrm>
           <a:prstGeom prst="triangle">
@@ -14661,12 +14661,16 @@
         </p:nvSpPr>
         <p:spPr>
           <a:xfrm>
-            <a:off x="4368210" y="3418475"/>
+            <a:off x="7390899" y="3744513"/>
             <a:ext cx="914400" cy="914400"/>
           </a:xfrm>
           <a:prstGeom prst="rect">
             <a:avLst/>
           </a:prstGeom>
+          <a:scene3d>
+            <a:camera prst="isometricOffAxis1Right"/>
+            <a:lightRig rig="threePt" dir="t"/>
+          </a:scene3d>
         </p:spPr>
         <p:style>
           <a:lnRef idx="2">
@@ -14710,12 +14714,16 @@
         </p:nvSpPr>
         <p:spPr>
           <a:xfrm>
-            <a:off x="9474996" y="2673100"/>
+            <a:off x="3334105" y="1933508"/>
             <a:ext cx="914400" cy="914400"/>
           </a:xfrm>
           <a:prstGeom prst="rect">
             <a:avLst/>
           </a:prstGeom>
+          <a:scene3d>
+            <a:camera prst="isometricOffAxis1Right"/>
+            <a:lightRig rig="threePt" dir="t"/>
+          </a:scene3d>
         </p:spPr>
         <p:style>
           <a:lnRef idx="2">
@@ -14759,12 +14767,16 @@
         </p:nvSpPr>
         <p:spPr>
           <a:xfrm>
-            <a:off x="7774368" y="4332875"/>
+            <a:off x="9127685" y="2266831"/>
             <a:ext cx="914400" cy="914400"/>
           </a:xfrm>
           <a:prstGeom prst="rect">
             <a:avLst/>
           </a:prstGeom>
+          <a:scene3d>
+            <a:camera prst="isometricOffAxis1Left"/>
+            <a:lightRig rig="threePt" dir="t"/>
+          </a:scene3d>
         </p:spPr>
         <p:style>
           <a:lnRef idx="2">
@@ -14808,12 +14820,16 @@
         </p:nvSpPr>
         <p:spPr>
           <a:xfrm>
-            <a:off x="3241617" y="467457"/>
+            <a:off x="4579929" y="3567516"/>
             <a:ext cx="914400" cy="914400"/>
           </a:xfrm>
           <a:prstGeom prst="rect">
             <a:avLst/>
           </a:prstGeom>
+          <a:scene3d>
+            <a:camera prst="isometricOffAxis1Left"/>
+            <a:lightRig rig="threePt" dir="t"/>
+          </a:scene3d>
         </p:spPr>
         <p:style>
           <a:lnRef idx="2">
@@ -14857,12 +14873,16 @@
         </p:nvSpPr>
         <p:spPr>
           <a:xfrm>
-            <a:off x="6096000" y="587815"/>
+            <a:off x="6199810" y="1451802"/>
             <a:ext cx="914400" cy="914400"/>
           </a:xfrm>
           <a:prstGeom prst="rect">
             <a:avLst/>
           </a:prstGeom>
+          <a:scene3d>
+            <a:camera prst="isometricOffAxis1Top"/>
+            <a:lightRig rig="threePt" dir="t"/>
+          </a:scene3d>
         </p:spPr>
         <p:style>
           <a:lnRef idx="2">
@@ -14912,6 +14932,10 @@
           <a:prstGeom prst="rect">
             <a:avLst/>
           </a:prstGeom>
+          <a:scene3d>
+            <a:camera prst="isometricOffAxis1Top"/>
+            <a:lightRig rig="threePt" dir="t"/>
+          </a:scene3d>
         </p:spPr>
         <p:style>
           <a:lnRef idx="2">

--- a/01. Pre-Classic/Vertices, triangles e uvs.pptx
+++ b/01. Pre-Classic/Vertices, triangles e uvs.pptx
@@ -26,7 +26,9 @@
     <p:sldId id="374" r:id="rId20"/>
     <p:sldId id="382" r:id="rId21"/>
     <p:sldId id="384" r:id="rId22"/>
-    <p:sldId id="362" r:id="rId23"/>
+    <p:sldId id="398" r:id="rId23"/>
+    <p:sldId id="397" r:id="rId24"/>
+    <p:sldId id="362" r:id="rId25"/>
   </p:sldIdLst>
   <p:sldSz cx="12192000" cy="6858000"/>
   <p:notesSz cx="6858000" cy="9144000"/>
@@ -2053,7 +2055,7 @@
           <a:p>
             <a:fld id="{1967C87D-2578-4C94-80D4-218D80B24105}" type="datetimeFigureOut">
               <a:rPr lang="pt-BR" smtClean="0"/>
-              <a:t>06/06/2024</a:t>
+              <a:t>07/06/2024</a:t>
             </a:fld>
             <a:endParaRPr lang="pt-BR"/>
           </a:p>
@@ -2251,7 +2253,7 @@
           <a:p>
             <a:fld id="{1967C87D-2578-4C94-80D4-218D80B24105}" type="datetimeFigureOut">
               <a:rPr lang="pt-BR" smtClean="0"/>
-              <a:t>06/06/2024</a:t>
+              <a:t>07/06/2024</a:t>
             </a:fld>
             <a:endParaRPr lang="pt-BR"/>
           </a:p>
@@ -2459,7 +2461,7 @@
           <a:p>
             <a:fld id="{1967C87D-2578-4C94-80D4-218D80B24105}" type="datetimeFigureOut">
               <a:rPr lang="pt-BR" smtClean="0"/>
-              <a:t>06/06/2024</a:t>
+              <a:t>07/06/2024</a:t>
             </a:fld>
             <a:endParaRPr lang="pt-BR"/>
           </a:p>
@@ -2657,7 +2659,7 @@
           <a:p>
             <a:fld id="{1967C87D-2578-4C94-80D4-218D80B24105}" type="datetimeFigureOut">
               <a:rPr lang="pt-BR" smtClean="0"/>
-              <a:t>06/06/2024</a:t>
+              <a:t>07/06/2024</a:t>
             </a:fld>
             <a:endParaRPr lang="pt-BR"/>
           </a:p>
@@ -2932,7 +2934,7 @@
           <a:p>
             <a:fld id="{1967C87D-2578-4C94-80D4-218D80B24105}" type="datetimeFigureOut">
               <a:rPr lang="pt-BR" smtClean="0"/>
-              <a:t>06/06/2024</a:t>
+              <a:t>07/06/2024</a:t>
             </a:fld>
             <a:endParaRPr lang="pt-BR"/>
           </a:p>
@@ -3197,7 +3199,7 @@
           <a:p>
             <a:fld id="{1967C87D-2578-4C94-80D4-218D80B24105}" type="datetimeFigureOut">
               <a:rPr lang="pt-BR" smtClean="0"/>
-              <a:t>06/06/2024</a:t>
+              <a:t>07/06/2024</a:t>
             </a:fld>
             <a:endParaRPr lang="pt-BR"/>
           </a:p>
@@ -3609,7 +3611,7 @@
           <a:p>
             <a:fld id="{1967C87D-2578-4C94-80D4-218D80B24105}" type="datetimeFigureOut">
               <a:rPr lang="pt-BR" smtClean="0"/>
-              <a:t>06/06/2024</a:t>
+              <a:t>07/06/2024</a:t>
             </a:fld>
             <a:endParaRPr lang="pt-BR"/>
           </a:p>
@@ -3750,7 +3752,7 @@
           <a:p>
             <a:fld id="{1967C87D-2578-4C94-80D4-218D80B24105}" type="datetimeFigureOut">
               <a:rPr lang="pt-BR" smtClean="0"/>
-              <a:t>06/06/2024</a:t>
+              <a:t>07/06/2024</a:t>
             </a:fld>
             <a:endParaRPr lang="pt-BR"/>
           </a:p>
@@ -3863,7 +3865,7 @@
           <a:p>
             <a:fld id="{1967C87D-2578-4C94-80D4-218D80B24105}" type="datetimeFigureOut">
               <a:rPr lang="pt-BR" smtClean="0"/>
-              <a:t>06/06/2024</a:t>
+              <a:t>07/06/2024</a:t>
             </a:fld>
             <a:endParaRPr lang="pt-BR"/>
           </a:p>
@@ -4174,7 +4176,7 @@
           <a:p>
             <a:fld id="{1967C87D-2578-4C94-80D4-218D80B24105}" type="datetimeFigureOut">
               <a:rPr lang="pt-BR" smtClean="0"/>
-              <a:t>06/06/2024</a:t>
+              <a:t>07/06/2024</a:t>
             </a:fld>
             <a:endParaRPr lang="pt-BR"/>
           </a:p>
@@ -4462,7 +4464,7 @@
           <a:p>
             <a:fld id="{1967C87D-2578-4C94-80D4-218D80B24105}" type="datetimeFigureOut">
               <a:rPr lang="pt-BR" smtClean="0"/>
-              <a:t>06/06/2024</a:t>
+              <a:t>07/06/2024</a:t>
             </a:fld>
             <a:endParaRPr lang="pt-BR"/>
           </a:p>
@@ -4703,7 +4705,7 @@
           <a:p>
             <a:fld id="{1967C87D-2578-4C94-80D4-218D80B24105}" type="datetimeFigureOut">
               <a:rPr lang="pt-BR" smtClean="0"/>
-              <a:t>06/06/2024</a:t>
+              <a:t>07/06/2024</a:t>
             </a:fld>
             <a:endParaRPr lang="pt-BR"/>
           </a:p>
@@ -16643,6 +16645,1832 @@
           <a:chExt cx="0" cy="0"/>
         </a:xfrm>
       </p:grpSpPr>
+      <p:pic>
+        <p:nvPicPr>
+          <p:cNvPr id="3" name="Imagem 2">
+            <a:extLst>
+              <a:ext uri="{FF2B5EF4-FFF2-40B4-BE49-F238E27FC236}">
+                <a16:creationId xmlns:a16="http://schemas.microsoft.com/office/drawing/2014/main" id="{ABF16607-FDE7-FC7A-DB67-AEDFA6EB9F08}"/>
+              </a:ext>
+            </a:extLst>
+          </p:cNvPr>
+          <p:cNvPicPr>
+            <a:picLocks noChangeAspect="1"/>
+          </p:cNvPicPr>
+          <p:nvPr/>
+        </p:nvPicPr>
+        <p:blipFill>
+          <a:blip r:embed="rId2"/>
+          <a:stretch>
+            <a:fillRect/>
+          </a:stretch>
+        </p:blipFill>
+        <p:spPr>
+          <a:xfrm>
+            <a:off x="4691062" y="2795587"/>
+            <a:ext cx="2809875" cy="1266825"/>
+          </a:xfrm>
+          <a:prstGeom prst="rect">
+            <a:avLst/>
+          </a:prstGeom>
+        </p:spPr>
+      </p:pic>
+    </p:spTree>
+    <p:extLst>
+      <p:ext uri="{BB962C8B-B14F-4D97-AF65-F5344CB8AC3E}">
+        <p14:creationId xmlns:p14="http://schemas.microsoft.com/office/powerpoint/2010/main" val="3975063109"/>
+      </p:ext>
+    </p:extLst>
+  </p:cSld>
+  <p:clrMapOvr>
+    <a:masterClrMapping/>
+  </p:clrMapOvr>
+</p:sld>
+</file>
+
+<file path=ppt/slides/slide23.xml><?xml version="1.0" encoding="utf-8"?>
+<p:sld xmlns:a="http://schemas.openxmlformats.org/drawingml/2006/main" xmlns:r="http://schemas.openxmlformats.org/officeDocument/2006/relationships" xmlns:p="http://schemas.openxmlformats.org/presentationml/2006/main">
+  <p:cSld>
+    <p:spTree>
+      <p:nvGrpSpPr>
+        <p:cNvPr id="1" name=""/>
+        <p:cNvGrpSpPr/>
+        <p:nvPr/>
+      </p:nvGrpSpPr>
+      <p:grpSpPr>
+        <a:xfrm>
+          <a:off x="0" y="0"/>
+          <a:ext cx="0" cy="0"/>
+          <a:chOff x="0" y="0"/>
+          <a:chExt cx="0" cy="0"/>
+        </a:xfrm>
+      </p:grpSpPr>
+      <p:pic>
+        <p:nvPicPr>
+          <p:cNvPr id="3" name="Imagem 2">
+            <a:extLst>
+              <a:ext uri="{FF2B5EF4-FFF2-40B4-BE49-F238E27FC236}">
+                <a16:creationId xmlns:a16="http://schemas.microsoft.com/office/drawing/2014/main" id="{3F5ACB98-2C35-CF0A-282F-FE128518BA99}"/>
+              </a:ext>
+            </a:extLst>
+          </p:cNvPr>
+          <p:cNvPicPr>
+            <a:picLocks noChangeAspect="1"/>
+          </p:cNvPicPr>
+          <p:nvPr/>
+        </p:nvPicPr>
+        <p:blipFill>
+          <a:blip r:embed="rId2"/>
+          <a:stretch>
+            <a:fillRect/>
+          </a:stretch>
+        </p:blipFill>
+        <p:spPr>
+          <a:xfrm>
+            <a:off x="3163619" y="496619"/>
+            <a:ext cx="5864762" cy="5864762"/>
+          </a:xfrm>
+          <a:prstGeom prst="rect">
+            <a:avLst/>
+          </a:prstGeom>
+        </p:spPr>
+      </p:pic>
+      <p:sp>
+        <p:nvSpPr>
+          <p:cNvPr id="4" name="Elipse 3">
+            <a:extLst>
+              <a:ext uri="{FF2B5EF4-FFF2-40B4-BE49-F238E27FC236}">
+                <a16:creationId xmlns:a16="http://schemas.microsoft.com/office/drawing/2014/main" id="{AB660165-C490-5EC8-CBBF-7D31E38340AF}"/>
+              </a:ext>
+            </a:extLst>
+          </p:cNvPr>
+          <p:cNvSpPr>
+            <a:spLocks noChangeAspect="1"/>
+          </p:cNvSpPr>
+          <p:nvPr/>
+        </p:nvSpPr>
+        <p:spPr>
+          <a:xfrm>
+            <a:off x="3127619" y="460619"/>
+            <a:ext cx="72000" cy="72000"/>
+          </a:xfrm>
+          <a:prstGeom prst="ellipse">
+            <a:avLst/>
+          </a:prstGeom>
+          <a:solidFill>
+            <a:srgbClr val="C00000"/>
+          </a:solidFill>
+          <a:ln>
+            <a:noFill/>
+          </a:ln>
+        </p:spPr>
+        <p:style>
+          <a:lnRef idx="2">
+            <a:schemeClr val="accent1">
+              <a:shade val="50000"/>
+            </a:schemeClr>
+          </a:lnRef>
+          <a:fillRef idx="1">
+            <a:schemeClr val="accent1"/>
+          </a:fillRef>
+          <a:effectRef idx="0">
+            <a:schemeClr val="accent1"/>
+          </a:effectRef>
+          <a:fontRef idx="minor">
+            <a:schemeClr val="lt1"/>
+          </a:fontRef>
+        </p:style>
+        <p:txBody>
+          <a:bodyPr rtlCol="0" anchor="ctr"/>
+          <a:lstStyle/>
+          <a:p>
+            <a:pPr algn="ctr"/>
+            <a:endParaRPr lang="pt-BR" dirty="0"/>
+          </a:p>
+        </p:txBody>
+      </p:sp>
+      <p:sp>
+        <p:nvSpPr>
+          <p:cNvPr id="5" name="CaixaDeTexto 4">
+            <a:extLst>
+              <a:ext uri="{FF2B5EF4-FFF2-40B4-BE49-F238E27FC236}">
+                <a16:creationId xmlns:a16="http://schemas.microsoft.com/office/drawing/2014/main" id="{1CABA330-4DFB-BAF0-6819-FDB6F9865A67}"/>
+              </a:ext>
+            </a:extLst>
+          </p:cNvPr>
+          <p:cNvSpPr txBox="1"/>
+          <p:nvPr/>
+        </p:nvSpPr>
+        <p:spPr>
+          <a:xfrm>
+            <a:off x="2443849" y="91287"/>
+            <a:ext cx="838691" cy="369332"/>
+          </a:xfrm>
+          <a:prstGeom prst="rect">
+            <a:avLst/>
+          </a:prstGeom>
+          <a:noFill/>
+        </p:spPr>
+        <p:txBody>
+          <a:bodyPr wrap="none" rtlCol="0">
+            <a:spAutoFit/>
+          </a:bodyPr>
+          <a:lstStyle/>
+          <a:p>
+            <a:r>
+              <a:rPr lang="pt-BR" dirty="0"/>
+              <a:t>x 0, y 0</a:t>
+            </a:r>
+          </a:p>
+        </p:txBody>
+      </p:sp>
+      <p:sp>
+        <p:nvSpPr>
+          <p:cNvPr id="6" name="Elipse 5">
+            <a:extLst>
+              <a:ext uri="{FF2B5EF4-FFF2-40B4-BE49-F238E27FC236}">
+                <a16:creationId xmlns:a16="http://schemas.microsoft.com/office/drawing/2014/main" id="{B74179C8-F303-7583-E6C3-5EDC9A39DD8F}"/>
+              </a:ext>
+            </a:extLst>
+          </p:cNvPr>
+          <p:cNvSpPr>
+            <a:spLocks noChangeAspect="1"/>
+          </p:cNvSpPr>
+          <p:nvPr/>
+        </p:nvSpPr>
+        <p:spPr>
+          <a:xfrm>
+            <a:off x="8987399" y="468239"/>
+            <a:ext cx="72000" cy="72000"/>
+          </a:xfrm>
+          <a:prstGeom prst="ellipse">
+            <a:avLst/>
+          </a:prstGeom>
+          <a:solidFill>
+            <a:srgbClr val="C00000"/>
+          </a:solidFill>
+          <a:ln>
+            <a:noFill/>
+          </a:ln>
+        </p:spPr>
+        <p:style>
+          <a:lnRef idx="2">
+            <a:schemeClr val="accent1">
+              <a:shade val="50000"/>
+            </a:schemeClr>
+          </a:lnRef>
+          <a:fillRef idx="1">
+            <a:schemeClr val="accent1"/>
+          </a:fillRef>
+          <a:effectRef idx="0">
+            <a:schemeClr val="accent1"/>
+          </a:effectRef>
+          <a:fontRef idx="minor">
+            <a:schemeClr val="lt1"/>
+          </a:fontRef>
+        </p:style>
+        <p:txBody>
+          <a:bodyPr rtlCol="0" anchor="ctr"/>
+          <a:lstStyle/>
+          <a:p>
+            <a:pPr algn="ctr"/>
+            <a:endParaRPr lang="pt-BR" dirty="0"/>
+          </a:p>
+        </p:txBody>
+      </p:sp>
+      <p:sp>
+        <p:nvSpPr>
+          <p:cNvPr id="7" name="CaixaDeTexto 6">
+            <a:extLst>
+              <a:ext uri="{FF2B5EF4-FFF2-40B4-BE49-F238E27FC236}">
+                <a16:creationId xmlns:a16="http://schemas.microsoft.com/office/drawing/2014/main" id="{96ECDD2B-B984-DBFD-A5B0-A29FB2B5AE70}"/>
+              </a:ext>
+            </a:extLst>
+          </p:cNvPr>
+          <p:cNvSpPr txBox="1"/>
+          <p:nvPr/>
+        </p:nvSpPr>
+        <p:spPr>
+          <a:xfrm>
+            <a:off x="8987399" y="98907"/>
+            <a:ext cx="838691" cy="369332"/>
+          </a:xfrm>
+          <a:prstGeom prst="rect">
+            <a:avLst/>
+          </a:prstGeom>
+          <a:noFill/>
+        </p:spPr>
+        <p:txBody>
+          <a:bodyPr wrap="none" rtlCol="0">
+            <a:spAutoFit/>
+          </a:bodyPr>
+          <a:lstStyle/>
+          <a:p>
+            <a:r>
+              <a:rPr lang="pt-BR" dirty="0"/>
+              <a:t>x 1, y 0</a:t>
+            </a:r>
+          </a:p>
+        </p:txBody>
+      </p:sp>
+      <p:sp>
+        <p:nvSpPr>
+          <p:cNvPr id="8" name="Elipse 7">
+            <a:extLst>
+              <a:ext uri="{FF2B5EF4-FFF2-40B4-BE49-F238E27FC236}">
+                <a16:creationId xmlns:a16="http://schemas.microsoft.com/office/drawing/2014/main" id="{34936628-26C1-FB9E-30E8-03B7F4C29A9B}"/>
+              </a:ext>
+            </a:extLst>
+          </p:cNvPr>
+          <p:cNvSpPr>
+            <a:spLocks noChangeAspect="1"/>
+          </p:cNvSpPr>
+          <p:nvPr/>
+        </p:nvSpPr>
+        <p:spPr>
+          <a:xfrm>
+            <a:off x="3135239" y="6312779"/>
+            <a:ext cx="72000" cy="72000"/>
+          </a:xfrm>
+          <a:prstGeom prst="ellipse">
+            <a:avLst/>
+          </a:prstGeom>
+          <a:solidFill>
+            <a:srgbClr val="C00000"/>
+          </a:solidFill>
+          <a:ln>
+            <a:noFill/>
+          </a:ln>
+        </p:spPr>
+        <p:style>
+          <a:lnRef idx="2">
+            <a:schemeClr val="accent1">
+              <a:shade val="50000"/>
+            </a:schemeClr>
+          </a:lnRef>
+          <a:fillRef idx="1">
+            <a:schemeClr val="accent1"/>
+          </a:fillRef>
+          <a:effectRef idx="0">
+            <a:schemeClr val="accent1"/>
+          </a:effectRef>
+          <a:fontRef idx="minor">
+            <a:schemeClr val="lt1"/>
+          </a:fontRef>
+        </p:style>
+        <p:txBody>
+          <a:bodyPr rtlCol="0" anchor="ctr"/>
+          <a:lstStyle/>
+          <a:p>
+            <a:pPr algn="ctr"/>
+            <a:endParaRPr lang="pt-BR" dirty="0"/>
+          </a:p>
+        </p:txBody>
+      </p:sp>
+      <p:sp>
+        <p:nvSpPr>
+          <p:cNvPr id="9" name="Elipse 8">
+            <a:extLst>
+              <a:ext uri="{FF2B5EF4-FFF2-40B4-BE49-F238E27FC236}">
+                <a16:creationId xmlns:a16="http://schemas.microsoft.com/office/drawing/2014/main" id="{3E2D6B10-5280-4BC5-028E-9A496FB63B57}"/>
+              </a:ext>
+            </a:extLst>
+          </p:cNvPr>
+          <p:cNvSpPr>
+            <a:spLocks noChangeAspect="1"/>
+          </p:cNvSpPr>
+          <p:nvPr/>
+        </p:nvSpPr>
+        <p:spPr>
+          <a:xfrm>
+            <a:off x="8995019" y="6320399"/>
+            <a:ext cx="72000" cy="72000"/>
+          </a:xfrm>
+          <a:prstGeom prst="ellipse">
+            <a:avLst/>
+          </a:prstGeom>
+          <a:solidFill>
+            <a:srgbClr val="C00000"/>
+          </a:solidFill>
+          <a:ln>
+            <a:noFill/>
+          </a:ln>
+        </p:spPr>
+        <p:style>
+          <a:lnRef idx="2">
+            <a:schemeClr val="accent1">
+              <a:shade val="50000"/>
+            </a:schemeClr>
+          </a:lnRef>
+          <a:fillRef idx="1">
+            <a:schemeClr val="accent1"/>
+          </a:fillRef>
+          <a:effectRef idx="0">
+            <a:schemeClr val="accent1"/>
+          </a:effectRef>
+          <a:fontRef idx="minor">
+            <a:schemeClr val="lt1"/>
+          </a:fontRef>
+        </p:style>
+        <p:txBody>
+          <a:bodyPr rtlCol="0" anchor="ctr"/>
+          <a:lstStyle/>
+          <a:p>
+            <a:pPr algn="ctr"/>
+            <a:endParaRPr lang="pt-BR" dirty="0"/>
+          </a:p>
+        </p:txBody>
+      </p:sp>
+      <p:sp>
+        <p:nvSpPr>
+          <p:cNvPr id="10" name="CaixaDeTexto 9">
+            <a:extLst>
+              <a:ext uri="{FF2B5EF4-FFF2-40B4-BE49-F238E27FC236}">
+                <a16:creationId xmlns:a16="http://schemas.microsoft.com/office/drawing/2014/main" id="{83BEE5EF-EA76-846D-B54E-1B425123903D}"/>
+              </a:ext>
+            </a:extLst>
+          </p:cNvPr>
+          <p:cNvSpPr txBox="1"/>
+          <p:nvPr/>
+        </p:nvSpPr>
+        <p:spPr>
+          <a:xfrm>
+            <a:off x="2296548" y="6356399"/>
+            <a:ext cx="838691" cy="369332"/>
+          </a:xfrm>
+          <a:prstGeom prst="rect">
+            <a:avLst/>
+          </a:prstGeom>
+          <a:noFill/>
+        </p:spPr>
+        <p:txBody>
+          <a:bodyPr wrap="none" rtlCol="0">
+            <a:spAutoFit/>
+          </a:bodyPr>
+          <a:lstStyle/>
+          <a:p>
+            <a:r>
+              <a:rPr lang="pt-BR" dirty="0"/>
+              <a:t>x 0, y 1</a:t>
+            </a:r>
+          </a:p>
+        </p:txBody>
+      </p:sp>
+      <p:sp>
+        <p:nvSpPr>
+          <p:cNvPr id="11" name="CaixaDeTexto 10">
+            <a:extLst>
+              <a:ext uri="{FF2B5EF4-FFF2-40B4-BE49-F238E27FC236}">
+                <a16:creationId xmlns:a16="http://schemas.microsoft.com/office/drawing/2014/main" id="{B4722DD0-7093-1B8B-4B67-3012640E1744}"/>
+              </a:ext>
+            </a:extLst>
+          </p:cNvPr>
+          <p:cNvSpPr txBox="1"/>
+          <p:nvPr/>
+        </p:nvSpPr>
+        <p:spPr>
+          <a:xfrm>
+            <a:off x="9031019" y="6384779"/>
+            <a:ext cx="838691" cy="369332"/>
+          </a:xfrm>
+          <a:prstGeom prst="rect">
+            <a:avLst/>
+          </a:prstGeom>
+          <a:noFill/>
+        </p:spPr>
+        <p:txBody>
+          <a:bodyPr wrap="none" rtlCol="0">
+            <a:spAutoFit/>
+          </a:bodyPr>
+          <a:lstStyle/>
+          <a:p>
+            <a:r>
+              <a:rPr lang="pt-BR" dirty="0"/>
+              <a:t>x 1, y 1</a:t>
+            </a:r>
+          </a:p>
+        </p:txBody>
+      </p:sp>
+      <p:sp>
+        <p:nvSpPr>
+          <p:cNvPr id="12" name="Elipse 11">
+            <a:extLst>
+              <a:ext uri="{FF2B5EF4-FFF2-40B4-BE49-F238E27FC236}">
+                <a16:creationId xmlns:a16="http://schemas.microsoft.com/office/drawing/2014/main" id="{0B842197-AE5A-6858-9546-C5FB4E8DD91B}"/>
+              </a:ext>
+            </a:extLst>
+          </p:cNvPr>
+          <p:cNvSpPr>
+            <a:spLocks noChangeAspect="1"/>
+          </p:cNvSpPr>
+          <p:nvPr/>
+        </p:nvSpPr>
+        <p:spPr>
+          <a:xfrm>
+            <a:off x="3122850" y="817816"/>
+            <a:ext cx="72000" cy="72000"/>
+          </a:xfrm>
+          <a:prstGeom prst="ellipse">
+            <a:avLst/>
+          </a:prstGeom>
+          <a:solidFill>
+            <a:srgbClr val="C00000"/>
+          </a:solidFill>
+          <a:ln>
+            <a:noFill/>
+          </a:ln>
+        </p:spPr>
+        <p:style>
+          <a:lnRef idx="2">
+            <a:schemeClr val="accent1">
+              <a:shade val="50000"/>
+            </a:schemeClr>
+          </a:lnRef>
+          <a:fillRef idx="1">
+            <a:schemeClr val="accent1"/>
+          </a:fillRef>
+          <a:effectRef idx="0">
+            <a:schemeClr val="accent1"/>
+          </a:effectRef>
+          <a:fontRef idx="minor">
+            <a:schemeClr val="lt1"/>
+          </a:fontRef>
+        </p:style>
+        <p:txBody>
+          <a:bodyPr rtlCol="0" anchor="ctr"/>
+          <a:lstStyle/>
+          <a:p>
+            <a:pPr algn="ctr"/>
+            <a:endParaRPr lang="pt-BR" dirty="0"/>
+          </a:p>
+        </p:txBody>
+      </p:sp>
+      <p:sp>
+        <p:nvSpPr>
+          <p:cNvPr id="13" name="Elipse 12">
+            <a:extLst>
+              <a:ext uri="{FF2B5EF4-FFF2-40B4-BE49-F238E27FC236}">
+                <a16:creationId xmlns:a16="http://schemas.microsoft.com/office/drawing/2014/main" id="{CA67B432-9C70-7C08-98DD-BF3AC883B9FA}"/>
+              </a:ext>
+            </a:extLst>
+          </p:cNvPr>
+          <p:cNvSpPr>
+            <a:spLocks noChangeAspect="1"/>
+          </p:cNvSpPr>
+          <p:nvPr/>
+        </p:nvSpPr>
+        <p:spPr>
+          <a:xfrm>
+            <a:off x="3118081" y="1175013"/>
+            <a:ext cx="72000" cy="72000"/>
+          </a:xfrm>
+          <a:prstGeom prst="ellipse">
+            <a:avLst/>
+          </a:prstGeom>
+          <a:solidFill>
+            <a:srgbClr val="C00000"/>
+          </a:solidFill>
+          <a:ln>
+            <a:noFill/>
+          </a:ln>
+        </p:spPr>
+        <p:style>
+          <a:lnRef idx="2">
+            <a:schemeClr val="accent1">
+              <a:shade val="50000"/>
+            </a:schemeClr>
+          </a:lnRef>
+          <a:fillRef idx="1">
+            <a:schemeClr val="accent1"/>
+          </a:fillRef>
+          <a:effectRef idx="0">
+            <a:schemeClr val="accent1"/>
+          </a:effectRef>
+          <a:fontRef idx="minor">
+            <a:schemeClr val="lt1"/>
+          </a:fontRef>
+        </p:style>
+        <p:txBody>
+          <a:bodyPr rtlCol="0" anchor="ctr"/>
+          <a:lstStyle/>
+          <a:p>
+            <a:pPr algn="ctr"/>
+            <a:endParaRPr lang="pt-BR" dirty="0"/>
+          </a:p>
+        </p:txBody>
+      </p:sp>
+      <p:sp>
+        <p:nvSpPr>
+          <p:cNvPr id="14" name="Elipse 13">
+            <a:extLst>
+              <a:ext uri="{FF2B5EF4-FFF2-40B4-BE49-F238E27FC236}">
+                <a16:creationId xmlns:a16="http://schemas.microsoft.com/office/drawing/2014/main" id="{4D24587B-070B-489E-7F32-42628BD34D1B}"/>
+              </a:ext>
+            </a:extLst>
+          </p:cNvPr>
+          <p:cNvSpPr>
+            <a:spLocks noChangeAspect="1"/>
+          </p:cNvSpPr>
+          <p:nvPr/>
+        </p:nvSpPr>
+        <p:spPr>
+          <a:xfrm>
+            <a:off x="3113312" y="1551262"/>
+            <a:ext cx="72000" cy="72000"/>
+          </a:xfrm>
+          <a:prstGeom prst="ellipse">
+            <a:avLst/>
+          </a:prstGeom>
+          <a:solidFill>
+            <a:srgbClr val="C00000"/>
+          </a:solidFill>
+          <a:ln>
+            <a:noFill/>
+          </a:ln>
+        </p:spPr>
+        <p:style>
+          <a:lnRef idx="2">
+            <a:schemeClr val="accent1">
+              <a:shade val="50000"/>
+            </a:schemeClr>
+          </a:lnRef>
+          <a:fillRef idx="1">
+            <a:schemeClr val="accent1"/>
+          </a:fillRef>
+          <a:effectRef idx="0">
+            <a:schemeClr val="accent1"/>
+          </a:effectRef>
+          <a:fontRef idx="minor">
+            <a:schemeClr val="lt1"/>
+          </a:fontRef>
+        </p:style>
+        <p:txBody>
+          <a:bodyPr rtlCol="0" anchor="ctr"/>
+          <a:lstStyle/>
+          <a:p>
+            <a:pPr algn="ctr"/>
+            <a:endParaRPr lang="pt-BR" dirty="0"/>
+          </a:p>
+        </p:txBody>
+      </p:sp>
+      <p:sp>
+        <p:nvSpPr>
+          <p:cNvPr id="15" name="Elipse 14">
+            <a:extLst>
+              <a:ext uri="{FF2B5EF4-FFF2-40B4-BE49-F238E27FC236}">
+                <a16:creationId xmlns:a16="http://schemas.microsoft.com/office/drawing/2014/main" id="{F751B661-1898-4840-A503-AC15D49F5E10}"/>
+              </a:ext>
+            </a:extLst>
+          </p:cNvPr>
+          <p:cNvSpPr>
+            <a:spLocks noChangeAspect="1"/>
+          </p:cNvSpPr>
+          <p:nvPr/>
+        </p:nvSpPr>
+        <p:spPr>
+          <a:xfrm>
+            <a:off x="3108543" y="1927511"/>
+            <a:ext cx="72000" cy="72000"/>
+          </a:xfrm>
+          <a:prstGeom prst="ellipse">
+            <a:avLst/>
+          </a:prstGeom>
+          <a:solidFill>
+            <a:srgbClr val="C00000"/>
+          </a:solidFill>
+          <a:ln>
+            <a:noFill/>
+          </a:ln>
+        </p:spPr>
+        <p:style>
+          <a:lnRef idx="2">
+            <a:schemeClr val="accent1">
+              <a:shade val="50000"/>
+            </a:schemeClr>
+          </a:lnRef>
+          <a:fillRef idx="1">
+            <a:schemeClr val="accent1"/>
+          </a:fillRef>
+          <a:effectRef idx="0">
+            <a:schemeClr val="accent1"/>
+          </a:effectRef>
+          <a:fontRef idx="minor">
+            <a:schemeClr val="lt1"/>
+          </a:fontRef>
+        </p:style>
+        <p:txBody>
+          <a:bodyPr rtlCol="0" anchor="ctr"/>
+          <a:lstStyle/>
+          <a:p>
+            <a:pPr algn="ctr"/>
+            <a:endParaRPr lang="pt-BR" dirty="0"/>
+          </a:p>
+        </p:txBody>
+      </p:sp>
+      <p:sp>
+        <p:nvSpPr>
+          <p:cNvPr id="16" name="Elipse 15">
+            <a:extLst>
+              <a:ext uri="{FF2B5EF4-FFF2-40B4-BE49-F238E27FC236}">
+                <a16:creationId xmlns:a16="http://schemas.microsoft.com/office/drawing/2014/main" id="{50303881-AF5A-3A23-CBE3-687EF7EA39C6}"/>
+              </a:ext>
+            </a:extLst>
+          </p:cNvPr>
+          <p:cNvSpPr>
+            <a:spLocks noChangeAspect="1"/>
+          </p:cNvSpPr>
+          <p:nvPr/>
+        </p:nvSpPr>
+        <p:spPr>
+          <a:xfrm>
+            <a:off x="3103774" y="2289471"/>
+            <a:ext cx="72000" cy="72000"/>
+          </a:xfrm>
+          <a:prstGeom prst="ellipse">
+            <a:avLst/>
+          </a:prstGeom>
+          <a:solidFill>
+            <a:srgbClr val="C00000"/>
+          </a:solidFill>
+          <a:ln>
+            <a:noFill/>
+          </a:ln>
+        </p:spPr>
+        <p:style>
+          <a:lnRef idx="2">
+            <a:schemeClr val="accent1">
+              <a:shade val="50000"/>
+            </a:schemeClr>
+          </a:lnRef>
+          <a:fillRef idx="1">
+            <a:schemeClr val="accent1"/>
+          </a:fillRef>
+          <a:effectRef idx="0">
+            <a:schemeClr val="accent1"/>
+          </a:effectRef>
+          <a:fontRef idx="minor">
+            <a:schemeClr val="lt1"/>
+          </a:fontRef>
+        </p:style>
+        <p:txBody>
+          <a:bodyPr rtlCol="0" anchor="ctr"/>
+          <a:lstStyle/>
+          <a:p>
+            <a:pPr algn="ctr"/>
+            <a:endParaRPr lang="pt-BR" dirty="0"/>
+          </a:p>
+        </p:txBody>
+      </p:sp>
+      <p:sp>
+        <p:nvSpPr>
+          <p:cNvPr id="17" name="Elipse 16">
+            <a:extLst>
+              <a:ext uri="{FF2B5EF4-FFF2-40B4-BE49-F238E27FC236}">
+                <a16:creationId xmlns:a16="http://schemas.microsoft.com/office/drawing/2014/main" id="{9E628EAD-A38D-DF76-1022-4CE831A43279}"/>
+              </a:ext>
+            </a:extLst>
+          </p:cNvPr>
+          <p:cNvSpPr>
+            <a:spLocks noChangeAspect="1"/>
+          </p:cNvSpPr>
+          <p:nvPr/>
+        </p:nvSpPr>
+        <p:spPr>
+          <a:xfrm>
+            <a:off x="3099005" y="2665720"/>
+            <a:ext cx="72000" cy="72000"/>
+          </a:xfrm>
+          <a:prstGeom prst="ellipse">
+            <a:avLst/>
+          </a:prstGeom>
+          <a:solidFill>
+            <a:srgbClr val="C00000"/>
+          </a:solidFill>
+          <a:ln>
+            <a:noFill/>
+          </a:ln>
+        </p:spPr>
+        <p:style>
+          <a:lnRef idx="2">
+            <a:schemeClr val="accent1">
+              <a:shade val="50000"/>
+            </a:schemeClr>
+          </a:lnRef>
+          <a:fillRef idx="1">
+            <a:schemeClr val="accent1"/>
+          </a:fillRef>
+          <a:effectRef idx="0">
+            <a:schemeClr val="accent1"/>
+          </a:effectRef>
+          <a:fontRef idx="minor">
+            <a:schemeClr val="lt1"/>
+          </a:fontRef>
+        </p:style>
+        <p:txBody>
+          <a:bodyPr rtlCol="0" anchor="ctr"/>
+          <a:lstStyle/>
+          <a:p>
+            <a:pPr algn="ctr"/>
+            <a:endParaRPr lang="pt-BR" dirty="0"/>
+          </a:p>
+        </p:txBody>
+      </p:sp>
+      <p:sp>
+        <p:nvSpPr>
+          <p:cNvPr id="18" name="Elipse 17">
+            <a:extLst>
+              <a:ext uri="{FF2B5EF4-FFF2-40B4-BE49-F238E27FC236}">
+                <a16:creationId xmlns:a16="http://schemas.microsoft.com/office/drawing/2014/main" id="{9971D3E5-F1B0-1D76-6D9A-C690E4CDE64F}"/>
+              </a:ext>
+            </a:extLst>
+          </p:cNvPr>
+          <p:cNvSpPr>
+            <a:spLocks noChangeAspect="1"/>
+          </p:cNvSpPr>
+          <p:nvPr/>
+        </p:nvSpPr>
+        <p:spPr>
+          <a:xfrm>
+            <a:off x="3094236" y="3041969"/>
+            <a:ext cx="72000" cy="72000"/>
+          </a:xfrm>
+          <a:prstGeom prst="ellipse">
+            <a:avLst/>
+          </a:prstGeom>
+          <a:solidFill>
+            <a:srgbClr val="C00000"/>
+          </a:solidFill>
+          <a:ln>
+            <a:noFill/>
+          </a:ln>
+        </p:spPr>
+        <p:style>
+          <a:lnRef idx="2">
+            <a:schemeClr val="accent1">
+              <a:shade val="50000"/>
+            </a:schemeClr>
+          </a:lnRef>
+          <a:fillRef idx="1">
+            <a:schemeClr val="accent1"/>
+          </a:fillRef>
+          <a:effectRef idx="0">
+            <a:schemeClr val="accent1"/>
+          </a:effectRef>
+          <a:fontRef idx="minor">
+            <a:schemeClr val="lt1"/>
+          </a:fontRef>
+        </p:style>
+        <p:txBody>
+          <a:bodyPr rtlCol="0" anchor="ctr"/>
+          <a:lstStyle/>
+          <a:p>
+            <a:pPr algn="ctr"/>
+            <a:endParaRPr lang="pt-BR" dirty="0"/>
+          </a:p>
+        </p:txBody>
+      </p:sp>
+      <p:sp>
+        <p:nvSpPr>
+          <p:cNvPr id="19" name="Elipse 18">
+            <a:extLst>
+              <a:ext uri="{FF2B5EF4-FFF2-40B4-BE49-F238E27FC236}">
+                <a16:creationId xmlns:a16="http://schemas.microsoft.com/office/drawing/2014/main" id="{3C379887-EF4B-3C17-8C38-6A19F3EF2432}"/>
+              </a:ext>
+            </a:extLst>
+          </p:cNvPr>
+          <p:cNvSpPr>
+            <a:spLocks noChangeAspect="1"/>
+          </p:cNvSpPr>
+          <p:nvPr/>
+        </p:nvSpPr>
+        <p:spPr>
+          <a:xfrm>
+            <a:off x="3089467" y="3418218"/>
+            <a:ext cx="72000" cy="72000"/>
+          </a:xfrm>
+          <a:prstGeom prst="ellipse">
+            <a:avLst/>
+          </a:prstGeom>
+          <a:solidFill>
+            <a:srgbClr val="C00000"/>
+          </a:solidFill>
+          <a:ln>
+            <a:noFill/>
+          </a:ln>
+        </p:spPr>
+        <p:style>
+          <a:lnRef idx="2">
+            <a:schemeClr val="accent1">
+              <a:shade val="50000"/>
+            </a:schemeClr>
+          </a:lnRef>
+          <a:fillRef idx="1">
+            <a:schemeClr val="accent1"/>
+          </a:fillRef>
+          <a:effectRef idx="0">
+            <a:schemeClr val="accent1"/>
+          </a:effectRef>
+          <a:fontRef idx="minor">
+            <a:schemeClr val="lt1"/>
+          </a:fontRef>
+        </p:style>
+        <p:txBody>
+          <a:bodyPr rtlCol="0" anchor="ctr"/>
+          <a:lstStyle/>
+          <a:p>
+            <a:pPr algn="ctr"/>
+            <a:endParaRPr lang="pt-BR" dirty="0"/>
+          </a:p>
+        </p:txBody>
+      </p:sp>
+      <p:sp>
+        <p:nvSpPr>
+          <p:cNvPr id="20" name="Elipse 19">
+            <a:extLst>
+              <a:ext uri="{FF2B5EF4-FFF2-40B4-BE49-F238E27FC236}">
+                <a16:creationId xmlns:a16="http://schemas.microsoft.com/office/drawing/2014/main" id="{7B77A1D2-86C5-7FE7-070D-A6FFEB63FCB7}"/>
+              </a:ext>
+            </a:extLst>
+          </p:cNvPr>
+          <p:cNvSpPr>
+            <a:spLocks noChangeAspect="1"/>
+          </p:cNvSpPr>
+          <p:nvPr/>
+        </p:nvSpPr>
+        <p:spPr>
+          <a:xfrm>
+            <a:off x="3127564" y="3770652"/>
+            <a:ext cx="72000" cy="72000"/>
+          </a:xfrm>
+          <a:prstGeom prst="ellipse">
+            <a:avLst/>
+          </a:prstGeom>
+          <a:solidFill>
+            <a:srgbClr val="C00000"/>
+          </a:solidFill>
+          <a:ln>
+            <a:noFill/>
+          </a:ln>
+        </p:spPr>
+        <p:style>
+          <a:lnRef idx="2">
+            <a:schemeClr val="accent1">
+              <a:shade val="50000"/>
+            </a:schemeClr>
+          </a:lnRef>
+          <a:fillRef idx="1">
+            <a:schemeClr val="accent1"/>
+          </a:fillRef>
+          <a:effectRef idx="0">
+            <a:schemeClr val="accent1"/>
+          </a:effectRef>
+          <a:fontRef idx="minor">
+            <a:schemeClr val="lt1"/>
+          </a:fontRef>
+        </p:style>
+        <p:txBody>
+          <a:bodyPr rtlCol="0" anchor="ctr"/>
+          <a:lstStyle/>
+          <a:p>
+            <a:pPr algn="ctr"/>
+            <a:endParaRPr lang="pt-BR" dirty="0"/>
+          </a:p>
+        </p:txBody>
+      </p:sp>
+      <p:sp>
+        <p:nvSpPr>
+          <p:cNvPr id="21" name="Elipse 20">
+            <a:extLst>
+              <a:ext uri="{FF2B5EF4-FFF2-40B4-BE49-F238E27FC236}">
+                <a16:creationId xmlns:a16="http://schemas.microsoft.com/office/drawing/2014/main" id="{707A34E6-55EC-0A62-C6AE-594399069167}"/>
+              </a:ext>
+            </a:extLst>
+          </p:cNvPr>
+          <p:cNvSpPr>
+            <a:spLocks noChangeAspect="1"/>
+          </p:cNvSpPr>
+          <p:nvPr/>
+        </p:nvSpPr>
+        <p:spPr>
+          <a:xfrm>
+            <a:off x="3122795" y="4123086"/>
+            <a:ext cx="72000" cy="72000"/>
+          </a:xfrm>
+          <a:prstGeom prst="ellipse">
+            <a:avLst/>
+          </a:prstGeom>
+          <a:solidFill>
+            <a:srgbClr val="C00000"/>
+          </a:solidFill>
+          <a:ln>
+            <a:noFill/>
+          </a:ln>
+        </p:spPr>
+        <p:style>
+          <a:lnRef idx="2">
+            <a:schemeClr val="accent1">
+              <a:shade val="50000"/>
+            </a:schemeClr>
+          </a:lnRef>
+          <a:fillRef idx="1">
+            <a:schemeClr val="accent1"/>
+          </a:fillRef>
+          <a:effectRef idx="0">
+            <a:schemeClr val="accent1"/>
+          </a:effectRef>
+          <a:fontRef idx="minor">
+            <a:schemeClr val="lt1"/>
+          </a:fontRef>
+        </p:style>
+        <p:txBody>
+          <a:bodyPr rtlCol="0" anchor="ctr"/>
+          <a:lstStyle/>
+          <a:p>
+            <a:pPr algn="ctr"/>
+            <a:endParaRPr lang="pt-BR" dirty="0"/>
+          </a:p>
+        </p:txBody>
+      </p:sp>
+      <p:sp>
+        <p:nvSpPr>
+          <p:cNvPr id="22" name="Elipse 21">
+            <a:extLst>
+              <a:ext uri="{FF2B5EF4-FFF2-40B4-BE49-F238E27FC236}">
+                <a16:creationId xmlns:a16="http://schemas.microsoft.com/office/drawing/2014/main" id="{F7CF5A29-BB3C-272B-414F-24C1923023AB}"/>
+              </a:ext>
+            </a:extLst>
+          </p:cNvPr>
+          <p:cNvSpPr>
+            <a:spLocks noChangeAspect="1"/>
+          </p:cNvSpPr>
+          <p:nvPr/>
+        </p:nvSpPr>
+        <p:spPr>
+          <a:xfrm>
+            <a:off x="3122789" y="4485046"/>
+            <a:ext cx="72000" cy="72000"/>
+          </a:xfrm>
+          <a:prstGeom prst="ellipse">
+            <a:avLst/>
+          </a:prstGeom>
+          <a:solidFill>
+            <a:srgbClr val="C00000"/>
+          </a:solidFill>
+          <a:ln>
+            <a:noFill/>
+          </a:ln>
+        </p:spPr>
+        <p:style>
+          <a:lnRef idx="2">
+            <a:schemeClr val="accent1">
+              <a:shade val="50000"/>
+            </a:schemeClr>
+          </a:lnRef>
+          <a:fillRef idx="1">
+            <a:schemeClr val="accent1"/>
+          </a:fillRef>
+          <a:effectRef idx="0">
+            <a:schemeClr val="accent1"/>
+          </a:effectRef>
+          <a:fontRef idx="minor">
+            <a:schemeClr val="lt1"/>
+          </a:fontRef>
+        </p:style>
+        <p:txBody>
+          <a:bodyPr rtlCol="0" anchor="ctr"/>
+          <a:lstStyle/>
+          <a:p>
+            <a:pPr algn="ctr"/>
+            <a:endParaRPr lang="pt-BR" dirty="0"/>
+          </a:p>
+        </p:txBody>
+      </p:sp>
+      <p:sp>
+        <p:nvSpPr>
+          <p:cNvPr id="23" name="Elipse 22">
+            <a:extLst>
+              <a:ext uri="{FF2B5EF4-FFF2-40B4-BE49-F238E27FC236}">
+                <a16:creationId xmlns:a16="http://schemas.microsoft.com/office/drawing/2014/main" id="{4DD99E77-343C-C739-0330-55EF2052044B}"/>
+              </a:ext>
+            </a:extLst>
+          </p:cNvPr>
+          <p:cNvSpPr>
+            <a:spLocks noChangeAspect="1"/>
+          </p:cNvSpPr>
+          <p:nvPr/>
+        </p:nvSpPr>
+        <p:spPr>
+          <a:xfrm>
+            <a:off x="3122783" y="4851769"/>
+            <a:ext cx="72000" cy="72000"/>
+          </a:xfrm>
+          <a:prstGeom prst="ellipse">
+            <a:avLst/>
+          </a:prstGeom>
+          <a:solidFill>
+            <a:srgbClr val="C00000"/>
+          </a:solidFill>
+          <a:ln>
+            <a:noFill/>
+          </a:ln>
+        </p:spPr>
+        <p:style>
+          <a:lnRef idx="2">
+            <a:schemeClr val="accent1">
+              <a:shade val="50000"/>
+            </a:schemeClr>
+          </a:lnRef>
+          <a:fillRef idx="1">
+            <a:schemeClr val="accent1"/>
+          </a:fillRef>
+          <a:effectRef idx="0">
+            <a:schemeClr val="accent1"/>
+          </a:effectRef>
+          <a:fontRef idx="minor">
+            <a:schemeClr val="lt1"/>
+          </a:fontRef>
+        </p:style>
+        <p:txBody>
+          <a:bodyPr rtlCol="0" anchor="ctr"/>
+          <a:lstStyle/>
+          <a:p>
+            <a:pPr algn="ctr"/>
+            <a:endParaRPr lang="pt-BR" dirty="0"/>
+          </a:p>
+        </p:txBody>
+      </p:sp>
+      <p:sp>
+        <p:nvSpPr>
+          <p:cNvPr id="24" name="Elipse 23">
+            <a:extLst>
+              <a:ext uri="{FF2B5EF4-FFF2-40B4-BE49-F238E27FC236}">
+                <a16:creationId xmlns:a16="http://schemas.microsoft.com/office/drawing/2014/main" id="{6408BED2-50A9-09CB-377B-615F1DB14E71}"/>
+              </a:ext>
+            </a:extLst>
+          </p:cNvPr>
+          <p:cNvSpPr>
+            <a:spLocks noChangeAspect="1"/>
+          </p:cNvSpPr>
+          <p:nvPr/>
+        </p:nvSpPr>
+        <p:spPr>
+          <a:xfrm>
+            <a:off x="3122777" y="5218492"/>
+            <a:ext cx="72000" cy="72000"/>
+          </a:xfrm>
+          <a:prstGeom prst="ellipse">
+            <a:avLst/>
+          </a:prstGeom>
+          <a:solidFill>
+            <a:srgbClr val="C00000"/>
+          </a:solidFill>
+          <a:ln>
+            <a:noFill/>
+          </a:ln>
+        </p:spPr>
+        <p:style>
+          <a:lnRef idx="2">
+            <a:schemeClr val="accent1">
+              <a:shade val="50000"/>
+            </a:schemeClr>
+          </a:lnRef>
+          <a:fillRef idx="1">
+            <a:schemeClr val="accent1"/>
+          </a:fillRef>
+          <a:effectRef idx="0">
+            <a:schemeClr val="accent1"/>
+          </a:effectRef>
+          <a:fontRef idx="minor">
+            <a:schemeClr val="lt1"/>
+          </a:fontRef>
+        </p:style>
+        <p:txBody>
+          <a:bodyPr rtlCol="0" anchor="ctr"/>
+          <a:lstStyle/>
+          <a:p>
+            <a:pPr algn="ctr"/>
+            <a:endParaRPr lang="pt-BR" dirty="0"/>
+          </a:p>
+        </p:txBody>
+      </p:sp>
+      <p:sp>
+        <p:nvSpPr>
+          <p:cNvPr id="25" name="Elipse 24">
+            <a:extLst>
+              <a:ext uri="{FF2B5EF4-FFF2-40B4-BE49-F238E27FC236}">
+                <a16:creationId xmlns:a16="http://schemas.microsoft.com/office/drawing/2014/main" id="{C8068913-3F17-B8D7-11ED-E61484B8EA36}"/>
+              </a:ext>
+            </a:extLst>
+          </p:cNvPr>
+          <p:cNvSpPr>
+            <a:spLocks noChangeAspect="1"/>
+          </p:cNvSpPr>
+          <p:nvPr/>
+        </p:nvSpPr>
+        <p:spPr>
+          <a:xfrm>
+            <a:off x="3122771" y="5594741"/>
+            <a:ext cx="72000" cy="72000"/>
+          </a:xfrm>
+          <a:prstGeom prst="ellipse">
+            <a:avLst/>
+          </a:prstGeom>
+          <a:solidFill>
+            <a:srgbClr val="C00000"/>
+          </a:solidFill>
+          <a:ln>
+            <a:noFill/>
+          </a:ln>
+        </p:spPr>
+        <p:style>
+          <a:lnRef idx="2">
+            <a:schemeClr val="accent1">
+              <a:shade val="50000"/>
+            </a:schemeClr>
+          </a:lnRef>
+          <a:fillRef idx="1">
+            <a:schemeClr val="accent1"/>
+          </a:fillRef>
+          <a:effectRef idx="0">
+            <a:schemeClr val="accent1"/>
+          </a:effectRef>
+          <a:fontRef idx="minor">
+            <a:schemeClr val="lt1"/>
+          </a:fontRef>
+        </p:style>
+        <p:txBody>
+          <a:bodyPr rtlCol="0" anchor="ctr"/>
+          <a:lstStyle/>
+          <a:p>
+            <a:pPr algn="ctr"/>
+            <a:endParaRPr lang="pt-BR" dirty="0"/>
+          </a:p>
+        </p:txBody>
+      </p:sp>
+      <p:sp>
+        <p:nvSpPr>
+          <p:cNvPr id="26" name="Elipse 25">
+            <a:extLst>
+              <a:ext uri="{FF2B5EF4-FFF2-40B4-BE49-F238E27FC236}">
+                <a16:creationId xmlns:a16="http://schemas.microsoft.com/office/drawing/2014/main" id="{E65924CE-9307-3BD6-72A4-4872C9FD7563}"/>
+              </a:ext>
+            </a:extLst>
+          </p:cNvPr>
+          <p:cNvSpPr>
+            <a:spLocks noChangeAspect="1"/>
+          </p:cNvSpPr>
+          <p:nvPr/>
+        </p:nvSpPr>
+        <p:spPr>
+          <a:xfrm>
+            <a:off x="3122765" y="5970990"/>
+            <a:ext cx="72000" cy="72000"/>
+          </a:xfrm>
+          <a:prstGeom prst="ellipse">
+            <a:avLst/>
+          </a:prstGeom>
+          <a:solidFill>
+            <a:srgbClr val="C00000"/>
+          </a:solidFill>
+          <a:ln>
+            <a:noFill/>
+          </a:ln>
+        </p:spPr>
+        <p:style>
+          <a:lnRef idx="2">
+            <a:schemeClr val="accent1">
+              <a:shade val="50000"/>
+            </a:schemeClr>
+          </a:lnRef>
+          <a:fillRef idx="1">
+            <a:schemeClr val="accent1"/>
+          </a:fillRef>
+          <a:effectRef idx="0">
+            <a:schemeClr val="accent1"/>
+          </a:effectRef>
+          <a:fontRef idx="minor">
+            <a:schemeClr val="lt1"/>
+          </a:fontRef>
+        </p:style>
+        <p:txBody>
+          <a:bodyPr rtlCol="0" anchor="ctr"/>
+          <a:lstStyle/>
+          <a:p>
+            <a:pPr algn="ctr"/>
+            <a:endParaRPr lang="pt-BR" dirty="0"/>
+          </a:p>
+        </p:txBody>
+      </p:sp>
+      <p:sp>
+        <p:nvSpPr>
+          <p:cNvPr id="27" name="CaixaDeTexto 26">
+            <a:extLst>
+              <a:ext uri="{FF2B5EF4-FFF2-40B4-BE49-F238E27FC236}">
+                <a16:creationId xmlns:a16="http://schemas.microsoft.com/office/drawing/2014/main" id="{7423F167-1643-BC06-1006-DED0FE31B1DB}"/>
+              </a:ext>
+            </a:extLst>
+          </p:cNvPr>
+          <p:cNvSpPr txBox="1"/>
+          <p:nvPr/>
+        </p:nvSpPr>
+        <p:spPr>
+          <a:xfrm>
+            <a:off x="2641166" y="738008"/>
+            <a:ext cx="545342" cy="246221"/>
+          </a:xfrm>
+          <a:prstGeom prst="rect">
+            <a:avLst/>
+          </a:prstGeom>
+          <a:noFill/>
+        </p:spPr>
+        <p:txBody>
+          <a:bodyPr wrap="none" rtlCol="0">
+            <a:spAutoFit/>
+          </a:bodyPr>
+          <a:lstStyle/>
+          <a:p>
+            <a:pPr algn="r"/>
+            <a:r>
+              <a:rPr lang="pt-BR" sz="1000" dirty="0"/>
+              <a:t>0,0625</a:t>
+            </a:r>
+          </a:p>
+        </p:txBody>
+      </p:sp>
+      <p:sp>
+        <p:nvSpPr>
+          <p:cNvPr id="29" name="CaixaDeTexto 28">
+            <a:extLst>
+              <a:ext uri="{FF2B5EF4-FFF2-40B4-BE49-F238E27FC236}">
+                <a16:creationId xmlns:a16="http://schemas.microsoft.com/office/drawing/2014/main" id="{71EF8E5B-5BFD-7910-3075-C3A572CFD4BD}"/>
+              </a:ext>
+            </a:extLst>
+          </p:cNvPr>
+          <p:cNvSpPr txBox="1"/>
+          <p:nvPr/>
+        </p:nvSpPr>
+        <p:spPr>
+          <a:xfrm>
+            <a:off x="2696155" y="1068148"/>
+            <a:ext cx="479619" cy="246221"/>
+          </a:xfrm>
+          <a:prstGeom prst="rect">
+            <a:avLst/>
+          </a:prstGeom>
+          <a:noFill/>
+        </p:spPr>
+        <p:txBody>
+          <a:bodyPr wrap="none" rtlCol="0">
+            <a:spAutoFit/>
+          </a:bodyPr>
+          <a:lstStyle/>
+          <a:p>
+            <a:pPr algn="r"/>
+            <a:r>
+              <a:rPr lang="pt-BR" sz="1000" dirty="0"/>
+              <a:t>0,125</a:t>
+            </a:r>
+          </a:p>
+        </p:txBody>
+      </p:sp>
+      <p:sp>
+        <p:nvSpPr>
+          <p:cNvPr id="30" name="CaixaDeTexto 29">
+            <a:extLst>
+              <a:ext uri="{FF2B5EF4-FFF2-40B4-BE49-F238E27FC236}">
+                <a16:creationId xmlns:a16="http://schemas.microsoft.com/office/drawing/2014/main" id="{AC554BCE-DB71-D23E-BDD9-EDE538A60FAE}"/>
+              </a:ext>
+            </a:extLst>
+          </p:cNvPr>
+          <p:cNvSpPr txBox="1"/>
+          <p:nvPr/>
+        </p:nvSpPr>
+        <p:spPr>
+          <a:xfrm>
+            <a:off x="2629223" y="1455438"/>
+            <a:ext cx="545342" cy="246221"/>
+          </a:xfrm>
+          <a:prstGeom prst="rect">
+            <a:avLst/>
+          </a:prstGeom>
+          <a:noFill/>
+        </p:spPr>
+        <p:txBody>
+          <a:bodyPr wrap="none" rtlCol="0">
+            <a:spAutoFit/>
+          </a:bodyPr>
+          <a:lstStyle/>
+          <a:p>
+            <a:pPr algn="r"/>
+            <a:r>
+              <a:rPr lang="pt-BR" sz="1000" dirty="0"/>
+              <a:t>0,1875</a:t>
+            </a:r>
+          </a:p>
+        </p:txBody>
+      </p:sp>
+      <p:sp>
+        <p:nvSpPr>
+          <p:cNvPr id="31" name="CaixaDeTexto 30">
+            <a:extLst>
+              <a:ext uri="{FF2B5EF4-FFF2-40B4-BE49-F238E27FC236}">
+                <a16:creationId xmlns:a16="http://schemas.microsoft.com/office/drawing/2014/main" id="{0C76ED99-76B9-5168-D7C0-6DC469238C63}"/>
+              </a:ext>
+            </a:extLst>
+          </p:cNvPr>
+          <p:cNvSpPr txBox="1"/>
+          <p:nvPr/>
+        </p:nvSpPr>
+        <p:spPr>
+          <a:xfrm>
+            <a:off x="2749935" y="1842728"/>
+            <a:ext cx="413896" cy="246221"/>
+          </a:xfrm>
+          <a:prstGeom prst="rect">
+            <a:avLst/>
+          </a:prstGeom>
+          <a:noFill/>
+        </p:spPr>
+        <p:txBody>
+          <a:bodyPr wrap="none" rtlCol="0">
+            <a:spAutoFit/>
+          </a:bodyPr>
+          <a:lstStyle/>
+          <a:p>
+            <a:pPr algn="r"/>
+            <a:r>
+              <a:rPr lang="pt-BR" sz="1000" dirty="0"/>
+              <a:t>0,25</a:t>
+            </a:r>
+          </a:p>
+        </p:txBody>
+      </p:sp>
+      <p:sp>
+        <p:nvSpPr>
+          <p:cNvPr id="32" name="CaixaDeTexto 31">
+            <a:extLst>
+              <a:ext uri="{FF2B5EF4-FFF2-40B4-BE49-F238E27FC236}">
+                <a16:creationId xmlns:a16="http://schemas.microsoft.com/office/drawing/2014/main" id="{BCBC9223-BAE5-7376-95B8-A35D7649888B}"/>
+              </a:ext>
+            </a:extLst>
+          </p:cNvPr>
+          <p:cNvSpPr txBox="1"/>
+          <p:nvPr/>
+        </p:nvSpPr>
+        <p:spPr>
+          <a:xfrm>
+            <a:off x="2607755" y="2210968"/>
+            <a:ext cx="545342" cy="246221"/>
+          </a:xfrm>
+          <a:prstGeom prst="rect">
+            <a:avLst/>
+          </a:prstGeom>
+          <a:noFill/>
+        </p:spPr>
+        <p:txBody>
+          <a:bodyPr wrap="none" rtlCol="0">
+            <a:spAutoFit/>
+          </a:bodyPr>
+          <a:lstStyle/>
+          <a:p>
+            <a:pPr algn="r"/>
+            <a:r>
+              <a:rPr lang="pt-BR" sz="1000" dirty="0"/>
+              <a:t>0,3125</a:t>
+            </a:r>
+          </a:p>
+        </p:txBody>
+      </p:sp>
+      <p:sp>
+        <p:nvSpPr>
+          <p:cNvPr id="33" name="CaixaDeTexto 32">
+            <a:extLst>
+              <a:ext uri="{FF2B5EF4-FFF2-40B4-BE49-F238E27FC236}">
+                <a16:creationId xmlns:a16="http://schemas.microsoft.com/office/drawing/2014/main" id="{2DB80AA6-2EC9-285D-9603-9E79E901B05F}"/>
+              </a:ext>
+            </a:extLst>
+          </p:cNvPr>
+          <p:cNvSpPr txBox="1"/>
+          <p:nvPr/>
+        </p:nvSpPr>
+        <p:spPr>
+          <a:xfrm>
+            <a:off x="2681794" y="2579208"/>
+            <a:ext cx="479619" cy="246221"/>
+          </a:xfrm>
+          <a:prstGeom prst="rect">
+            <a:avLst/>
+          </a:prstGeom>
+          <a:noFill/>
+        </p:spPr>
+        <p:txBody>
+          <a:bodyPr wrap="none" rtlCol="0">
+            <a:spAutoFit/>
+          </a:bodyPr>
+          <a:lstStyle/>
+          <a:p>
+            <a:pPr algn="r"/>
+            <a:r>
+              <a:rPr lang="pt-BR" sz="1000" dirty="0"/>
+              <a:t>0,375</a:t>
+            </a:r>
+          </a:p>
+        </p:txBody>
+      </p:sp>
+      <p:sp>
+        <p:nvSpPr>
+          <p:cNvPr id="34" name="CaixaDeTexto 33">
+            <a:extLst>
+              <a:ext uri="{FF2B5EF4-FFF2-40B4-BE49-F238E27FC236}">
+                <a16:creationId xmlns:a16="http://schemas.microsoft.com/office/drawing/2014/main" id="{88A63975-ED51-A3AE-C8E7-58A6C793283E}"/>
+              </a:ext>
+            </a:extLst>
+          </p:cNvPr>
+          <p:cNvSpPr txBox="1"/>
+          <p:nvPr/>
+        </p:nvSpPr>
+        <p:spPr>
+          <a:xfrm>
+            <a:off x="2614862" y="2966498"/>
+            <a:ext cx="545342" cy="246221"/>
+          </a:xfrm>
+          <a:prstGeom prst="rect">
+            <a:avLst/>
+          </a:prstGeom>
+          <a:noFill/>
+        </p:spPr>
+        <p:txBody>
+          <a:bodyPr wrap="none" rtlCol="0">
+            <a:spAutoFit/>
+          </a:bodyPr>
+          <a:lstStyle/>
+          <a:p>
+            <a:pPr algn="r"/>
+            <a:r>
+              <a:rPr lang="pt-BR" sz="1000" dirty="0"/>
+              <a:t>0,4375</a:t>
+            </a:r>
+          </a:p>
+        </p:txBody>
+      </p:sp>
+      <p:sp>
+        <p:nvSpPr>
+          <p:cNvPr id="35" name="CaixaDeTexto 34">
+            <a:extLst>
+              <a:ext uri="{FF2B5EF4-FFF2-40B4-BE49-F238E27FC236}">
+                <a16:creationId xmlns:a16="http://schemas.microsoft.com/office/drawing/2014/main" id="{E8E8850D-56CC-0768-B45A-9B6B80AB4482}"/>
+              </a:ext>
+            </a:extLst>
+          </p:cNvPr>
+          <p:cNvSpPr txBox="1"/>
+          <p:nvPr/>
+        </p:nvSpPr>
+        <p:spPr>
+          <a:xfrm>
+            <a:off x="2810823" y="3334738"/>
+            <a:ext cx="348172" cy="246221"/>
+          </a:xfrm>
+          <a:prstGeom prst="rect">
+            <a:avLst/>
+          </a:prstGeom>
+          <a:noFill/>
+        </p:spPr>
+        <p:txBody>
+          <a:bodyPr wrap="none" rtlCol="0">
+            <a:spAutoFit/>
+          </a:bodyPr>
+          <a:lstStyle/>
+          <a:p>
+            <a:pPr algn="r"/>
+            <a:r>
+              <a:rPr lang="pt-BR" sz="1000" dirty="0"/>
+              <a:t>0,5</a:t>
+            </a:r>
+          </a:p>
+        </p:txBody>
+      </p:sp>
+      <p:sp>
+        <p:nvSpPr>
+          <p:cNvPr id="36" name="CaixaDeTexto 35">
+            <a:extLst>
+              <a:ext uri="{FF2B5EF4-FFF2-40B4-BE49-F238E27FC236}">
+                <a16:creationId xmlns:a16="http://schemas.microsoft.com/office/drawing/2014/main" id="{8B8C5DBB-92E6-3ABD-105C-F7DE81E82A35}"/>
+              </a:ext>
+            </a:extLst>
+          </p:cNvPr>
+          <p:cNvSpPr txBox="1"/>
+          <p:nvPr/>
+        </p:nvSpPr>
+        <p:spPr>
+          <a:xfrm>
+            <a:off x="2641019" y="3683928"/>
+            <a:ext cx="545342" cy="246221"/>
+          </a:xfrm>
+          <a:prstGeom prst="rect">
+            <a:avLst/>
+          </a:prstGeom>
+          <a:noFill/>
+        </p:spPr>
+        <p:txBody>
+          <a:bodyPr wrap="none" rtlCol="0">
+            <a:spAutoFit/>
+          </a:bodyPr>
+          <a:lstStyle/>
+          <a:p>
+            <a:pPr algn="r"/>
+            <a:r>
+              <a:rPr lang="pt-BR" sz="1000" dirty="0"/>
+              <a:t>0,5625</a:t>
+            </a:r>
+          </a:p>
+        </p:txBody>
+      </p:sp>
+      <p:sp>
+        <p:nvSpPr>
+          <p:cNvPr id="37" name="CaixaDeTexto 36">
+            <a:extLst>
+              <a:ext uri="{FF2B5EF4-FFF2-40B4-BE49-F238E27FC236}">
+                <a16:creationId xmlns:a16="http://schemas.microsoft.com/office/drawing/2014/main" id="{FDA3FE49-CB5A-70C3-D358-34EDEF3583F5}"/>
+              </a:ext>
+            </a:extLst>
+          </p:cNvPr>
+          <p:cNvSpPr txBox="1"/>
+          <p:nvPr/>
+        </p:nvSpPr>
+        <p:spPr>
+          <a:xfrm>
+            <a:off x="2715058" y="4042643"/>
+            <a:ext cx="479619" cy="246221"/>
+          </a:xfrm>
+          <a:prstGeom prst="rect">
+            <a:avLst/>
+          </a:prstGeom>
+          <a:noFill/>
+        </p:spPr>
+        <p:txBody>
+          <a:bodyPr wrap="none" rtlCol="0">
+            <a:spAutoFit/>
+          </a:bodyPr>
+          <a:lstStyle/>
+          <a:p>
+            <a:pPr algn="r"/>
+            <a:r>
+              <a:rPr lang="pt-BR" sz="1000" dirty="0"/>
+              <a:t>0,625</a:t>
+            </a:r>
+          </a:p>
+        </p:txBody>
+      </p:sp>
+      <p:sp>
+        <p:nvSpPr>
+          <p:cNvPr id="38" name="CaixaDeTexto 37">
+            <a:extLst>
+              <a:ext uri="{FF2B5EF4-FFF2-40B4-BE49-F238E27FC236}">
+                <a16:creationId xmlns:a16="http://schemas.microsoft.com/office/drawing/2014/main" id="{0BBF4254-4FFB-1AA7-7A13-D63DDA0F66F8}"/>
+              </a:ext>
+            </a:extLst>
+          </p:cNvPr>
+          <p:cNvSpPr txBox="1"/>
+          <p:nvPr/>
+        </p:nvSpPr>
+        <p:spPr>
+          <a:xfrm>
+            <a:off x="2657651" y="4401358"/>
+            <a:ext cx="545342" cy="246221"/>
+          </a:xfrm>
+          <a:prstGeom prst="rect">
+            <a:avLst/>
+          </a:prstGeom>
+          <a:noFill/>
+        </p:spPr>
+        <p:txBody>
+          <a:bodyPr wrap="none" rtlCol="0">
+            <a:spAutoFit/>
+          </a:bodyPr>
+          <a:lstStyle/>
+          <a:p>
+            <a:pPr algn="r"/>
+            <a:r>
+              <a:rPr lang="pt-BR" sz="1000" dirty="0"/>
+              <a:t>0,6875</a:t>
+            </a:r>
+          </a:p>
+        </p:txBody>
+      </p:sp>
+      <p:sp>
+        <p:nvSpPr>
+          <p:cNvPr id="39" name="CaixaDeTexto 38">
+            <a:extLst>
+              <a:ext uri="{FF2B5EF4-FFF2-40B4-BE49-F238E27FC236}">
+                <a16:creationId xmlns:a16="http://schemas.microsoft.com/office/drawing/2014/main" id="{60281EE2-85BA-3F1E-2003-ACF3C8996AE8}"/>
+              </a:ext>
+            </a:extLst>
+          </p:cNvPr>
+          <p:cNvSpPr txBox="1"/>
+          <p:nvPr/>
+        </p:nvSpPr>
+        <p:spPr>
+          <a:xfrm>
+            <a:off x="2778363" y="4760073"/>
+            <a:ext cx="413896" cy="246221"/>
+          </a:xfrm>
+          <a:prstGeom prst="rect">
+            <a:avLst/>
+          </a:prstGeom>
+          <a:noFill/>
+        </p:spPr>
+        <p:txBody>
+          <a:bodyPr wrap="none" rtlCol="0">
+            <a:spAutoFit/>
+          </a:bodyPr>
+          <a:lstStyle/>
+          <a:p>
+            <a:pPr algn="r"/>
+            <a:r>
+              <a:rPr lang="pt-BR" sz="1000" dirty="0"/>
+              <a:t>0,75</a:t>
+            </a:r>
+          </a:p>
+        </p:txBody>
+      </p:sp>
+      <p:sp>
+        <p:nvSpPr>
+          <p:cNvPr id="40" name="CaixaDeTexto 39">
+            <a:extLst>
+              <a:ext uri="{FF2B5EF4-FFF2-40B4-BE49-F238E27FC236}">
+                <a16:creationId xmlns:a16="http://schemas.microsoft.com/office/drawing/2014/main" id="{251B5C13-DFC8-4C86-9715-7E2E7E7B3535}"/>
+              </a:ext>
+            </a:extLst>
+          </p:cNvPr>
+          <p:cNvSpPr txBox="1"/>
+          <p:nvPr/>
+        </p:nvSpPr>
+        <p:spPr>
+          <a:xfrm>
+            <a:off x="2645708" y="5128313"/>
+            <a:ext cx="545342" cy="246221"/>
+          </a:xfrm>
+          <a:prstGeom prst="rect">
+            <a:avLst/>
+          </a:prstGeom>
+          <a:noFill/>
+        </p:spPr>
+        <p:txBody>
+          <a:bodyPr wrap="none" rtlCol="0">
+            <a:spAutoFit/>
+          </a:bodyPr>
+          <a:lstStyle/>
+          <a:p>
+            <a:pPr algn="r"/>
+            <a:r>
+              <a:rPr lang="pt-BR" sz="1000" dirty="0"/>
+              <a:t>0,8125</a:t>
+            </a:r>
+          </a:p>
+        </p:txBody>
+      </p:sp>
+      <p:sp>
+        <p:nvSpPr>
+          <p:cNvPr id="41" name="CaixaDeTexto 40">
+            <a:extLst>
+              <a:ext uri="{FF2B5EF4-FFF2-40B4-BE49-F238E27FC236}">
+                <a16:creationId xmlns:a16="http://schemas.microsoft.com/office/drawing/2014/main" id="{9E2ECE20-F7E4-FA76-5818-E74B10E3B8DE}"/>
+              </a:ext>
+            </a:extLst>
+          </p:cNvPr>
+          <p:cNvSpPr txBox="1"/>
+          <p:nvPr/>
+        </p:nvSpPr>
+        <p:spPr>
+          <a:xfrm>
+            <a:off x="2700697" y="5506078"/>
+            <a:ext cx="479619" cy="246221"/>
+          </a:xfrm>
+          <a:prstGeom prst="rect">
+            <a:avLst/>
+          </a:prstGeom>
+          <a:noFill/>
+        </p:spPr>
+        <p:txBody>
+          <a:bodyPr wrap="none" rtlCol="0">
+            <a:spAutoFit/>
+          </a:bodyPr>
+          <a:lstStyle/>
+          <a:p>
+            <a:pPr algn="r"/>
+            <a:r>
+              <a:rPr lang="pt-BR" sz="1000" dirty="0"/>
+              <a:t>0,875</a:t>
+            </a:r>
+          </a:p>
+        </p:txBody>
+      </p:sp>
+      <p:sp>
+        <p:nvSpPr>
+          <p:cNvPr id="42" name="CaixaDeTexto 41">
+            <a:extLst>
+              <a:ext uri="{FF2B5EF4-FFF2-40B4-BE49-F238E27FC236}">
+                <a16:creationId xmlns:a16="http://schemas.microsoft.com/office/drawing/2014/main" id="{F1845F68-8AA8-D128-C2A5-95201620FB39}"/>
+              </a:ext>
+            </a:extLst>
+          </p:cNvPr>
+          <p:cNvSpPr txBox="1"/>
+          <p:nvPr/>
+        </p:nvSpPr>
+        <p:spPr>
+          <a:xfrm>
+            <a:off x="2633765" y="5883843"/>
+            <a:ext cx="545342" cy="246221"/>
+          </a:xfrm>
+          <a:prstGeom prst="rect">
+            <a:avLst/>
+          </a:prstGeom>
+          <a:noFill/>
+        </p:spPr>
+        <p:txBody>
+          <a:bodyPr wrap="none" rtlCol="0">
+            <a:spAutoFit/>
+          </a:bodyPr>
+          <a:lstStyle/>
+          <a:p>
+            <a:pPr algn="r"/>
+            <a:r>
+              <a:rPr lang="pt-BR" sz="1000" dirty="0"/>
+              <a:t>0,9375</a:t>
+            </a:r>
+          </a:p>
+        </p:txBody>
+      </p:sp>
+    </p:spTree>
+    <p:extLst>
+      <p:ext uri="{BB962C8B-B14F-4D97-AF65-F5344CB8AC3E}">
+        <p14:creationId xmlns:p14="http://schemas.microsoft.com/office/powerpoint/2010/main" val="2862883160"/>
+      </p:ext>
+    </p:extLst>
+  </p:cSld>
+  <p:clrMapOvr>
+    <a:masterClrMapping/>
+  </p:clrMapOvr>
+</p:sld>
+</file>
+
+<file path=ppt/slides/slide24.xml><?xml version="1.0" encoding="utf-8"?>
+<p:sld xmlns:a="http://schemas.openxmlformats.org/drawingml/2006/main" xmlns:r="http://schemas.openxmlformats.org/officeDocument/2006/relationships" xmlns:p="http://schemas.openxmlformats.org/presentationml/2006/main">
+  <p:cSld>
+    <p:spTree>
+      <p:nvGrpSpPr>
+        <p:cNvPr id="1" name=""/>
+        <p:cNvGrpSpPr/>
+        <p:nvPr/>
+      </p:nvGrpSpPr>
+      <p:grpSpPr>
+        <a:xfrm>
+          <a:off x="0" y="0"/>
+          <a:ext cx="0" cy="0"/>
+          <a:chOff x="0" y="0"/>
+          <a:chExt cx="0" cy="0"/>
+        </a:xfrm>
+      </p:grpSpPr>
       <p:sp>
         <p:nvSpPr>
           <p:cNvPr id="2" name="CaixaDeTexto 1">

--- a/01. Pre-Classic/Vertices, triangles e uvs.pptx
+++ b/01. Pre-Classic/Vertices, triangles e uvs.pptx
@@ -2055,7 +2055,7 @@
           <a:p>
             <a:fld id="{1967C87D-2578-4C94-80D4-218D80B24105}" type="datetimeFigureOut">
               <a:rPr lang="pt-BR" smtClean="0"/>
-              <a:t>07/06/2024</a:t>
+              <a:t>10/07/2024</a:t>
             </a:fld>
             <a:endParaRPr lang="pt-BR"/>
           </a:p>
@@ -2253,7 +2253,7 @@
           <a:p>
             <a:fld id="{1967C87D-2578-4C94-80D4-218D80B24105}" type="datetimeFigureOut">
               <a:rPr lang="pt-BR" smtClean="0"/>
-              <a:t>07/06/2024</a:t>
+              <a:t>10/07/2024</a:t>
             </a:fld>
             <a:endParaRPr lang="pt-BR"/>
           </a:p>
@@ -2461,7 +2461,7 @@
           <a:p>
             <a:fld id="{1967C87D-2578-4C94-80D4-218D80B24105}" type="datetimeFigureOut">
               <a:rPr lang="pt-BR" smtClean="0"/>
-              <a:t>07/06/2024</a:t>
+              <a:t>10/07/2024</a:t>
             </a:fld>
             <a:endParaRPr lang="pt-BR"/>
           </a:p>
@@ -2659,7 +2659,7 @@
           <a:p>
             <a:fld id="{1967C87D-2578-4C94-80D4-218D80B24105}" type="datetimeFigureOut">
               <a:rPr lang="pt-BR" smtClean="0"/>
-              <a:t>07/06/2024</a:t>
+              <a:t>10/07/2024</a:t>
             </a:fld>
             <a:endParaRPr lang="pt-BR"/>
           </a:p>
@@ -2934,7 +2934,7 @@
           <a:p>
             <a:fld id="{1967C87D-2578-4C94-80D4-218D80B24105}" type="datetimeFigureOut">
               <a:rPr lang="pt-BR" smtClean="0"/>
-              <a:t>07/06/2024</a:t>
+              <a:t>10/07/2024</a:t>
             </a:fld>
             <a:endParaRPr lang="pt-BR"/>
           </a:p>
@@ -3199,7 +3199,7 @@
           <a:p>
             <a:fld id="{1967C87D-2578-4C94-80D4-218D80B24105}" type="datetimeFigureOut">
               <a:rPr lang="pt-BR" smtClean="0"/>
-              <a:t>07/06/2024</a:t>
+              <a:t>10/07/2024</a:t>
             </a:fld>
             <a:endParaRPr lang="pt-BR"/>
           </a:p>
@@ -3611,7 +3611,7 @@
           <a:p>
             <a:fld id="{1967C87D-2578-4C94-80D4-218D80B24105}" type="datetimeFigureOut">
               <a:rPr lang="pt-BR" smtClean="0"/>
-              <a:t>07/06/2024</a:t>
+              <a:t>10/07/2024</a:t>
             </a:fld>
             <a:endParaRPr lang="pt-BR"/>
           </a:p>
@@ -3752,7 +3752,7 @@
           <a:p>
             <a:fld id="{1967C87D-2578-4C94-80D4-218D80B24105}" type="datetimeFigureOut">
               <a:rPr lang="pt-BR" smtClean="0"/>
-              <a:t>07/06/2024</a:t>
+              <a:t>10/07/2024</a:t>
             </a:fld>
             <a:endParaRPr lang="pt-BR"/>
           </a:p>
@@ -3865,7 +3865,7 @@
           <a:p>
             <a:fld id="{1967C87D-2578-4C94-80D4-218D80B24105}" type="datetimeFigureOut">
               <a:rPr lang="pt-BR" smtClean="0"/>
-              <a:t>07/06/2024</a:t>
+              <a:t>10/07/2024</a:t>
             </a:fld>
             <a:endParaRPr lang="pt-BR"/>
           </a:p>
@@ -4176,7 +4176,7 @@
           <a:p>
             <a:fld id="{1967C87D-2578-4C94-80D4-218D80B24105}" type="datetimeFigureOut">
               <a:rPr lang="pt-BR" smtClean="0"/>
-              <a:t>07/06/2024</a:t>
+              <a:t>10/07/2024</a:t>
             </a:fld>
             <a:endParaRPr lang="pt-BR"/>
           </a:p>
@@ -4464,7 +4464,7 @@
           <a:p>
             <a:fld id="{1967C87D-2578-4C94-80D4-218D80B24105}" type="datetimeFigureOut">
               <a:rPr lang="pt-BR" smtClean="0"/>
-              <a:t>07/06/2024</a:t>
+              <a:t>10/07/2024</a:t>
             </a:fld>
             <a:endParaRPr lang="pt-BR"/>
           </a:p>
@@ -4705,7 +4705,7 @@
           <a:p>
             <a:fld id="{1967C87D-2578-4C94-80D4-218D80B24105}" type="datetimeFigureOut">
               <a:rPr lang="pt-BR" smtClean="0"/>
-              <a:t>07/06/2024</a:t>
+              <a:t>10/07/2024</a:t>
             </a:fld>
             <a:endParaRPr lang="pt-BR"/>
           </a:p>
@@ -7879,7 +7879,7 @@
             <a:pPr algn="ctr"/>
             <a:r>
               <a:rPr lang="pt-BR" dirty="0"/>
-              <a:t>1</a:t>
+              <a:t>3</a:t>
             </a:r>
           </a:p>
         </p:txBody>
@@ -7898,8 +7898,8 @@
         </p:nvSpPr>
         <p:spPr>
           <a:xfrm>
-            <a:off x="10068162" y="5362260"/>
-            <a:ext cx="1830950" cy="1200329"/>
+            <a:off x="10448074" y="5362260"/>
+            <a:ext cx="1451038" cy="1200329"/>
           </a:xfrm>
           <a:prstGeom prst="rect">
             <a:avLst/>
@@ -7912,35 +7912,39 @@
           </a:bodyPr>
           <a:lstStyle/>
           <a:p>
+            <a:pPr algn="r"/>
             <a:r>
               <a:rPr lang="pt-BR" dirty="0">
                 <a:latin typeface="Consolas" panose="020B0609020204030204" pitchFamily="49" charset="0"/>
               </a:rPr>
-              <a:t>x 0, y 0, z 0</a:t>
-            </a:r>
-          </a:p>
-          <a:p>
+              <a:t>x0, y0, z0</a:t>
+            </a:r>
+          </a:p>
+          <a:p>
+            <a:pPr algn="r"/>
             <a:r>
               <a:rPr lang="pt-BR" dirty="0">
                 <a:latin typeface="Consolas" panose="020B0609020204030204" pitchFamily="49" charset="0"/>
               </a:rPr>
-              <a:t>x 0, y 1, z 0</a:t>
-            </a:r>
-          </a:p>
-          <a:p>
+              <a:t>x0, y0, z1</a:t>
+            </a:r>
+          </a:p>
+          <a:p>
+            <a:pPr algn="r"/>
             <a:r>
               <a:rPr lang="pt-BR" dirty="0">
                 <a:latin typeface="Consolas" panose="020B0609020204030204" pitchFamily="49" charset="0"/>
               </a:rPr>
-              <a:t>x 0, y 1, z 1</a:t>
-            </a:r>
-          </a:p>
-          <a:p>
+              <a:t>x0, y1, z1</a:t>
+            </a:r>
+          </a:p>
+          <a:p>
+            <a:pPr algn="r"/>
             <a:r>
               <a:rPr lang="pt-BR" dirty="0">
                 <a:latin typeface="Consolas" panose="020B0609020204030204" pitchFamily="49" charset="0"/>
               </a:rPr>
-              <a:t>x 0, y 0, z 1</a:t>
+              <a:t>x0, y1, z0</a:t>
             </a:r>
           </a:p>
         </p:txBody>
@@ -7959,8 +7963,8 @@
         </p:nvSpPr>
         <p:spPr>
           <a:xfrm>
-            <a:off x="3163725" y="4937691"/>
-            <a:ext cx="1210589" cy="369332"/>
+            <a:off x="3243074" y="4937691"/>
+            <a:ext cx="1051890" cy="369332"/>
           </a:xfrm>
           <a:prstGeom prst="rect">
             <a:avLst/>
@@ -7976,7 +7980,7 @@
             <a:pPr algn="ctr"/>
             <a:r>
               <a:rPr lang="pt-BR" dirty="0"/>
-              <a:t>x 0, y 0, z 0</a:t>
+              <a:t>x0, y0, z0</a:t>
             </a:r>
           </a:p>
         </p:txBody>
@@ -7995,8 +7999,8 @@
         </p:nvSpPr>
         <p:spPr>
           <a:xfrm>
-            <a:off x="4731123" y="5892929"/>
-            <a:ext cx="1210589" cy="369332"/>
+            <a:off x="4810472" y="5892929"/>
+            <a:ext cx="1051890" cy="369332"/>
           </a:xfrm>
           <a:prstGeom prst="rect">
             <a:avLst/>
@@ -8012,7 +8016,7 @@
             <a:pPr algn="ctr"/>
             <a:r>
               <a:rPr lang="pt-BR" dirty="0"/>
-              <a:t>x 0, y 0, z 1</a:t>
+              <a:t>x0, y0, z1</a:t>
             </a:r>
           </a:p>
         </p:txBody>
@@ -8031,8 +8035,8 @@
         </p:nvSpPr>
         <p:spPr>
           <a:xfrm>
-            <a:off x="3191833" y="516869"/>
-            <a:ext cx="1210588" cy="369332"/>
+            <a:off x="3271181" y="516869"/>
+            <a:ext cx="1051890" cy="369332"/>
           </a:xfrm>
           <a:prstGeom prst="rect">
             <a:avLst/>
@@ -8045,9 +8049,10 @@
           </a:bodyPr>
           <a:lstStyle/>
           <a:p>
+            <a:pPr algn="ctr"/>
             <a:r>
               <a:rPr lang="pt-BR" dirty="0"/>
-              <a:t>x 0, y 1, z 0</a:t>
+              <a:t>x0, y1, z0</a:t>
             </a:r>
           </a:p>
         </p:txBody>
@@ -8360,7 +8365,7 @@
             <a:pPr algn="ctr"/>
             <a:r>
               <a:rPr lang="pt-BR" dirty="0"/>
-              <a:t>3</a:t>
+              <a:t>1</a:t>
             </a:r>
           </a:p>
         </p:txBody>
@@ -8489,8 +8494,8 @@
         </p:nvSpPr>
         <p:spPr>
           <a:xfrm>
-            <a:off x="4731124" y="1513929"/>
-            <a:ext cx="1210588" cy="369332"/>
+            <a:off x="4810472" y="1513929"/>
+            <a:ext cx="1051890" cy="369332"/>
           </a:xfrm>
           <a:prstGeom prst="rect">
             <a:avLst/>
@@ -8505,9 +8510,10 @@
           </a:bodyPr>
           <a:lstStyle/>
           <a:p>
+            <a:pPr algn="ctr"/>
             <a:r>
               <a:rPr lang="pt-BR" dirty="0"/>
-              <a:t>x 0, y 1, z 1</a:t>
+              <a:t>x0, y1, z1</a:t>
             </a:r>
           </a:p>
         </p:txBody>
@@ -8812,7 +8818,7 @@
             <a:pPr algn="ctr"/>
             <a:r>
               <a:rPr lang="pt-BR" dirty="0"/>
-              <a:t>3</a:t>
+              <a:t>1</a:t>
             </a:r>
           </a:p>
         </p:txBody>
@@ -8922,7 +8928,7 @@
             <a:pPr algn="ctr"/>
             <a:r>
               <a:rPr lang="pt-BR" dirty="0"/>
-              <a:t>1</a:t>
+              <a:t>3</a:t>
             </a:r>
           </a:p>
         </p:txBody>
@@ -8976,8 +8982,8 @@
         </p:nvSpPr>
         <p:spPr>
           <a:xfrm>
-            <a:off x="10068162" y="5362260"/>
-            <a:ext cx="1830950" cy="1200329"/>
+            <a:off x="10448074" y="5362260"/>
+            <a:ext cx="1451038" cy="1200329"/>
           </a:xfrm>
           <a:prstGeom prst="rect">
             <a:avLst/>
@@ -8990,35 +8996,39 @@
           </a:bodyPr>
           <a:lstStyle/>
           <a:p>
+            <a:pPr algn="r"/>
             <a:r>
               <a:rPr lang="pt-BR" dirty="0">
                 <a:latin typeface="Consolas" panose="020B0609020204030204" pitchFamily="49" charset="0"/>
               </a:rPr>
-              <a:t>x 1, y 0, z 1</a:t>
-            </a:r>
-          </a:p>
-          <a:p>
+              <a:t>x1, y0, z1</a:t>
+            </a:r>
+          </a:p>
+          <a:p>
+            <a:pPr algn="r"/>
             <a:r>
               <a:rPr lang="pt-BR" dirty="0">
                 <a:latin typeface="Consolas" panose="020B0609020204030204" pitchFamily="49" charset="0"/>
               </a:rPr>
-              <a:t>x 1, y 1, z 1</a:t>
-            </a:r>
-          </a:p>
-          <a:p>
+              <a:t>x1, y0, z0</a:t>
+            </a:r>
+          </a:p>
+          <a:p>
+            <a:pPr algn="r"/>
             <a:r>
               <a:rPr lang="pt-BR" dirty="0">
                 <a:latin typeface="Consolas" panose="020B0609020204030204" pitchFamily="49" charset="0"/>
               </a:rPr>
-              <a:t>x 1, y 1, z 0</a:t>
-            </a:r>
-          </a:p>
-          <a:p>
+              <a:t>x1, y1, z0</a:t>
+            </a:r>
+          </a:p>
+          <a:p>
+            <a:pPr algn="r"/>
             <a:r>
               <a:rPr lang="pt-BR" dirty="0">
                 <a:latin typeface="Consolas" panose="020B0609020204030204" pitchFamily="49" charset="0"/>
               </a:rPr>
-              <a:t>x 1, y 0, z 0</a:t>
+              <a:t>x1, y1, z1</a:t>
             </a:r>
           </a:p>
         </p:txBody>
@@ -9037,8 +9047,8 @@
         </p:nvSpPr>
         <p:spPr>
           <a:xfrm>
-            <a:off x="6427254" y="65094"/>
-            <a:ext cx="1210588" cy="369332"/>
+            <a:off x="6506602" y="65094"/>
+            <a:ext cx="1051890" cy="369332"/>
           </a:xfrm>
           <a:prstGeom prst="rect">
             <a:avLst/>
@@ -9051,9 +9061,10 @@
           </a:bodyPr>
           <a:lstStyle/>
           <a:p>
+            <a:pPr algn="ctr"/>
             <a:r>
               <a:rPr lang="pt-BR" dirty="0"/>
-              <a:t>x 1, y 1, z 0</a:t>
+              <a:t>x1, y1, z0</a:t>
             </a:r>
           </a:p>
         </p:txBody>
@@ -9072,8 +9083,8 @@
         </p:nvSpPr>
         <p:spPr>
           <a:xfrm>
-            <a:off x="6402697" y="4485300"/>
-            <a:ext cx="1210588" cy="369332"/>
+            <a:off x="6482045" y="4485300"/>
+            <a:ext cx="1051890" cy="369332"/>
           </a:xfrm>
           <a:prstGeom prst="rect">
             <a:avLst/>
@@ -9088,9 +9099,10 @@
           </a:bodyPr>
           <a:lstStyle/>
           <a:p>
+            <a:pPr algn="ctr"/>
             <a:r>
               <a:rPr lang="pt-BR" dirty="0"/>
-              <a:t>x 1, y 0, z 0</a:t>
+              <a:t>x1, y0, z0</a:t>
             </a:r>
           </a:p>
         </p:txBody>
@@ -9109,8 +9121,8 @@
         </p:nvSpPr>
         <p:spPr>
           <a:xfrm>
-            <a:off x="8023944" y="5390930"/>
-            <a:ext cx="1210589" cy="369332"/>
+            <a:off x="8103293" y="5390930"/>
+            <a:ext cx="1051890" cy="369332"/>
           </a:xfrm>
           <a:prstGeom prst="rect">
             <a:avLst/>
@@ -9126,7 +9138,7 @@
             <a:pPr algn="ctr"/>
             <a:r>
               <a:rPr lang="pt-BR" dirty="0"/>
-              <a:t>x 1, y 0, z 1</a:t>
+              <a:t>x1, y0, z1</a:t>
             </a:r>
           </a:p>
         </p:txBody>
@@ -9145,8 +9157,8 @@
         </p:nvSpPr>
         <p:spPr>
           <a:xfrm>
-            <a:off x="8052052" y="1020903"/>
-            <a:ext cx="1210588" cy="369332"/>
+            <a:off x="8131400" y="1020903"/>
+            <a:ext cx="1051890" cy="369332"/>
           </a:xfrm>
           <a:prstGeom prst="rect">
             <a:avLst/>
@@ -9159,9 +9171,10 @@
           </a:bodyPr>
           <a:lstStyle/>
           <a:p>
+            <a:pPr algn="ctr"/>
             <a:r>
               <a:rPr lang="pt-BR" dirty="0"/>
-              <a:t>x 1, y 1, z 1</a:t>
+              <a:t>x1, y1, z1</a:t>
             </a:r>
           </a:p>
         </p:txBody>
@@ -9778,7 +9791,7 @@
             <a:pPr algn="ctr"/>
             <a:r>
               <a:rPr lang="pt-BR" dirty="0"/>
-              <a:t>3</a:t>
+              <a:t>1</a:t>
             </a:r>
           </a:p>
         </p:txBody>
@@ -9833,8 +9846,8 @@
         </p:nvSpPr>
         <p:spPr>
           <a:xfrm>
-            <a:off x="10068162" y="5362260"/>
-            <a:ext cx="1830950" cy="1200329"/>
+            <a:off x="10448074" y="5362260"/>
+            <a:ext cx="1451038" cy="1200329"/>
           </a:xfrm>
           <a:prstGeom prst="rect">
             <a:avLst/>
@@ -9847,35 +9860,39 @@
           </a:bodyPr>
           <a:lstStyle/>
           <a:p>
+            <a:pPr algn="r"/>
             <a:r>
               <a:rPr lang="pt-BR" dirty="0">
                 <a:latin typeface="Consolas" panose="020B0609020204030204" pitchFamily="49" charset="0"/>
               </a:rPr>
-              <a:t>x 0, y 0, z 0</a:t>
-            </a:r>
-          </a:p>
-          <a:p>
+              <a:t>x0, y0, z0</a:t>
+            </a:r>
+          </a:p>
+          <a:p>
+            <a:pPr algn="r"/>
             <a:r>
               <a:rPr lang="pt-BR" dirty="0">
                 <a:latin typeface="Consolas" panose="020B0609020204030204" pitchFamily="49" charset="0"/>
               </a:rPr>
-              <a:t>x 0, y 0, z 1</a:t>
-            </a:r>
-          </a:p>
-          <a:p>
+              <a:t>x1, y0, z0</a:t>
+            </a:r>
+          </a:p>
+          <a:p>
+            <a:pPr algn="r"/>
             <a:r>
               <a:rPr lang="pt-BR" dirty="0">
                 <a:latin typeface="Consolas" panose="020B0609020204030204" pitchFamily="49" charset="0"/>
               </a:rPr>
-              <a:t>x 1, y 0, z 1</a:t>
-            </a:r>
-          </a:p>
-          <a:p>
+              <a:t>x1, y0, z1</a:t>
+            </a:r>
+          </a:p>
+          <a:p>
+            <a:pPr algn="r"/>
             <a:r>
               <a:rPr lang="pt-BR" dirty="0">
                 <a:latin typeface="Consolas" panose="020B0609020204030204" pitchFamily="49" charset="0"/>
               </a:rPr>
-              <a:t>x 1, y 0, z 0</a:t>
+              <a:t>x0, y0, z1</a:t>
             </a:r>
           </a:p>
         </p:txBody>
@@ -9894,8 +9911,8 @@
         </p:nvSpPr>
         <p:spPr>
           <a:xfrm>
-            <a:off x="8023944" y="5372071"/>
-            <a:ext cx="1210589" cy="369332"/>
+            <a:off x="8103293" y="5372071"/>
+            <a:ext cx="1051890" cy="369332"/>
           </a:xfrm>
           <a:prstGeom prst="rect">
             <a:avLst/>
@@ -9911,7 +9928,7 @@
             <a:pPr algn="ctr"/>
             <a:r>
               <a:rPr lang="pt-BR" dirty="0"/>
-              <a:t>x 1, y 0, z 1</a:t>
+              <a:t>x1, y0, z1</a:t>
             </a:r>
           </a:p>
         </p:txBody>
@@ -9930,8 +9947,8 @@
         </p:nvSpPr>
         <p:spPr>
           <a:xfrm>
-            <a:off x="4731123" y="5929547"/>
-            <a:ext cx="1210589" cy="369332"/>
+            <a:off x="4810472" y="5929547"/>
+            <a:ext cx="1051890" cy="369332"/>
           </a:xfrm>
           <a:prstGeom prst="rect">
             <a:avLst/>
@@ -9947,7 +9964,7 @@
             <a:pPr algn="ctr"/>
             <a:r>
               <a:rPr lang="pt-BR" dirty="0"/>
-              <a:t>x 0, y 0, z 1</a:t>
+              <a:t>x0, y0, z1</a:t>
             </a:r>
           </a:p>
         </p:txBody>
@@ -9966,8 +9983,8 @@
         </p:nvSpPr>
         <p:spPr>
           <a:xfrm>
-            <a:off x="3152526" y="3924199"/>
-            <a:ext cx="1210589" cy="369332"/>
+            <a:off x="3231875" y="3924199"/>
+            <a:ext cx="1051890" cy="369332"/>
           </a:xfrm>
           <a:prstGeom prst="rect">
             <a:avLst/>
@@ -9985,7 +10002,7 @@
             <a:pPr algn="ctr"/>
             <a:r>
               <a:rPr lang="pt-BR" dirty="0"/>
-              <a:t>x 0, y 0, z 0</a:t>
+              <a:t>x0, y0, z0</a:t>
             </a:r>
           </a:p>
         </p:txBody>
@@ -10004,8 +10021,8 @@
         </p:nvSpPr>
         <p:spPr>
           <a:xfrm>
-            <a:off x="6393122" y="3507089"/>
-            <a:ext cx="1210588" cy="369332"/>
+            <a:off x="6472470" y="3507089"/>
+            <a:ext cx="1051890" cy="369332"/>
           </a:xfrm>
           <a:prstGeom prst="rect">
             <a:avLst/>
@@ -10020,9 +10037,10 @@
           </a:bodyPr>
           <a:lstStyle/>
           <a:p>
+            <a:pPr algn="ctr"/>
             <a:r>
               <a:rPr lang="pt-BR" dirty="0"/>
-              <a:t>x 1, y 0, z 0</a:t>
+              <a:t>x1, y0, z0</a:t>
             </a:r>
           </a:p>
         </p:txBody>
@@ -10445,7 +10463,7 @@
             <a:pPr algn="ctr"/>
             <a:r>
               <a:rPr lang="pt-BR" dirty="0"/>
-              <a:t>1</a:t>
+              <a:t>3</a:t>
             </a:r>
           </a:p>
         </p:txBody>
@@ -10752,7 +10770,7 @@
             <a:pPr algn="ctr"/>
             <a:r>
               <a:rPr lang="pt-BR" dirty="0"/>
-              <a:t>3</a:t>
+              <a:t>1</a:t>
             </a:r>
           </a:p>
         </p:txBody>
@@ -10807,7 +10825,7 @@
             <a:pPr algn="ctr"/>
             <a:r>
               <a:rPr lang="pt-BR" dirty="0"/>
-              <a:t>1</a:t>
+              <a:t>3</a:t>
             </a:r>
           </a:p>
         </p:txBody>
@@ -10861,8 +10879,8 @@
         </p:nvSpPr>
         <p:spPr>
           <a:xfrm>
-            <a:off x="10068162" y="5362260"/>
-            <a:ext cx="1830950" cy="1200329"/>
+            <a:off x="10448074" y="5362260"/>
+            <a:ext cx="1451038" cy="1200329"/>
           </a:xfrm>
           <a:prstGeom prst="rect">
             <a:avLst/>
@@ -10875,35 +10893,39 @@
           </a:bodyPr>
           <a:lstStyle/>
           <a:p>
+            <a:pPr algn="r"/>
             <a:r>
               <a:rPr lang="pt-BR" dirty="0">
                 <a:latin typeface="Consolas" panose="020B0609020204030204" pitchFamily="49" charset="0"/>
               </a:rPr>
-              <a:t>x 0, y 1, z 1</a:t>
-            </a:r>
-          </a:p>
-          <a:p>
+              <a:t>x0, y1, z1</a:t>
+            </a:r>
+          </a:p>
+          <a:p>
+            <a:pPr algn="r"/>
             <a:r>
               <a:rPr lang="pt-BR" dirty="0">
                 <a:latin typeface="Consolas" panose="020B0609020204030204" pitchFamily="49" charset="0"/>
               </a:rPr>
-              <a:t>x 0, y 1, z 0</a:t>
-            </a:r>
-          </a:p>
-          <a:p>
+              <a:t>x1, y1, z1</a:t>
+            </a:r>
+          </a:p>
+          <a:p>
+            <a:pPr algn="r"/>
             <a:r>
               <a:rPr lang="pt-BR" dirty="0">
                 <a:latin typeface="Consolas" panose="020B0609020204030204" pitchFamily="49" charset="0"/>
               </a:rPr>
-              <a:t>x 1, y 1, z 0</a:t>
-            </a:r>
-          </a:p>
-          <a:p>
+              <a:t>x1, y1, z0</a:t>
+            </a:r>
+          </a:p>
+          <a:p>
+            <a:pPr algn="r"/>
             <a:r>
               <a:rPr lang="pt-BR" dirty="0">
                 <a:latin typeface="Consolas" panose="020B0609020204030204" pitchFamily="49" charset="0"/>
               </a:rPr>
-              <a:t>x 1, y 1, z 1</a:t>
+              <a:t>x0, y1, z0</a:t>
             </a:r>
           </a:p>
         </p:txBody>
@@ -10922,8 +10944,8 @@
         </p:nvSpPr>
         <p:spPr>
           <a:xfrm>
-            <a:off x="6427254" y="65094"/>
-            <a:ext cx="1210588" cy="369332"/>
+            <a:off x="6506602" y="65094"/>
+            <a:ext cx="1051890" cy="369332"/>
           </a:xfrm>
           <a:prstGeom prst="rect">
             <a:avLst/>
@@ -10936,9 +10958,10 @@
           </a:bodyPr>
           <a:lstStyle/>
           <a:p>
+            <a:pPr algn="ctr"/>
             <a:r>
               <a:rPr lang="pt-BR" dirty="0"/>
-              <a:t>x 1, y 1, z 0</a:t>
+              <a:t>x1, y1, z0</a:t>
             </a:r>
           </a:p>
         </p:txBody>
@@ -10957,8 +10980,8 @@
         </p:nvSpPr>
         <p:spPr>
           <a:xfrm>
-            <a:off x="8052052" y="2012879"/>
-            <a:ext cx="1210588" cy="369332"/>
+            <a:off x="8131400" y="2012879"/>
+            <a:ext cx="1051890" cy="369332"/>
           </a:xfrm>
           <a:prstGeom prst="rect">
             <a:avLst/>
@@ -10973,9 +10996,10 @@
           </a:bodyPr>
           <a:lstStyle/>
           <a:p>
+            <a:pPr algn="ctr"/>
             <a:r>
               <a:rPr lang="pt-BR" dirty="0"/>
-              <a:t>x 1, y 1, z 1</a:t>
+              <a:t>x1, y1, z1</a:t>
             </a:r>
           </a:p>
         </p:txBody>
@@ -10994,8 +11018,8 @@
         </p:nvSpPr>
         <p:spPr>
           <a:xfrm>
-            <a:off x="3191833" y="516869"/>
-            <a:ext cx="1210588" cy="369332"/>
+            <a:off x="3271181" y="516869"/>
+            <a:ext cx="1051890" cy="369332"/>
           </a:xfrm>
           <a:prstGeom prst="rect">
             <a:avLst/>
@@ -11008,9 +11032,10 @@
           </a:bodyPr>
           <a:lstStyle/>
           <a:p>
+            <a:pPr algn="ctr"/>
             <a:r>
               <a:rPr lang="pt-BR" dirty="0"/>
-              <a:t>x 0, y 1, z 0</a:t>
+              <a:t>x0, y1, z0</a:t>
             </a:r>
           </a:p>
         </p:txBody>
@@ -11342,8 +11367,8 @@
         </p:nvSpPr>
         <p:spPr>
           <a:xfrm>
-            <a:off x="4759231" y="2521161"/>
-            <a:ext cx="1210588" cy="369332"/>
+            <a:off x="4838579" y="2521161"/>
+            <a:ext cx="1051890" cy="369332"/>
           </a:xfrm>
           <a:prstGeom prst="rect">
             <a:avLst/>
@@ -11358,9 +11383,10 @@
           </a:bodyPr>
           <a:lstStyle/>
           <a:p>
+            <a:pPr algn="ctr"/>
             <a:r>
               <a:rPr lang="pt-BR" dirty="0"/>
-              <a:t>x 0, y 1, z 1</a:t>
+              <a:t>x0, y1, z1</a:t>
             </a:r>
           </a:p>
         </p:txBody>
@@ -11755,7 +11781,7 @@
             <a:pPr algn="ctr"/>
             <a:r>
               <a:rPr lang="pt-BR" dirty="0"/>
-              <a:t>1</a:t>
+              <a:t>3</a:t>
             </a:r>
           </a:p>
         </p:txBody>
@@ -11829,8 +11855,8 @@
         </p:nvSpPr>
         <p:spPr>
           <a:xfrm>
-            <a:off x="10068162" y="5362260"/>
-            <a:ext cx="1830950" cy="1200329"/>
+            <a:off x="10448074" y="5362260"/>
+            <a:ext cx="1451038" cy="1200329"/>
           </a:xfrm>
           <a:prstGeom prst="rect">
             <a:avLst/>
@@ -11843,35 +11869,39 @@
           </a:bodyPr>
           <a:lstStyle/>
           <a:p>
+            <a:pPr algn="r"/>
             <a:r>
               <a:rPr lang="pt-BR" dirty="0">
                 <a:latin typeface="Consolas" panose="020B0609020204030204" pitchFamily="49" charset="0"/>
               </a:rPr>
-              <a:t>x 1, y 0, z 0</a:t>
-            </a:r>
-          </a:p>
-          <a:p>
+              <a:t>x1, y0, z0</a:t>
+            </a:r>
+          </a:p>
+          <a:p>
+            <a:pPr algn="r"/>
             <a:r>
               <a:rPr lang="pt-BR" dirty="0">
                 <a:latin typeface="Consolas" panose="020B0609020204030204" pitchFamily="49" charset="0"/>
               </a:rPr>
-              <a:t>x 1, y 1, z 0</a:t>
-            </a:r>
-          </a:p>
-          <a:p>
+              <a:t>x0, y0, z0</a:t>
+            </a:r>
+          </a:p>
+          <a:p>
+            <a:pPr algn="r"/>
             <a:r>
               <a:rPr lang="pt-BR" dirty="0">
                 <a:latin typeface="Consolas" panose="020B0609020204030204" pitchFamily="49" charset="0"/>
               </a:rPr>
-              <a:t>x 0, y 1, z 0</a:t>
-            </a:r>
-          </a:p>
-          <a:p>
+              <a:t>x0, y1, z0</a:t>
+            </a:r>
+          </a:p>
+          <a:p>
+            <a:pPr algn="r"/>
             <a:r>
               <a:rPr lang="pt-BR" dirty="0">
                 <a:latin typeface="Consolas" panose="020B0609020204030204" pitchFamily="49" charset="0"/>
               </a:rPr>
-              <a:t>x 0, y 0, z 0</a:t>
+              <a:t>x1, y1, z0</a:t>
             </a:r>
           </a:p>
         </p:txBody>
@@ -11890,8 +11920,8 @@
         </p:nvSpPr>
         <p:spPr>
           <a:xfrm>
-            <a:off x="3163725" y="4937691"/>
-            <a:ext cx="1210589" cy="369332"/>
+            <a:off x="3243074" y="4937691"/>
+            <a:ext cx="1051890" cy="369332"/>
           </a:xfrm>
           <a:prstGeom prst="rect">
             <a:avLst/>
@@ -11907,7 +11937,7 @@
             <a:pPr algn="ctr"/>
             <a:r>
               <a:rPr lang="pt-BR" dirty="0"/>
-              <a:t>x 0, y 0, z 0</a:t>
+              <a:t>x0, y0, z0</a:t>
             </a:r>
           </a:p>
         </p:txBody>
@@ -11926,8 +11956,8 @@
         </p:nvSpPr>
         <p:spPr>
           <a:xfrm>
-            <a:off x="3191833" y="516869"/>
-            <a:ext cx="1210588" cy="369332"/>
+            <a:off x="3271181" y="516869"/>
+            <a:ext cx="1051890" cy="369332"/>
           </a:xfrm>
           <a:prstGeom prst="rect">
             <a:avLst/>
@@ -11940,9 +11970,10 @@
           </a:bodyPr>
           <a:lstStyle/>
           <a:p>
+            <a:pPr algn="ctr"/>
             <a:r>
               <a:rPr lang="pt-BR" dirty="0"/>
-              <a:t>x 0, y 1, z 0</a:t>
+              <a:t>x0, y1, z0</a:t>
             </a:r>
           </a:p>
         </p:txBody>
@@ -11961,8 +11992,8 @@
         </p:nvSpPr>
         <p:spPr>
           <a:xfrm>
-            <a:off x="6427254" y="65094"/>
-            <a:ext cx="1210588" cy="369332"/>
+            <a:off x="6506602" y="65094"/>
+            <a:ext cx="1051890" cy="369332"/>
           </a:xfrm>
           <a:prstGeom prst="rect">
             <a:avLst/>
@@ -11975,9 +12006,10 @@
           </a:bodyPr>
           <a:lstStyle/>
           <a:p>
+            <a:pPr algn="ctr"/>
             <a:r>
               <a:rPr lang="pt-BR" dirty="0"/>
-              <a:t>x 1, y 1, z 0</a:t>
+              <a:t>x1, y1, z0</a:t>
             </a:r>
           </a:p>
         </p:txBody>
@@ -11996,8 +12028,8 @@
         </p:nvSpPr>
         <p:spPr>
           <a:xfrm>
-            <a:off x="6402697" y="4485300"/>
-            <a:ext cx="1210588" cy="369332"/>
+            <a:off x="6482045" y="4485300"/>
+            <a:ext cx="1051890" cy="369332"/>
           </a:xfrm>
           <a:prstGeom prst="rect">
             <a:avLst/>
@@ -12012,9 +12044,10 @@
           </a:bodyPr>
           <a:lstStyle/>
           <a:p>
+            <a:pPr algn="ctr"/>
             <a:r>
               <a:rPr lang="pt-BR" dirty="0"/>
-              <a:t>x 1, y 0, z 0</a:t>
+              <a:t>x1, y0, z0</a:t>
             </a:r>
           </a:p>
         </p:txBody>
@@ -12327,7 +12360,7 @@
             <a:pPr algn="ctr"/>
             <a:r>
               <a:rPr lang="pt-BR" dirty="0"/>
-              <a:t>3</a:t>
+              <a:t>1</a:t>
             </a:r>
           </a:p>
         </p:txBody>
@@ -12633,8 +12666,8 @@
         </p:nvSpPr>
         <p:spPr>
           <a:xfrm>
-            <a:off x="10068162" y="5362260"/>
-            <a:ext cx="1830950" cy="1200329"/>
+            <a:off x="10448074" y="5362260"/>
+            <a:ext cx="1451038" cy="1200329"/>
           </a:xfrm>
           <a:prstGeom prst="rect">
             <a:avLst/>
@@ -12647,35 +12680,39 @@
           </a:bodyPr>
           <a:lstStyle/>
           <a:p>
+            <a:pPr algn="r"/>
             <a:r>
               <a:rPr lang="pt-BR" dirty="0">
                 <a:latin typeface="Consolas" panose="020B0609020204030204" pitchFamily="49" charset="0"/>
               </a:rPr>
-              <a:t>x 0, y 0, z 1</a:t>
-            </a:r>
-          </a:p>
-          <a:p>
+              <a:t>x0, y0, z1</a:t>
+            </a:r>
+          </a:p>
+          <a:p>
+            <a:pPr algn="r"/>
             <a:r>
               <a:rPr lang="pt-BR" dirty="0">
                 <a:latin typeface="Consolas" panose="020B0609020204030204" pitchFamily="49" charset="0"/>
               </a:rPr>
-              <a:t>x 0, y 1, z 1</a:t>
-            </a:r>
-          </a:p>
-          <a:p>
+              <a:t>x1, y0, z1</a:t>
+            </a:r>
+          </a:p>
+          <a:p>
+            <a:pPr algn="r"/>
             <a:r>
               <a:rPr lang="pt-BR" dirty="0">
                 <a:latin typeface="Consolas" panose="020B0609020204030204" pitchFamily="49" charset="0"/>
               </a:rPr>
-              <a:t>x 1, y 1, z 1</a:t>
-            </a:r>
-          </a:p>
-          <a:p>
+              <a:t>x1, y1, z1</a:t>
+            </a:r>
+          </a:p>
+          <a:p>
+            <a:pPr algn="r"/>
             <a:r>
               <a:rPr lang="pt-BR" dirty="0">
                 <a:latin typeface="Consolas" panose="020B0609020204030204" pitchFamily="49" charset="0"/>
               </a:rPr>
-              <a:t>x 1, y 0, z 1</a:t>
+              <a:t>x0, y1, z1</a:t>
             </a:r>
           </a:p>
         </p:txBody>
@@ -12694,8 +12731,8 @@
         </p:nvSpPr>
         <p:spPr>
           <a:xfrm>
-            <a:off x="8023944" y="5390930"/>
-            <a:ext cx="1210589" cy="369332"/>
+            <a:off x="8103293" y="5390930"/>
+            <a:ext cx="1051890" cy="369332"/>
           </a:xfrm>
           <a:prstGeom prst="rect">
             <a:avLst/>
@@ -12711,7 +12748,7 @@
             <a:pPr algn="ctr"/>
             <a:r>
               <a:rPr lang="pt-BR" dirty="0"/>
-              <a:t>x 1, y 0, z 1</a:t>
+              <a:t>x1, y0, z1</a:t>
             </a:r>
           </a:p>
         </p:txBody>
@@ -12730,8 +12767,8 @@
         </p:nvSpPr>
         <p:spPr>
           <a:xfrm>
-            <a:off x="4731123" y="5892929"/>
-            <a:ext cx="1210589" cy="369332"/>
+            <a:off x="4810472" y="5892929"/>
+            <a:ext cx="1051890" cy="369332"/>
           </a:xfrm>
           <a:prstGeom prst="rect">
             <a:avLst/>
@@ -12747,7 +12784,7 @@
             <a:pPr algn="ctr"/>
             <a:r>
               <a:rPr lang="pt-BR" dirty="0"/>
-              <a:t>x 0, y 0, z 1</a:t>
+              <a:t>x0, y0, z1</a:t>
             </a:r>
           </a:p>
         </p:txBody>
@@ -12766,8 +12803,8 @@
         </p:nvSpPr>
         <p:spPr>
           <a:xfrm>
-            <a:off x="8052052" y="1020903"/>
-            <a:ext cx="1210588" cy="369332"/>
+            <a:off x="8131400" y="1020903"/>
+            <a:ext cx="1051890" cy="369332"/>
           </a:xfrm>
           <a:prstGeom prst="rect">
             <a:avLst/>
@@ -12780,9 +12817,10 @@
           </a:bodyPr>
           <a:lstStyle/>
           <a:p>
+            <a:pPr algn="ctr"/>
             <a:r>
               <a:rPr lang="pt-BR" dirty="0"/>
-              <a:t>x 1, y 1, z 1</a:t>
+              <a:t>x1, y1, z1</a:t>
             </a:r>
           </a:p>
         </p:txBody>
@@ -13095,7 +13133,7 @@
             <a:pPr algn="ctr"/>
             <a:r>
               <a:rPr lang="pt-BR" dirty="0"/>
-              <a:t>3</a:t>
+              <a:t>1</a:t>
             </a:r>
           </a:p>
         </p:txBody>
@@ -13150,7 +13188,7 @@
             <a:pPr algn="ctr"/>
             <a:r>
               <a:rPr lang="pt-BR" dirty="0"/>
-              <a:t>1</a:t>
+              <a:t>3</a:t>
             </a:r>
           </a:p>
         </p:txBody>
@@ -13169,8 +13207,8 @@
         </p:nvSpPr>
         <p:spPr>
           <a:xfrm>
-            <a:off x="4731124" y="1513929"/>
-            <a:ext cx="1210588" cy="369332"/>
+            <a:off x="4810472" y="1513929"/>
+            <a:ext cx="1051890" cy="369332"/>
           </a:xfrm>
           <a:prstGeom prst="rect">
             <a:avLst/>
@@ -13185,9 +13223,10 @@
           </a:bodyPr>
           <a:lstStyle/>
           <a:p>
+            <a:pPr algn="ctr"/>
             <a:r>
               <a:rPr lang="pt-BR" dirty="0"/>
-              <a:t>x 0, y 1, z 1</a:t>
+              <a:t>x0, y1, z1</a:t>
             </a:r>
           </a:p>
         </p:txBody>
@@ -15894,7 +15933,7 @@
             <a:pPr algn="ctr"/>
             <a:r>
               <a:rPr lang="pt-BR" dirty="0"/>
-              <a:t>3</a:t>
+              <a:t>1</a:t>
             </a:r>
           </a:p>
         </p:txBody>
@@ -16004,7 +16043,54 @@
             <a:pPr algn="ctr"/>
             <a:r>
               <a:rPr lang="pt-BR" dirty="0"/>
-              <a:t>1</a:t>
+              <a:t>3</a:t>
+            </a:r>
+          </a:p>
+        </p:txBody>
+      </p:sp>
+      <p:sp>
+        <p:nvSpPr>
+          <p:cNvPr id="14" name="CaixaDeTexto 13">
+            <a:extLst>
+              <a:ext uri="{FF2B5EF4-FFF2-40B4-BE49-F238E27FC236}">
+                <a16:creationId xmlns:a16="http://schemas.microsoft.com/office/drawing/2014/main" id="{2544226B-6954-9E79-E637-6EFCD354E28F}"/>
+              </a:ext>
+            </a:extLst>
+          </p:cNvPr>
+          <p:cNvSpPr txBox="1"/>
+          <p:nvPr/>
+        </p:nvSpPr>
+        <p:spPr>
+          <a:xfrm>
+            <a:off x="10827985" y="5982746"/>
+            <a:ext cx="1071127" cy="646331"/>
+          </a:xfrm>
+          <a:prstGeom prst="rect">
+            <a:avLst/>
+          </a:prstGeom>
+          <a:noFill/>
+        </p:spPr>
+        <p:txBody>
+          <a:bodyPr wrap="none" rtlCol="0">
+            <a:spAutoFit/>
+          </a:bodyPr>
+          <a:lstStyle/>
+          <a:p>
+            <a:pPr algn="r"/>
+            <a:r>
+              <a:rPr lang="pt-BR" dirty="0">
+                <a:latin typeface="Consolas" panose="020B0609020204030204" pitchFamily="49" charset="0"/>
+              </a:rPr>
+              <a:t>0, 1, 2</a:t>
+            </a:r>
+          </a:p>
+          <a:p>
+            <a:pPr algn="r"/>
+            <a:r>
+              <a:rPr lang="pt-BR" dirty="0">
+                <a:latin typeface="Consolas" panose="020B0609020204030204" pitchFamily="49" charset="0"/>
+              </a:rPr>
+              <a:t>0, 2, 3</a:t>
             </a:r>
           </a:p>
         </p:txBody>
@@ -16144,8 +16230,8 @@
         </p:nvSpPr>
         <p:spPr>
           <a:xfrm>
-            <a:off x="3457309" y="5485058"/>
-            <a:ext cx="838691" cy="369332"/>
+            <a:off x="3373953" y="5485058"/>
+            <a:ext cx="944489" cy="369332"/>
           </a:xfrm>
           <a:prstGeom prst="rect">
             <a:avLst/>
@@ -16158,9 +16244,12 @@
           </a:bodyPr>
           <a:lstStyle/>
           <a:p>
-            <a:r>
-              <a:rPr lang="pt-BR" dirty="0"/>
-              <a:t>x 0, y 0</a:t>
+            <a:pPr algn="r"/>
+            <a:r>
+              <a:rPr lang="pt-BR" dirty="0">
+                <a:latin typeface="Consolas" panose="020B0609020204030204" pitchFamily="49" charset="0"/>
+              </a:rPr>
+              <a:t>u0, v0</a:t>
             </a:r>
           </a:p>
         </p:txBody>
@@ -16179,8 +16268,8 @@
         </p:nvSpPr>
         <p:spPr>
           <a:xfrm>
-            <a:off x="3350217" y="984769"/>
-            <a:ext cx="838691" cy="369332"/>
+            <a:off x="3266861" y="984769"/>
+            <a:ext cx="944489" cy="369332"/>
           </a:xfrm>
           <a:prstGeom prst="rect">
             <a:avLst/>
@@ -16193,9 +16282,12 @@
           </a:bodyPr>
           <a:lstStyle/>
           <a:p>
-            <a:r>
-              <a:rPr lang="pt-BR" dirty="0"/>
-              <a:t>x 0, y 1</a:t>
+            <a:pPr algn="r"/>
+            <a:r>
+              <a:rPr lang="pt-BR" dirty="0">
+                <a:latin typeface="Consolas" panose="020B0609020204030204" pitchFamily="49" charset="0"/>
+              </a:rPr>
+              <a:t>u0, v1</a:t>
             </a:r>
           </a:p>
         </p:txBody>
@@ -16215,7 +16307,7 @@
         <p:spPr>
           <a:xfrm>
             <a:off x="7746032" y="923458"/>
-            <a:ext cx="838691" cy="369332"/>
+            <a:ext cx="944489" cy="369332"/>
           </a:xfrm>
           <a:prstGeom prst="rect">
             <a:avLst/>
@@ -16229,8 +16321,10 @@
           <a:lstStyle/>
           <a:p>
             <a:r>
-              <a:rPr lang="pt-BR" dirty="0"/>
-              <a:t>x 1, y 1</a:t>
+              <a:rPr lang="pt-BR" dirty="0">
+                <a:latin typeface="Consolas" panose="020B0609020204030204" pitchFamily="49" charset="0"/>
+              </a:rPr>
+              <a:t>u1, v1</a:t>
             </a:r>
           </a:p>
         </p:txBody>
@@ -16250,7 +16344,7 @@
         <p:spPr>
           <a:xfrm>
             <a:off x="7938085" y="5485058"/>
-            <a:ext cx="838691" cy="369332"/>
+            <a:ext cx="944489" cy="369332"/>
           </a:xfrm>
           <a:prstGeom prst="rect">
             <a:avLst/>
@@ -16264,8 +16358,10 @@
           <a:lstStyle/>
           <a:p>
             <a:r>
-              <a:rPr lang="pt-BR" dirty="0"/>
-              <a:t>x 1, y 0</a:t>
+              <a:rPr lang="pt-BR" dirty="0">
+                <a:latin typeface="Consolas" panose="020B0609020204030204" pitchFamily="49" charset="0"/>
+              </a:rPr>
+              <a:t>u1, v0</a:t>
             </a:r>
           </a:p>
         </p:txBody>
@@ -16500,7 +16596,7 @@
             <a:pPr algn="ctr"/>
             <a:r>
               <a:rPr lang="pt-BR" dirty="0"/>
-              <a:t>3</a:t>
+              <a:t>1</a:t>
             </a:r>
           </a:p>
         </p:txBody>
@@ -16610,7 +16706,72 @@
             <a:pPr algn="ctr"/>
             <a:r>
               <a:rPr lang="pt-BR" dirty="0"/>
-              <a:t>1</a:t>
+              <a:t>3</a:t>
+            </a:r>
+          </a:p>
+        </p:txBody>
+      </p:sp>
+      <p:sp>
+        <p:nvSpPr>
+          <p:cNvPr id="16" name="CaixaDeTexto 15">
+            <a:extLst>
+              <a:ext uri="{FF2B5EF4-FFF2-40B4-BE49-F238E27FC236}">
+                <a16:creationId xmlns:a16="http://schemas.microsoft.com/office/drawing/2014/main" id="{AD8F1545-36CD-3272-0878-787BDE1B0CF5}"/>
+              </a:ext>
+            </a:extLst>
+          </p:cNvPr>
+          <p:cNvSpPr txBox="1"/>
+          <p:nvPr/>
+        </p:nvSpPr>
+        <p:spPr>
+          <a:xfrm>
+            <a:off x="10954559" y="5362260"/>
+            <a:ext cx="944553" cy="1200329"/>
+          </a:xfrm>
+          <a:prstGeom prst="rect">
+            <a:avLst/>
+          </a:prstGeom>
+          <a:noFill/>
+        </p:spPr>
+        <p:txBody>
+          <a:bodyPr wrap="none" rtlCol="0">
+            <a:spAutoFit/>
+          </a:bodyPr>
+          <a:lstStyle/>
+          <a:p>
+            <a:pPr algn="r"/>
+            <a:r>
+              <a:rPr lang="pt-BR" dirty="0">
+                <a:latin typeface="Consolas" panose="020B0609020204030204" pitchFamily="49" charset="0"/>
+              </a:rPr>
+              <a:t>u0, v0</a:t>
+            </a:r>
+          </a:p>
+          <a:p>
+            <a:pPr algn="r"/>
+            <a:r>
+              <a:rPr lang="pt-BR" dirty="0">
+                <a:latin typeface="Consolas" panose="020B0609020204030204" pitchFamily="49" charset="0"/>
+              </a:rPr>
+              <a:t>u1, v0</a:t>
+            </a:r>
+          </a:p>
+          <a:p>
+            <a:pPr algn="r"/>
+            <a:r>
+              <a:rPr lang="pt-BR" dirty="0">
+                <a:latin typeface="Consolas" panose="020B0609020204030204" pitchFamily="49" charset="0"/>
+              </a:rPr>
+              <a:t>u1, v1</a:t>
+            </a:r>
+          </a:p>
+          <a:p>
+            <a:pPr algn="r"/>
+            <a:r>
+              <a:rPr lang="pt-BR" dirty="0">
+                <a:latin typeface="Consolas" panose="020B0609020204030204" pitchFamily="49" charset="0"/>
+              </a:rPr>
+              <a:t>u0, v1</a:t>
             </a:r>
           </a:p>
         </p:txBody>
